--- a/Project presentation (presentation)- zhiying.pptx
+++ b/Project presentation (presentation)- zhiying.pptx
@@ -288,7 +288,7 @@
           <a:p>
             <a:fld id="{08E547F7-70C5-4547-A4AE-C43BB740706B}" type="datetimeFigureOut">
               <a:rPr lang="en-GB" smtClean="0"/>
-              <a:t>14/10/2017</a:t>
+              <a:t>16/10/2017</a:t>
             </a:fld>
             <a:endParaRPr lang="en-GB"/>
           </a:p>
@@ -454,7 +454,7 @@
           <a:p>
             <a:fld id="{35D16BFF-E995-4642-B57B-66CC9E10AD5D}" type="datetimeFigureOut">
               <a:rPr lang="en-GB" smtClean="0"/>
-              <a:t>14/10/2017</a:t>
+              <a:t>16/10/2017</a:t>
             </a:fld>
             <a:endParaRPr lang="en-GB"/>
           </a:p>
@@ -854,7 +854,7 @@
           <a:p>
             <a:fld id="{D7A2DC60-7AAB-4447-96F0-2D53A29BCED7}" type="datetime1">
               <a:rPr lang="en-GB" smtClean="0"/>
-              <a:t>14/10/2017</a:t>
+              <a:t>16/10/2017</a:t>
             </a:fld>
             <a:endParaRPr lang="en-GB"/>
           </a:p>
@@ -1024,7 +1024,7 @@
           <a:p>
             <a:fld id="{45425B41-1259-416A-9201-2D081FB3DA44}" type="datetime1">
               <a:rPr lang="en-GB" smtClean="0"/>
-              <a:t>14/10/2017</a:t>
+              <a:t>16/10/2017</a:t>
             </a:fld>
             <a:endParaRPr lang="en-GB"/>
           </a:p>
@@ -1204,7 +1204,7 @@
           <a:p>
             <a:fld id="{E86FFA46-90CE-430D-B788-6D5F590585DE}" type="datetime1">
               <a:rPr lang="en-GB" smtClean="0"/>
-              <a:t>14/10/2017</a:t>
+              <a:t>16/10/2017</a:t>
             </a:fld>
             <a:endParaRPr lang="en-GB"/>
           </a:p>
@@ -1374,7 +1374,7 @@
           <a:p>
             <a:fld id="{30357778-D470-41BA-B7AA-A739B8CD456F}" type="datetime1">
               <a:rPr lang="en-GB" smtClean="0"/>
-              <a:t>14/10/2017</a:t>
+              <a:t>16/10/2017</a:t>
             </a:fld>
             <a:endParaRPr lang="en-GB"/>
           </a:p>
@@ -1620,7 +1620,7 @@
           <a:p>
             <a:fld id="{F39CD7CD-50E9-452E-9434-4D15B6C1C393}" type="datetime1">
               <a:rPr lang="en-GB" smtClean="0"/>
-              <a:t>14/10/2017</a:t>
+              <a:t>16/10/2017</a:t>
             </a:fld>
             <a:endParaRPr lang="en-GB"/>
           </a:p>
@@ -1852,7 +1852,7 @@
           <a:p>
             <a:fld id="{F143386D-EBCE-4EE9-B5A2-D503FA6DC607}" type="datetime1">
               <a:rPr lang="en-GB" smtClean="0"/>
-              <a:t>14/10/2017</a:t>
+              <a:t>16/10/2017</a:t>
             </a:fld>
             <a:endParaRPr lang="en-GB"/>
           </a:p>
@@ -2224,7 +2224,7 @@
           <a:p>
             <a:fld id="{117B2199-D56A-49CA-B76E-8278B7A2BCCF}" type="datetime1">
               <a:rPr lang="en-GB" smtClean="0"/>
-              <a:t>14/10/2017</a:t>
+              <a:t>16/10/2017</a:t>
             </a:fld>
             <a:endParaRPr lang="en-GB"/>
           </a:p>
@@ -2347,7 +2347,7 @@
           <a:p>
             <a:fld id="{00979C6E-1826-4945-9E39-555E9E9F1028}" type="datetime1">
               <a:rPr lang="en-GB" smtClean="0"/>
-              <a:t>14/10/2017</a:t>
+              <a:t>16/10/2017</a:t>
             </a:fld>
             <a:endParaRPr lang="en-GB"/>
           </a:p>
@@ -2442,7 +2442,7 @@
           <a:p>
             <a:fld id="{463E3535-1057-4B43-91F6-C4CEB62CF370}" type="datetime1">
               <a:rPr lang="en-GB" smtClean="0"/>
-              <a:t>14/10/2017</a:t>
+              <a:t>16/10/2017</a:t>
             </a:fld>
             <a:endParaRPr lang="en-GB"/>
           </a:p>
@@ -2719,7 +2719,7 @@
           <a:p>
             <a:fld id="{90057F50-AF40-4C7E-B3B6-020F0638C2AB}" type="datetime1">
               <a:rPr lang="en-GB" smtClean="0"/>
-              <a:t>14/10/2017</a:t>
+              <a:t>16/10/2017</a:t>
             </a:fld>
             <a:endParaRPr lang="en-GB"/>
           </a:p>
@@ -2977,7 +2977,7 @@
           <a:p>
             <a:fld id="{9F94FFAD-9F2C-41BC-922F-B2C238348111}" type="datetime1">
               <a:rPr lang="en-GB" smtClean="0"/>
-              <a:t>14/10/2017</a:t>
+              <a:t>16/10/2017</a:t>
             </a:fld>
             <a:endParaRPr lang="en-GB"/>
           </a:p>
@@ -3190,7 +3190,7 @@
           <a:p>
             <a:fld id="{31A5F5B5-A28D-4B96-B86E-E4E1CB16FF9D}" type="datetime1">
               <a:rPr lang="en-GB" smtClean="0"/>
-              <a:t>14/10/2017</a:t>
+              <a:t>16/10/2017</a:t>
             </a:fld>
             <a:endParaRPr lang="en-GB"/>
           </a:p>
@@ -3721,7 +3721,7 @@
           <p:cNvPr id="2" name="Title 1">
             <a:extLst>
               <a:ext uri="{FF2B5EF4-FFF2-40B4-BE49-F238E27FC236}">
-                <a16:creationId xmlns:a16="http://schemas.microsoft.com/office/drawing/2014/main" id="{F93F2032-B71D-4841-88BD-3F15D97A3F28}"/>
+                <a16:creationId xmlns:a16="http://schemas.microsoft.com/office/drawing/2014/main" xmlns="" id="{F93F2032-B71D-4841-88BD-3F15D97A3F28}"/>
               </a:ext>
             </a:extLst>
           </p:cNvPr>
@@ -3746,7 +3746,15 @@
           <a:p>
             <a:r>
               <a:rPr lang="en-GB" b="1" dirty="0"/>
-              <a:t>Main steps of this project:</a:t>
+              <a:t>Main steps </a:t>
+            </a:r>
+            <a:r>
+              <a:rPr lang="en-GB" b="1" dirty="0" smtClean="0"/>
+              <a:t>taken in this </a:t>
+            </a:r>
+            <a:r>
+              <a:rPr lang="en-GB" b="1" dirty="0"/>
+              <a:t>project:</a:t>
             </a:r>
           </a:p>
         </p:txBody>
@@ -3756,7 +3764,7 @@
           <p:cNvPr id="3" name="Content Placeholder 2">
             <a:extLst>
               <a:ext uri="{FF2B5EF4-FFF2-40B4-BE49-F238E27FC236}">
-                <a16:creationId xmlns:a16="http://schemas.microsoft.com/office/drawing/2014/main" id="{600B8653-BB78-4B00-B601-40FEC2BB096F}"/>
+                <a16:creationId xmlns:a16="http://schemas.microsoft.com/office/drawing/2014/main" xmlns="" id="{600B8653-BB78-4B00-B601-40FEC2BB096F}"/>
               </a:ext>
             </a:extLst>
           </p:cNvPr>
@@ -3784,7 +3792,15 @@
             </a:pPr>
             <a:r>
               <a:rPr lang="en-GB" dirty="0"/>
-              <a:t>1. Pre-process of the datasets. Clean the dataset, remove the useless columns or rows; and</a:t>
+              <a:t>1. Pre-process of the datasets. Clean the dataset, remove the </a:t>
+            </a:r>
+            <a:r>
+              <a:rPr lang="en-GB" dirty="0" smtClean="0"/>
+              <a:t>not meaningful columns </a:t>
+            </a:r>
+            <a:r>
+              <a:rPr lang="en-GB" dirty="0"/>
+              <a:t>or rows; and</a:t>
             </a:r>
           </a:p>
           <a:p>
@@ -3793,7 +3809,19 @@
             </a:pPr>
             <a:r>
               <a:rPr lang="en-GB" dirty="0"/>
-              <a:t>2. Explore the datasets. Explore the distribution of the datasets in different features: gender, nationality, grade, topic, parental satisfaction etc. (like girls raises more hand, more discussions in high school etc.); and</a:t>
+              <a:t>2. Explore the datasets. Explore the distribution of the datasets </a:t>
+            </a:r>
+            <a:r>
+              <a:rPr lang="en-GB" dirty="0" err="1" smtClean="0"/>
+              <a:t>w.r.t</a:t>
+            </a:r>
+            <a:r>
+              <a:rPr lang="en-GB" dirty="0" smtClean="0"/>
+              <a:t>. different </a:t>
+            </a:r>
+            <a:r>
+              <a:rPr lang="en-GB" dirty="0"/>
+              <a:t>features: gender, nationality, grade, topic, parental satisfaction etc. (like girls raises more hand, more discussions in high school etc.); and</a:t>
             </a:r>
           </a:p>
           <a:p>
@@ -3802,7 +3830,31 @@
             </a:pPr>
             <a:r>
               <a:rPr lang="en-GB" dirty="0"/>
-              <a:t>3. Find underlying relationships. Like parent who are not satisfied and not answer survey, connection with study activity and performance (raising hand, discussion, absence, parental satisfaction, answering survey etc.); and</a:t>
+              <a:t>3. Find underlying </a:t>
+            </a:r>
+            <a:r>
+              <a:rPr lang="en-GB" dirty="0" smtClean="0"/>
+              <a:t>relationships: e.g., parents </a:t>
+            </a:r>
+            <a:r>
+              <a:rPr lang="en-GB" dirty="0"/>
+              <a:t>who are not satisfied and </a:t>
+            </a:r>
+            <a:r>
+              <a:rPr lang="en-GB" dirty="0" smtClean="0"/>
+              <a:t>do not </a:t>
+            </a:r>
+            <a:r>
+              <a:rPr lang="en-GB" dirty="0"/>
+              <a:t>answer </a:t>
+            </a:r>
+            <a:r>
+              <a:rPr lang="en-GB" dirty="0" smtClean="0"/>
+              <a:t>surveys, </a:t>
+            </a:r>
+            <a:r>
+              <a:rPr lang="en-GB" dirty="0"/>
+              <a:t>connection with study activity and performance (raising hand, discussion, absence, parental satisfaction, answering survey etc.); and</a:t>
             </a:r>
           </a:p>
           <a:p>
@@ -3811,7 +3863,23 @@
             </a:pPr>
             <a:r>
               <a:rPr lang="en-GB" dirty="0"/>
-              <a:t>4. Build prediction model, like decision tree or regression model to predict the student’s academic performance.</a:t>
+              <a:t>4. Build prediction model, </a:t>
+            </a:r>
+            <a:r>
+              <a:rPr lang="en-GB" dirty="0" smtClean="0"/>
+              <a:t>e.g. decision </a:t>
+            </a:r>
+            <a:r>
+              <a:rPr lang="en-GB" dirty="0"/>
+              <a:t>tree or regression </a:t>
+            </a:r>
+            <a:r>
+              <a:rPr lang="en-GB" dirty="0" smtClean="0"/>
+              <a:t>model, </a:t>
+            </a:r>
+            <a:r>
+              <a:rPr lang="en-GB" dirty="0"/>
+              <a:t>to predict the student’s academic performance.</a:t>
             </a:r>
           </a:p>
           <a:p>
@@ -3820,7 +3888,23 @@
             </a:pPr>
             <a:r>
               <a:rPr lang="en-GB" dirty="0"/>
-              <a:t>5. Evaluate the predictive results of models and improve the models by comparing the accuracy. </a:t>
+              <a:t>5. Evaluate the </a:t>
+            </a:r>
+            <a:r>
+              <a:rPr lang="en-GB" dirty="0" smtClean="0"/>
+              <a:t>predictions of the models by </a:t>
+            </a:r>
+            <a:r>
+              <a:rPr lang="en-GB" dirty="0"/>
+              <a:t>comparing </a:t>
+            </a:r>
+            <a:r>
+              <a:rPr lang="en-GB" dirty="0" smtClean="0"/>
+              <a:t>their </a:t>
+            </a:r>
+            <a:r>
+              <a:rPr lang="en-GB" dirty="0"/>
+              <a:t>accuracy. </a:t>
             </a:r>
           </a:p>
           <a:p>
@@ -3880,7 +3964,15 @@
           <a:p>
             <a:r>
               <a:rPr lang="en-US" b="1" dirty="0"/>
-              <a:t>Project management Approach</a:t>
+              <a:t>Project </a:t>
+            </a:r>
+            <a:r>
+              <a:rPr lang="en-US" b="1" dirty="0" smtClean="0"/>
+              <a:t>Management </a:t>
+            </a:r>
+            <a:r>
+              <a:rPr lang="en-US" b="1" dirty="0"/>
+              <a:t>Approach</a:t>
             </a:r>
             <a:br>
               <a:rPr lang="en-US" b="1" dirty="0"/>
@@ -4016,7 +4108,7 @@
           <p:cNvPr id="6" name="Content Placeholder 5">
             <a:extLst>
               <a:ext uri="{FF2B5EF4-FFF2-40B4-BE49-F238E27FC236}">
-                <a16:creationId xmlns:a16="http://schemas.microsoft.com/office/drawing/2014/main" id="{A5972240-A800-4639-962C-8765B592FA25}"/>
+                <a16:creationId xmlns:a16="http://schemas.microsoft.com/office/drawing/2014/main" xmlns="" id="{A5972240-A800-4639-962C-8765B592FA25}"/>
               </a:ext>
             </a:extLst>
           </p:cNvPr>
@@ -4241,7 +4333,7 @@
           <p:cNvPr id="5" name="Content Placeholder 4">
             <a:extLst>
               <a:ext uri="{FF2B5EF4-FFF2-40B4-BE49-F238E27FC236}">
-                <a16:creationId xmlns:a16="http://schemas.microsoft.com/office/drawing/2014/main" id="{060791E4-4338-4976-8F85-A8A14B1ADA60}"/>
+                <a16:creationId xmlns:a16="http://schemas.microsoft.com/office/drawing/2014/main" xmlns="" id="{060791E4-4338-4976-8F85-A8A14B1ADA60}"/>
               </a:ext>
             </a:extLst>
           </p:cNvPr>
@@ -4266,7 +4358,7 @@
           <p:cNvPr id="6" name="Picture 5">
             <a:extLst>
               <a:ext uri="{FF2B5EF4-FFF2-40B4-BE49-F238E27FC236}">
-                <a16:creationId xmlns:a16="http://schemas.microsoft.com/office/drawing/2014/main" id="{A763E8DD-E6AA-4634-B217-88B0E4956D42}"/>
+                <a16:creationId xmlns:a16="http://schemas.microsoft.com/office/drawing/2014/main" xmlns="" id="{A763E8DD-E6AA-4634-B217-88B0E4956D42}"/>
               </a:ext>
             </a:extLst>
           </p:cNvPr>
@@ -4420,7 +4512,7 @@
           <p:cNvPr id="5" name="Table 4">
             <a:extLst>
               <a:ext uri="{FF2B5EF4-FFF2-40B4-BE49-F238E27FC236}">
-                <a16:creationId xmlns:a16="http://schemas.microsoft.com/office/drawing/2014/main" id="{12AA1BE3-444A-460D-9543-7A2FF925C381}"/>
+                <a16:creationId xmlns:a16="http://schemas.microsoft.com/office/drawing/2014/main" xmlns="" id="{12AA1BE3-444A-460D-9543-7A2FF925C381}"/>
               </a:ext>
             </a:extLst>
           </p:cNvPr>
@@ -4449,42 +4541,42 @@
                 <a:gridCol w="1387102">
                   <a:extLst>
                     <a:ext uri="{9D8B030D-6E8A-4147-A177-3AD203B41FA5}">
-                      <a16:colId xmlns:a16="http://schemas.microsoft.com/office/drawing/2014/main" val="3419330438"/>
+                      <a16:colId xmlns:a16="http://schemas.microsoft.com/office/drawing/2014/main" xmlns="" val="3419330438"/>
                     </a:ext>
                   </a:extLst>
                 </a:gridCol>
                 <a:gridCol w="2826711">
                   <a:extLst>
                     <a:ext uri="{9D8B030D-6E8A-4147-A177-3AD203B41FA5}">
-                      <a16:colId xmlns:a16="http://schemas.microsoft.com/office/drawing/2014/main" val="1597577171"/>
+                      <a16:colId xmlns:a16="http://schemas.microsoft.com/office/drawing/2014/main" xmlns="" val="1597577171"/>
                     </a:ext>
                   </a:extLst>
                 </a:gridCol>
                 <a:gridCol w="1309507">
                   <a:extLst>
                     <a:ext uri="{9D8B030D-6E8A-4147-A177-3AD203B41FA5}">
-                      <a16:colId xmlns:a16="http://schemas.microsoft.com/office/drawing/2014/main" val="1271094361"/>
+                      <a16:colId xmlns:a16="http://schemas.microsoft.com/office/drawing/2014/main" xmlns="" val="1271094361"/>
                     </a:ext>
                   </a:extLst>
                 </a:gridCol>
                 <a:gridCol w="1296164">
                   <a:extLst>
                     <a:ext uri="{9D8B030D-6E8A-4147-A177-3AD203B41FA5}">
-                      <a16:colId xmlns:a16="http://schemas.microsoft.com/office/drawing/2014/main" val="2576608979"/>
+                      <a16:colId xmlns:a16="http://schemas.microsoft.com/office/drawing/2014/main" xmlns="" val="2576608979"/>
                     </a:ext>
                   </a:extLst>
                 </a:gridCol>
                 <a:gridCol w="1670750">
                   <a:extLst>
                     <a:ext uri="{9D8B030D-6E8A-4147-A177-3AD203B41FA5}">
-                      <a16:colId xmlns:a16="http://schemas.microsoft.com/office/drawing/2014/main" val="1489599960"/>
+                      <a16:colId xmlns:a16="http://schemas.microsoft.com/office/drawing/2014/main" xmlns="" val="1489599960"/>
                     </a:ext>
                   </a:extLst>
                 </a:gridCol>
                 <a:gridCol w="1371903">
                   <a:extLst>
                     <a:ext uri="{9D8B030D-6E8A-4147-A177-3AD203B41FA5}">
-                      <a16:colId xmlns:a16="http://schemas.microsoft.com/office/drawing/2014/main" val="3975143885"/>
+                      <a16:colId xmlns:a16="http://schemas.microsoft.com/office/drawing/2014/main" xmlns="" val="3975143885"/>
                     </a:ext>
                   </a:extLst>
                 </a:gridCol>
@@ -4666,7 +4758,7 @@
                 </a:tc>
                 <a:extLst>
                   <a:ext uri="{0D108BD9-81ED-4DB2-BD59-A6C34878D82A}">
-                    <a16:rowId xmlns:a16="http://schemas.microsoft.com/office/drawing/2014/main" val="3360850559"/>
+                    <a16:rowId xmlns:a16="http://schemas.microsoft.com/office/drawing/2014/main" xmlns="" val="3360850559"/>
                   </a:ext>
                 </a:extLst>
               </a:tr>
@@ -4847,7 +4939,7 @@
                 </a:tc>
                 <a:extLst>
                   <a:ext uri="{0D108BD9-81ED-4DB2-BD59-A6C34878D82A}">
-                    <a16:rowId xmlns:a16="http://schemas.microsoft.com/office/drawing/2014/main" val="3710823223"/>
+                    <a16:rowId xmlns:a16="http://schemas.microsoft.com/office/drawing/2014/main" xmlns="" val="3710823223"/>
                   </a:ext>
                 </a:extLst>
               </a:tr>
@@ -5028,7 +5120,7 @@
                 </a:tc>
                 <a:extLst>
                   <a:ext uri="{0D108BD9-81ED-4DB2-BD59-A6C34878D82A}">
-                    <a16:rowId xmlns:a16="http://schemas.microsoft.com/office/drawing/2014/main" val="3766666260"/>
+                    <a16:rowId xmlns:a16="http://schemas.microsoft.com/office/drawing/2014/main" xmlns="" val="3766666260"/>
                   </a:ext>
                 </a:extLst>
               </a:tr>
@@ -5209,7 +5301,7 @@
                 </a:tc>
                 <a:extLst>
                   <a:ext uri="{0D108BD9-81ED-4DB2-BD59-A6C34878D82A}">
-                    <a16:rowId xmlns:a16="http://schemas.microsoft.com/office/drawing/2014/main" val="3902622114"/>
+                    <a16:rowId xmlns:a16="http://schemas.microsoft.com/office/drawing/2014/main" xmlns="" val="3902622114"/>
                   </a:ext>
                 </a:extLst>
               </a:tr>
@@ -5507,7 +5599,7 @@
                 </a:tc>
                 <a:extLst>
                   <a:ext uri="{0D108BD9-81ED-4DB2-BD59-A6C34878D82A}">
-                    <a16:rowId xmlns:a16="http://schemas.microsoft.com/office/drawing/2014/main" val="2920387522"/>
+                    <a16:rowId xmlns:a16="http://schemas.microsoft.com/office/drawing/2014/main" xmlns="" val="2920387522"/>
                   </a:ext>
                 </a:extLst>
               </a:tr>
@@ -5688,7 +5780,7 @@
                 </a:tc>
                 <a:extLst>
                   <a:ext uri="{0D108BD9-81ED-4DB2-BD59-A6C34878D82A}">
-                    <a16:rowId xmlns:a16="http://schemas.microsoft.com/office/drawing/2014/main" val="1291085650"/>
+                    <a16:rowId xmlns:a16="http://schemas.microsoft.com/office/drawing/2014/main" xmlns="" val="1291085650"/>
                   </a:ext>
                 </a:extLst>
               </a:tr>
@@ -6136,7 +6228,7 @@
           <p:cNvPr id="3" name="Content Placeholder 2">
             <a:extLst>
               <a:ext uri="{FF2B5EF4-FFF2-40B4-BE49-F238E27FC236}">
-                <a16:creationId xmlns:a16="http://schemas.microsoft.com/office/drawing/2014/main" id="{F557CE22-70BF-43E4-9443-7EBA5BE77EE0}"/>
+                <a16:creationId xmlns:a16="http://schemas.microsoft.com/office/drawing/2014/main" xmlns="" id="{F557CE22-70BF-43E4-9443-7EBA5BE77EE0}"/>
               </a:ext>
             </a:extLst>
           </p:cNvPr>
@@ -6285,7 +6377,7 @@
           <p:cNvPr id="2" name="Title 1">
             <a:extLst>
               <a:ext uri="{FF2B5EF4-FFF2-40B4-BE49-F238E27FC236}">
-                <a16:creationId xmlns:a16="http://schemas.microsoft.com/office/drawing/2014/main" id="{50B5B8B7-7057-41AB-9E25-120640CC932B}"/>
+                <a16:creationId xmlns:a16="http://schemas.microsoft.com/office/drawing/2014/main" xmlns="" id="{50B5B8B7-7057-41AB-9E25-120640CC932B}"/>
               </a:ext>
             </a:extLst>
           </p:cNvPr>
@@ -6318,7 +6410,7 @@
           <p:cNvPr id="4" name="Content Placeholder 3">
             <a:extLst>
               <a:ext uri="{FF2B5EF4-FFF2-40B4-BE49-F238E27FC236}">
-                <a16:creationId xmlns:a16="http://schemas.microsoft.com/office/drawing/2014/main" id="{CB6D102C-BBBB-4478-94AD-C8FCA1B5282B}"/>
+                <a16:creationId xmlns:a16="http://schemas.microsoft.com/office/drawing/2014/main" xmlns="" id="{CB6D102C-BBBB-4478-94AD-C8FCA1B5282B}"/>
               </a:ext>
             </a:extLst>
           </p:cNvPr>
@@ -6380,7 +6472,7 @@
           <p:cNvPr id="2" name="Title 1">
             <a:extLst>
               <a:ext uri="{FF2B5EF4-FFF2-40B4-BE49-F238E27FC236}">
-                <a16:creationId xmlns:a16="http://schemas.microsoft.com/office/drawing/2014/main" id="{50B5B8B7-7057-41AB-9E25-120640CC932B}"/>
+                <a16:creationId xmlns:a16="http://schemas.microsoft.com/office/drawing/2014/main" xmlns="" id="{50B5B8B7-7057-41AB-9E25-120640CC932B}"/>
               </a:ext>
             </a:extLst>
           </p:cNvPr>
@@ -6413,7 +6505,7 @@
           <p:cNvPr id="4" name="Content Placeholder 3">
             <a:extLst>
               <a:ext uri="{FF2B5EF4-FFF2-40B4-BE49-F238E27FC236}">
-                <a16:creationId xmlns:a16="http://schemas.microsoft.com/office/drawing/2014/main" id="{CB6D102C-BBBB-4478-94AD-C8FCA1B5282B}"/>
+                <a16:creationId xmlns:a16="http://schemas.microsoft.com/office/drawing/2014/main" xmlns="" id="{CB6D102C-BBBB-4478-94AD-C8FCA1B5282B}"/>
               </a:ext>
             </a:extLst>
           </p:cNvPr>
@@ -6445,7 +6537,7 @@
           <p:cNvPr id="3" name="Rectangle 2">
             <a:extLst>
               <a:ext uri="{FF2B5EF4-FFF2-40B4-BE49-F238E27FC236}">
-                <a16:creationId xmlns:a16="http://schemas.microsoft.com/office/drawing/2014/main" id="{ADDBAF80-4449-4849-BBA1-06AC62849F4F}"/>
+                <a16:creationId xmlns:a16="http://schemas.microsoft.com/office/drawing/2014/main" xmlns="" id="{ADDBAF80-4449-4849-BBA1-06AC62849F4F}"/>
               </a:ext>
             </a:extLst>
           </p:cNvPr>
@@ -6497,7 +6589,7 @@
           <p:cNvPr id="5" name="Rectangle 4">
             <a:extLst>
               <a:ext uri="{FF2B5EF4-FFF2-40B4-BE49-F238E27FC236}">
-                <a16:creationId xmlns:a16="http://schemas.microsoft.com/office/drawing/2014/main" id="{07C4305F-53F9-47E1-A386-2184931D5C02}"/>
+                <a16:creationId xmlns:a16="http://schemas.microsoft.com/office/drawing/2014/main" xmlns="" id="{07C4305F-53F9-47E1-A386-2184931D5C02}"/>
               </a:ext>
             </a:extLst>
           </p:cNvPr>
@@ -6549,7 +6641,7 @@
           <p:cNvPr id="6" name="Title 1">
             <a:extLst>
               <a:ext uri="{FF2B5EF4-FFF2-40B4-BE49-F238E27FC236}">
-                <a16:creationId xmlns:a16="http://schemas.microsoft.com/office/drawing/2014/main" id="{F765D20E-1B20-44D2-9192-26CEC622E0FA}"/>
+                <a16:creationId xmlns:a16="http://schemas.microsoft.com/office/drawing/2014/main" xmlns="" id="{F765D20E-1B20-44D2-9192-26CEC622E0FA}"/>
               </a:ext>
             </a:extLst>
           </p:cNvPr>
@@ -6631,7 +6723,7 @@
           <p:cNvPr id="7" name="Rectangle 6">
             <a:extLst>
               <a:ext uri="{FF2B5EF4-FFF2-40B4-BE49-F238E27FC236}">
-                <a16:creationId xmlns:a16="http://schemas.microsoft.com/office/drawing/2014/main" id="{D463EF64-9FA2-40CF-A012-97C79A4C3921}"/>
+                <a16:creationId xmlns:a16="http://schemas.microsoft.com/office/drawing/2014/main" xmlns="" id="{D463EF64-9FA2-40CF-A012-97C79A4C3921}"/>
               </a:ext>
             </a:extLst>
           </p:cNvPr>
@@ -6803,14 +6895,14 @@
                 <a:gridCol w="3693626">
                   <a:extLst>
                     <a:ext uri="{9D8B030D-6E8A-4147-A177-3AD203B41FA5}">
-                      <a16:colId xmlns:a16="http://schemas.microsoft.com/office/drawing/2014/main" val="1698767686"/>
+                      <a16:colId xmlns:a16="http://schemas.microsoft.com/office/drawing/2014/main" xmlns="" val="1698767686"/>
                     </a:ext>
                   </a:extLst>
                 </a:gridCol>
                 <a:gridCol w="6854968">
                   <a:extLst>
                     <a:ext uri="{9D8B030D-6E8A-4147-A177-3AD203B41FA5}">
-                      <a16:colId xmlns:a16="http://schemas.microsoft.com/office/drawing/2014/main" val="3739461072"/>
+                      <a16:colId xmlns:a16="http://schemas.microsoft.com/office/drawing/2014/main" xmlns="" val="3739461072"/>
                     </a:ext>
                   </a:extLst>
                 </a:gridCol>
@@ -6846,7 +6938,7 @@
                 </a:tc>
                 <a:extLst>
                   <a:ext uri="{0D108BD9-81ED-4DB2-BD59-A6C34878D82A}">
-                    <a16:rowId xmlns:a16="http://schemas.microsoft.com/office/drawing/2014/main" val="1585607559"/>
+                    <a16:rowId xmlns:a16="http://schemas.microsoft.com/office/drawing/2014/main" xmlns="" val="1585607559"/>
                   </a:ext>
                 </a:extLst>
               </a:tr>
@@ -6888,7 +6980,7 @@
                 </a:tc>
                 <a:extLst>
                   <a:ext uri="{0D108BD9-81ED-4DB2-BD59-A6C34878D82A}">
-                    <a16:rowId xmlns:a16="http://schemas.microsoft.com/office/drawing/2014/main" val="655889649"/>
+                    <a16:rowId xmlns:a16="http://schemas.microsoft.com/office/drawing/2014/main" xmlns="" val="655889649"/>
                   </a:ext>
                 </a:extLst>
               </a:tr>
@@ -6944,7 +7036,7 @@
                 </a:tc>
                 <a:extLst>
                   <a:ext uri="{0D108BD9-81ED-4DB2-BD59-A6C34878D82A}">
-                    <a16:rowId xmlns:a16="http://schemas.microsoft.com/office/drawing/2014/main" val="308279976"/>
+                    <a16:rowId xmlns:a16="http://schemas.microsoft.com/office/drawing/2014/main" xmlns="" val="308279976"/>
                   </a:ext>
                 </a:extLst>
               </a:tr>
@@ -6997,7 +7089,7 @@
                 </a:tc>
                 <a:extLst>
                   <a:ext uri="{0D108BD9-81ED-4DB2-BD59-A6C34878D82A}">
-                    <a16:rowId xmlns:a16="http://schemas.microsoft.com/office/drawing/2014/main" val="855150034"/>
+                    <a16:rowId xmlns:a16="http://schemas.microsoft.com/office/drawing/2014/main" xmlns="" val="855150034"/>
                   </a:ext>
                 </a:extLst>
               </a:tr>
@@ -7040,7 +7132,7 @@
           <p:cNvPr id="2" name="Title 1">
             <a:extLst>
               <a:ext uri="{FF2B5EF4-FFF2-40B4-BE49-F238E27FC236}">
-                <a16:creationId xmlns:a16="http://schemas.microsoft.com/office/drawing/2014/main" id="{881F4BFC-93A9-4998-ABA3-F2477064AEE6}"/>
+                <a16:creationId xmlns:a16="http://schemas.microsoft.com/office/drawing/2014/main" xmlns="" id="{881F4BFC-93A9-4998-ABA3-F2477064AEE6}"/>
               </a:ext>
             </a:extLst>
           </p:cNvPr>
@@ -7075,7 +7167,7 @@
           <p:cNvPr id="4" name="Content Placeholder 3">
             <a:extLst>
               <a:ext uri="{FF2B5EF4-FFF2-40B4-BE49-F238E27FC236}">
-                <a16:creationId xmlns:a16="http://schemas.microsoft.com/office/drawing/2014/main" id="{B2A8F714-557D-4348-9CD0-8AB1C8407F45}"/>
+                <a16:creationId xmlns:a16="http://schemas.microsoft.com/office/drawing/2014/main" xmlns="" id="{B2A8F714-557D-4348-9CD0-8AB1C8407F45}"/>
               </a:ext>
             </a:extLst>
           </p:cNvPr>
@@ -7107,7 +7199,7 @@
           <p:cNvPr id="5" name="Title 1">
             <a:extLst>
               <a:ext uri="{FF2B5EF4-FFF2-40B4-BE49-F238E27FC236}">
-                <a16:creationId xmlns:a16="http://schemas.microsoft.com/office/drawing/2014/main" id="{ADBAD747-B5C6-46BB-B3B8-8B8AF3AB97FB}"/>
+                <a16:creationId xmlns:a16="http://schemas.microsoft.com/office/drawing/2014/main" xmlns="" id="{ADBAD747-B5C6-46BB-B3B8-8B8AF3AB97FB}"/>
               </a:ext>
             </a:extLst>
           </p:cNvPr>
@@ -7161,7 +7253,7 @@
           <p:cNvPr id="6" name="Picture 5">
             <a:extLst>
               <a:ext uri="{FF2B5EF4-FFF2-40B4-BE49-F238E27FC236}">
-                <a16:creationId xmlns:a16="http://schemas.microsoft.com/office/drawing/2014/main" id="{6B512ED6-BAD2-4382-AFED-9E47AFCF4F28}"/>
+                <a16:creationId xmlns:a16="http://schemas.microsoft.com/office/drawing/2014/main" xmlns="" id="{6B512ED6-BAD2-4382-AFED-9E47AFCF4F28}"/>
               </a:ext>
             </a:extLst>
           </p:cNvPr>
@@ -7191,7 +7283,7 @@
           <p:cNvPr id="7" name="Picture 6">
             <a:extLst>
               <a:ext uri="{FF2B5EF4-FFF2-40B4-BE49-F238E27FC236}">
-                <a16:creationId xmlns:a16="http://schemas.microsoft.com/office/drawing/2014/main" id="{0FC6D615-10B9-47C3-ACBB-876C9D5F7834}"/>
+                <a16:creationId xmlns:a16="http://schemas.microsoft.com/office/drawing/2014/main" xmlns="" id="{0FC6D615-10B9-47C3-ACBB-876C9D5F7834}"/>
               </a:ext>
             </a:extLst>
           </p:cNvPr>
@@ -7221,7 +7313,7 @@
           <p:cNvPr id="8" name="Content Placeholder 3">
             <a:extLst>
               <a:ext uri="{FF2B5EF4-FFF2-40B4-BE49-F238E27FC236}">
-                <a16:creationId xmlns:a16="http://schemas.microsoft.com/office/drawing/2014/main" id="{3B13F995-875D-4D2D-A5C5-DD92CA01265D}"/>
+                <a16:creationId xmlns:a16="http://schemas.microsoft.com/office/drawing/2014/main" xmlns="" id="{3B13F995-875D-4D2D-A5C5-DD92CA01265D}"/>
               </a:ext>
             </a:extLst>
           </p:cNvPr>
@@ -7251,7 +7343,7 @@
           <p:cNvPr id="9" name="Picture 8">
             <a:extLst>
               <a:ext uri="{FF2B5EF4-FFF2-40B4-BE49-F238E27FC236}">
-                <a16:creationId xmlns:a16="http://schemas.microsoft.com/office/drawing/2014/main" id="{02189670-977E-41F1-93B1-F5D823AA5D61}"/>
+                <a16:creationId xmlns:a16="http://schemas.microsoft.com/office/drawing/2014/main" xmlns="" id="{02189670-977E-41F1-93B1-F5D823AA5D61}"/>
               </a:ext>
             </a:extLst>
           </p:cNvPr>
@@ -7281,7 +7373,7 @@
           <p:cNvPr id="11" name="Picture 10">
             <a:extLst>
               <a:ext uri="{FF2B5EF4-FFF2-40B4-BE49-F238E27FC236}">
-                <a16:creationId xmlns:a16="http://schemas.microsoft.com/office/drawing/2014/main" id="{1B301697-0061-4023-A588-790715D20A36}"/>
+                <a16:creationId xmlns:a16="http://schemas.microsoft.com/office/drawing/2014/main" xmlns="" id="{1B301697-0061-4023-A588-790715D20A36}"/>
               </a:ext>
             </a:extLst>
           </p:cNvPr>
@@ -7341,7 +7433,7 @@
           <p:cNvPr id="2" name="Title 1">
             <a:extLst>
               <a:ext uri="{FF2B5EF4-FFF2-40B4-BE49-F238E27FC236}">
-                <a16:creationId xmlns:a16="http://schemas.microsoft.com/office/drawing/2014/main" id="{881F4BFC-93A9-4998-ABA3-F2477064AEE6}"/>
+                <a16:creationId xmlns:a16="http://schemas.microsoft.com/office/drawing/2014/main" xmlns="" id="{881F4BFC-93A9-4998-ABA3-F2477064AEE6}"/>
               </a:ext>
             </a:extLst>
           </p:cNvPr>
@@ -7376,7 +7468,7 @@
           <p:cNvPr id="4" name="Content Placeholder 3">
             <a:extLst>
               <a:ext uri="{FF2B5EF4-FFF2-40B4-BE49-F238E27FC236}">
-                <a16:creationId xmlns:a16="http://schemas.microsoft.com/office/drawing/2014/main" id="{B2A8F714-557D-4348-9CD0-8AB1C8407F45}"/>
+                <a16:creationId xmlns:a16="http://schemas.microsoft.com/office/drawing/2014/main" xmlns="" id="{B2A8F714-557D-4348-9CD0-8AB1C8407F45}"/>
               </a:ext>
             </a:extLst>
           </p:cNvPr>
@@ -7408,7 +7500,7 @@
           <p:cNvPr id="5" name="Title 1">
             <a:extLst>
               <a:ext uri="{FF2B5EF4-FFF2-40B4-BE49-F238E27FC236}">
-                <a16:creationId xmlns:a16="http://schemas.microsoft.com/office/drawing/2014/main" id="{ADBAD747-B5C6-46BB-B3B8-8B8AF3AB97FB}"/>
+                <a16:creationId xmlns:a16="http://schemas.microsoft.com/office/drawing/2014/main" xmlns="" id="{ADBAD747-B5C6-46BB-B3B8-8B8AF3AB97FB}"/>
               </a:ext>
             </a:extLst>
           </p:cNvPr>
@@ -7462,7 +7554,7 @@
           <p:cNvPr id="6" name="Picture 5">
             <a:extLst>
               <a:ext uri="{FF2B5EF4-FFF2-40B4-BE49-F238E27FC236}">
-                <a16:creationId xmlns:a16="http://schemas.microsoft.com/office/drawing/2014/main" id="{6B512ED6-BAD2-4382-AFED-9E47AFCF4F28}"/>
+                <a16:creationId xmlns:a16="http://schemas.microsoft.com/office/drawing/2014/main" xmlns="" id="{6B512ED6-BAD2-4382-AFED-9E47AFCF4F28}"/>
               </a:ext>
             </a:extLst>
           </p:cNvPr>
@@ -7492,7 +7584,7 @@
           <p:cNvPr id="7" name="Picture 6">
             <a:extLst>
               <a:ext uri="{FF2B5EF4-FFF2-40B4-BE49-F238E27FC236}">
-                <a16:creationId xmlns:a16="http://schemas.microsoft.com/office/drawing/2014/main" id="{0FC6D615-10B9-47C3-ACBB-876C9D5F7834}"/>
+                <a16:creationId xmlns:a16="http://schemas.microsoft.com/office/drawing/2014/main" xmlns="" id="{0FC6D615-10B9-47C3-ACBB-876C9D5F7834}"/>
               </a:ext>
             </a:extLst>
           </p:cNvPr>
@@ -7522,7 +7614,7 @@
           <p:cNvPr id="10" name="Title 1">
             <a:extLst>
               <a:ext uri="{FF2B5EF4-FFF2-40B4-BE49-F238E27FC236}">
-                <a16:creationId xmlns:a16="http://schemas.microsoft.com/office/drawing/2014/main" id="{55A94D4B-42B8-4D53-AC51-763CBA420BA5}"/>
+                <a16:creationId xmlns:a16="http://schemas.microsoft.com/office/drawing/2014/main" xmlns="" id="{55A94D4B-42B8-4D53-AC51-763CBA420BA5}"/>
               </a:ext>
             </a:extLst>
           </p:cNvPr>
@@ -7573,7 +7665,7 @@
           <p:cNvPr id="3" name="Picture 2">
             <a:extLst>
               <a:ext uri="{FF2B5EF4-FFF2-40B4-BE49-F238E27FC236}">
-                <a16:creationId xmlns:a16="http://schemas.microsoft.com/office/drawing/2014/main" id="{C929FE3B-73AD-43F4-B8CD-1654A81DDF47}"/>
+                <a16:creationId xmlns:a16="http://schemas.microsoft.com/office/drawing/2014/main" xmlns="" id="{C929FE3B-73AD-43F4-B8CD-1654A81DDF47}"/>
               </a:ext>
             </a:extLst>
           </p:cNvPr>
@@ -7603,7 +7695,7 @@
           <p:cNvPr id="12" name="Picture 11">
             <a:extLst>
               <a:ext uri="{FF2B5EF4-FFF2-40B4-BE49-F238E27FC236}">
-                <a16:creationId xmlns:a16="http://schemas.microsoft.com/office/drawing/2014/main" id="{42AD9D06-EB30-4313-9F6F-42617BAB28EF}"/>
+                <a16:creationId xmlns:a16="http://schemas.microsoft.com/office/drawing/2014/main" xmlns="" id="{42AD9D06-EB30-4313-9F6F-42617BAB28EF}"/>
               </a:ext>
             </a:extLst>
           </p:cNvPr>
@@ -7633,7 +7725,7 @@
           <p:cNvPr id="13" name="Picture 12">
             <a:extLst>
               <a:ext uri="{FF2B5EF4-FFF2-40B4-BE49-F238E27FC236}">
-                <a16:creationId xmlns:a16="http://schemas.microsoft.com/office/drawing/2014/main" id="{C2C8D329-6F9D-4348-B1A7-009652F26B92}"/>
+                <a16:creationId xmlns:a16="http://schemas.microsoft.com/office/drawing/2014/main" xmlns="" id="{C2C8D329-6F9D-4348-B1A7-009652F26B92}"/>
               </a:ext>
             </a:extLst>
           </p:cNvPr>
@@ -7663,7 +7755,7 @@
           <p:cNvPr id="16" name="Content Placeholder 2">
             <a:extLst>
               <a:ext uri="{FF2B5EF4-FFF2-40B4-BE49-F238E27FC236}">
-                <a16:creationId xmlns:a16="http://schemas.microsoft.com/office/drawing/2014/main" id="{51614195-F03E-476E-A4B9-4499F77402ED}"/>
+                <a16:creationId xmlns:a16="http://schemas.microsoft.com/office/drawing/2014/main" xmlns="" id="{51614195-F03E-476E-A4B9-4499F77402ED}"/>
               </a:ext>
             </a:extLst>
           </p:cNvPr>
@@ -7870,7 +7962,7 @@
           <p:cNvPr id="17" name="Content Placeholder 2">
             <a:extLst>
               <a:ext uri="{FF2B5EF4-FFF2-40B4-BE49-F238E27FC236}">
-                <a16:creationId xmlns:a16="http://schemas.microsoft.com/office/drawing/2014/main" id="{ED1634C0-8470-4BAC-AAA9-C1FE07ACD9D1}"/>
+                <a16:creationId xmlns:a16="http://schemas.microsoft.com/office/drawing/2014/main" xmlns="" id="{ED1634C0-8470-4BAC-AAA9-C1FE07ACD9D1}"/>
               </a:ext>
             </a:extLst>
           </p:cNvPr>
@@ -8121,7 +8213,7 @@
           <p:cNvPr id="2" name="Title 1">
             <a:extLst>
               <a:ext uri="{FF2B5EF4-FFF2-40B4-BE49-F238E27FC236}">
-                <a16:creationId xmlns:a16="http://schemas.microsoft.com/office/drawing/2014/main" id="{881F4BFC-93A9-4998-ABA3-F2477064AEE6}"/>
+                <a16:creationId xmlns:a16="http://schemas.microsoft.com/office/drawing/2014/main" xmlns="" id="{881F4BFC-93A9-4998-ABA3-F2477064AEE6}"/>
               </a:ext>
             </a:extLst>
           </p:cNvPr>
@@ -8156,7 +8248,7 @@
           <p:cNvPr id="4" name="Content Placeholder 3">
             <a:extLst>
               <a:ext uri="{FF2B5EF4-FFF2-40B4-BE49-F238E27FC236}">
-                <a16:creationId xmlns:a16="http://schemas.microsoft.com/office/drawing/2014/main" id="{B2A8F714-557D-4348-9CD0-8AB1C8407F45}"/>
+                <a16:creationId xmlns:a16="http://schemas.microsoft.com/office/drawing/2014/main" xmlns="" id="{B2A8F714-557D-4348-9CD0-8AB1C8407F45}"/>
               </a:ext>
             </a:extLst>
           </p:cNvPr>
@@ -8188,7 +8280,7 @@
           <p:cNvPr id="5" name="Title 1">
             <a:extLst>
               <a:ext uri="{FF2B5EF4-FFF2-40B4-BE49-F238E27FC236}">
-                <a16:creationId xmlns:a16="http://schemas.microsoft.com/office/drawing/2014/main" id="{ADBAD747-B5C6-46BB-B3B8-8B8AF3AB97FB}"/>
+                <a16:creationId xmlns:a16="http://schemas.microsoft.com/office/drawing/2014/main" xmlns="" id="{ADBAD747-B5C6-46BB-B3B8-8B8AF3AB97FB}"/>
               </a:ext>
             </a:extLst>
           </p:cNvPr>
@@ -8242,7 +8334,7 @@
           <p:cNvPr id="6" name="Picture 5">
             <a:extLst>
               <a:ext uri="{FF2B5EF4-FFF2-40B4-BE49-F238E27FC236}">
-                <a16:creationId xmlns:a16="http://schemas.microsoft.com/office/drawing/2014/main" id="{6B512ED6-BAD2-4382-AFED-9E47AFCF4F28}"/>
+                <a16:creationId xmlns:a16="http://schemas.microsoft.com/office/drawing/2014/main" xmlns="" id="{6B512ED6-BAD2-4382-AFED-9E47AFCF4F28}"/>
               </a:ext>
             </a:extLst>
           </p:cNvPr>
@@ -8272,7 +8364,7 @@
           <p:cNvPr id="7" name="Picture 6">
             <a:extLst>
               <a:ext uri="{FF2B5EF4-FFF2-40B4-BE49-F238E27FC236}">
-                <a16:creationId xmlns:a16="http://schemas.microsoft.com/office/drawing/2014/main" id="{0FC6D615-10B9-47C3-ACBB-876C9D5F7834}"/>
+                <a16:creationId xmlns:a16="http://schemas.microsoft.com/office/drawing/2014/main" xmlns="" id="{0FC6D615-10B9-47C3-ACBB-876C9D5F7834}"/>
               </a:ext>
             </a:extLst>
           </p:cNvPr>
@@ -8302,7 +8394,7 @@
           <p:cNvPr id="10" name="Title 1">
             <a:extLst>
               <a:ext uri="{FF2B5EF4-FFF2-40B4-BE49-F238E27FC236}">
-                <a16:creationId xmlns:a16="http://schemas.microsoft.com/office/drawing/2014/main" id="{55A94D4B-42B8-4D53-AC51-763CBA420BA5}"/>
+                <a16:creationId xmlns:a16="http://schemas.microsoft.com/office/drawing/2014/main" xmlns="" id="{55A94D4B-42B8-4D53-AC51-763CBA420BA5}"/>
               </a:ext>
             </a:extLst>
           </p:cNvPr>
@@ -8353,7 +8445,7 @@
           <p:cNvPr id="3" name="Picture 2">
             <a:extLst>
               <a:ext uri="{FF2B5EF4-FFF2-40B4-BE49-F238E27FC236}">
-                <a16:creationId xmlns:a16="http://schemas.microsoft.com/office/drawing/2014/main" id="{C929FE3B-73AD-43F4-B8CD-1654A81DDF47}"/>
+                <a16:creationId xmlns:a16="http://schemas.microsoft.com/office/drawing/2014/main" xmlns="" id="{C929FE3B-73AD-43F4-B8CD-1654A81DDF47}"/>
               </a:ext>
             </a:extLst>
           </p:cNvPr>
@@ -8383,7 +8475,7 @@
           <p:cNvPr id="12" name="Picture 11">
             <a:extLst>
               <a:ext uri="{FF2B5EF4-FFF2-40B4-BE49-F238E27FC236}">
-                <a16:creationId xmlns:a16="http://schemas.microsoft.com/office/drawing/2014/main" id="{42AD9D06-EB30-4313-9F6F-42617BAB28EF}"/>
+                <a16:creationId xmlns:a16="http://schemas.microsoft.com/office/drawing/2014/main" xmlns="" id="{42AD9D06-EB30-4313-9F6F-42617BAB28EF}"/>
               </a:ext>
             </a:extLst>
           </p:cNvPr>
@@ -8413,7 +8505,7 @@
           <p:cNvPr id="13" name="Picture 12">
             <a:extLst>
               <a:ext uri="{FF2B5EF4-FFF2-40B4-BE49-F238E27FC236}">
-                <a16:creationId xmlns:a16="http://schemas.microsoft.com/office/drawing/2014/main" id="{C2C8D329-6F9D-4348-B1A7-009652F26B92}"/>
+                <a16:creationId xmlns:a16="http://schemas.microsoft.com/office/drawing/2014/main" xmlns="" id="{C2C8D329-6F9D-4348-B1A7-009652F26B92}"/>
               </a:ext>
             </a:extLst>
           </p:cNvPr>
@@ -8443,7 +8535,7 @@
           <p:cNvPr id="16" name="Content Placeholder 2">
             <a:extLst>
               <a:ext uri="{FF2B5EF4-FFF2-40B4-BE49-F238E27FC236}">
-                <a16:creationId xmlns:a16="http://schemas.microsoft.com/office/drawing/2014/main" id="{51614195-F03E-476E-A4B9-4499F77402ED}"/>
+                <a16:creationId xmlns:a16="http://schemas.microsoft.com/office/drawing/2014/main" xmlns="" id="{51614195-F03E-476E-A4B9-4499F77402ED}"/>
               </a:ext>
             </a:extLst>
           </p:cNvPr>
@@ -8650,7 +8742,7 @@
           <p:cNvPr id="17" name="Content Placeholder 2">
             <a:extLst>
               <a:ext uri="{FF2B5EF4-FFF2-40B4-BE49-F238E27FC236}">
-                <a16:creationId xmlns:a16="http://schemas.microsoft.com/office/drawing/2014/main" id="{ED1634C0-8470-4BAC-AAA9-C1FE07ACD9D1}"/>
+                <a16:creationId xmlns:a16="http://schemas.microsoft.com/office/drawing/2014/main" xmlns="" id="{ED1634C0-8470-4BAC-AAA9-C1FE07ACD9D1}"/>
               </a:ext>
             </a:extLst>
           </p:cNvPr>
@@ -8871,7 +8963,7 @@
           <p:cNvPr id="18" name="Straight Connector 17">
             <a:extLst>
               <a:ext uri="{FF2B5EF4-FFF2-40B4-BE49-F238E27FC236}">
-                <a16:creationId xmlns:a16="http://schemas.microsoft.com/office/drawing/2014/main" id="{8D6B047D-62D2-4CAA-8745-150F5749442F}"/>
+                <a16:creationId xmlns:a16="http://schemas.microsoft.com/office/drawing/2014/main" xmlns="" id="{8D6B047D-62D2-4CAA-8745-150F5749442F}"/>
               </a:ext>
             </a:extLst>
           </p:cNvPr>
@@ -8912,7 +9004,7 @@
           <p:cNvPr id="19" name="Straight Connector 18">
             <a:extLst>
               <a:ext uri="{FF2B5EF4-FFF2-40B4-BE49-F238E27FC236}">
-                <a16:creationId xmlns:a16="http://schemas.microsoft.com/office/drawing/2014/main" id="{235E25EC-1775-4432-871D-C98242593FC5}"/>
+                <a16:creationId xmlns:a16="http://schemas.microsoft.com/office/drawing/2014/main" xmlns="" id="{235E25EC-1775-4432-871D-C98242593FC5}"/>
               </a:ext>
             </a:extLst>
           </p:cNvPr>
@@ -8953,7 +9045,7 @@
           <p:cNvPr id="20" name="Straight Connector 19">
             <a:extLst>
               <a:ext uri="{FF2B5EF4-FFF2-40B4-BE49-F238E27FC236}">
-                <a16:creationId xmlns:a16="http://schemas.microsoft.com/office/drawing/2014/main" id="{66934499-30D6-48A7-B1F7-E2236A6115D5}"/>
+                <a16:creationId xmlns:a16="http://schemas.microsoft.com/office/drawing/2014/main" xmlns="" id="{66934499-30D6-48A7-B1F7-E2236A6115D5}"/>
               </a:ext>
             </a:extLst>
           </p:cNvPr>
@@ -8994,7 +9086,7 @@
           <p:cNvPr id="21" name="Straight Connector 20">
             <a:extLst>
               <a:ext uri="{FF2B5EF4-FFF2-40B4-BE49-F238E27FC236}">
-                <a16:creationId xmlns:a16="http://schemas.microsoft.com/office/drawing/2014/main" id="{F43F6FFC-E9AF-4B60-9179-A908DD2E934C}"/>
+                <a16:creationId xmlns:a16="http://schemas.microsoft.com/office/drawing/2014/main" xmlns="" id="{F43F6FFC-E9AF-4B60-9179-A908DD2E934C}"/>
               </a:ext>
             </a:extLst>
           </p:cNvPr>
@@ -9035,7 +9127,7 @@
           <p:cNvPr id="22" name="Straight Connector 21">
             <a:extLst>
               <a:ext uri="{FF2B5EF4-FFF2-40B4-BE49-F238E27FC236}">
-                <a16:creationId xmlns:a16="http://schemas.microsoft.com/office/drawing/2014/main" id="{561A8249-1076-4FB9-A7C4-C3FB5ACCABF6}"/>
+                <a16:creationId xmlns:a16="http://schemas.microsoft.com/office/drawing/2014/main" xmlns="" id="{561A8249-1076-4FB9-A7C4-C3FB5ACCABF6}"/>
               </a:ext>
             </a:extLst>
           </p:cNvPr>
@@ -9076,7 +9168,7 @@
           <p:cNvPr id="23" name="Straight Connector 22">
             <a:extLst>
               <a:ext uri="{FF2B5EF4-FFF2-40B4-BE49-F238E27FC236}">
-                <a16:creationId xmlns:a16="http://schemas.microsoft.com/office/drawing/2014/main" id="{C301F0D3-DCBD-4DF8-9FB4-39A02A97EA59}"/>
+                <a16:creationId xmlns:a16="http://schemas.microsoft.com/office/drawing/2014/main" xmlns="" id="{C301F0D3-DCBD-4DF8-9FB4-39A02A97EA59}"/>
               </a:ext>
             </a:extLst>
           </p:cNvPr>
@@ -9147,7 +9239,7 @@
           <p:cNvPr id="2" name="Title 1">
             <a:extLst>
               <a:ext uri="{FF2B5EF4-FFF2-40B4-BE49-F238E27FC236}">
-                <a16:creationId xmlns:a16="http://schemas.microsoft.com/office/drawing/2014/main" id="{881F4BFC-93A9-4998-ABA3-F2477064AEE6}"/>
+                <a16:creationId xmlns:a16="http://schemas.microsoft.com/office/drawing/2014/main" xmlns="" id="{881F4BFC-93A9-4998-ABA3-F2477064AEE6}"/>
               </a:ext>
             </a:extLst>
           </p:cNvPr>
@@ -9182,7 +9274,7 @@
           <p:cNvPr id="4" name="Content Placeholder 3">
             <a:extLst>
               <a:ext uri="{FF2B5EF4-FFF2-40B4-BE49-F238E27FC236}">
-                <a16:creationId xmlns:a16="http://schemas.microsoft.com/office/drawing/2014/main" id="{B2A8F714-557D-4348-9CD0-8AB1C8407F45}"/>
+                <a16:creationId xmlns:a16="http://schemas.microsoft.com/office/drawing/2014/main" xmlns="" id="{B2A8F714-557D-4348-9CD0-8AB1C8407F45}"/>
               </a:ext>
             </a:extLst>
           </p:cNvPr>
@@ -9214,7 +9306,7 @@
           <p:cNvPr id="5" name="Title 1">
             <a:extLst>
               <a:ext uri="{FF2B5EF4-FFF2-40B4-BE49-F238E27FC236}">
-                <a16:creationId xmlns:a16="http://schemas.microsoft.com/office/drawing/2014/main" id="{ADBAD747-B5C6-46BB-B3B8-8B8AF3AB97FB}"/>
+                <a16:creationId xmlns:a16="http://schemas.microsoft.com/office/drawing/2014/main" xmlns="" id="{ADBAD747-B5C6-46BB-B3B8-8B8AF3AB97FB}"/>
               </a:ext>
             </a:extLst>
           </p:cNvPr>
@@ -9268,7 +9360,7 @@
           <p:cNvPr id="6" name="Picture 5">
             <a:extLst>
               <a:ext uri="{FF2B5EF4-FFF2-40B4-BE49-F238E27FC236}">
-                <a16:creationId xmlns:a16="http://schemas.microsoft.com/office/drawing/2014/main" id="{6B512ED6-BAD2-4382-AFED-9E47AFCF4F28}"/>
+                <a16:creationId xmlns:a16="http://schemas.microsoft.com/office/drawing/2014/main" xmlns="" id="{6B512ED6-BAD2-4382-AFED-9E47AFCF4F28}"/>
               </a:ext>
             </a:extLst>
           </p:cNvPr>
@@ -9298,7 +9390,7 @@
           <p:cNvPr id="7" name="Picture 6">
             <a:extLst>
               <a:ext uri="{FF2B5EF4-FFF2-40B4-BE49-F238E27FC236}">
-                <a16:creationId xmlns:a16="http://schemas.microsoft.com/office/drawing/2014/main" id="{0FC6D615-10B9-47C3-ACBB-876C9D5F7834}"/>
+                <a16:creationId xmlns:a16="http://schemas.microsoft.com/office/drawing/2014/main" xmlns="" id="{0FC6D615-10B9-47C3-ACBB-876C9D5F7834}"/>
               </a:ext>
             </a:extLst>
           </p:cNvPr>
@@ -9328,7 +9420,7 @@
           <p:cNvPr id="10" name="Title 1">
             <a:extLst>
               <a:ext uri="{FF2B5EF4-FFF2-40B4-BE49-F238E27FC236}">
-                <a16:creationId xmlns:a16="http://schemas.microsoft.com/office/drawing/2014/main" id="{55A94D4B-42B8-4D53-AC51-763CBA420BA5}"/>
+                <a16:creationId xmlns:a16="http://schemas.microsoft.com/office/drawing/2014/main" xmlns="" id="{55A94D4B-42B8-4D53-AC51-763CBA420BA5}"/>
               </a:ext>
             </a:extLst>
           </p:cNvPr>
@@ -9379,7 +9471,7 @@
           <p:cNvPr id="3" name="Picture 2">
             <a:extLst>
               <a:ext uri="{FF2B5EF4-FFF2-40B4-BE49-F238E27FC236}">
-                <a16:creationId xmlns:a16="http://schemas.microsoft.com/office/drawing/2014/main" id="{C929FE3B-73AD-43F4-B8CD-1654A81DDF47}"/>
+                <a16:creationId xmlns:a16="http://schemas.microsoft.com/office/drawing/2014/main" xmlns="" id="{C929FE3B-73AD-43F4-B8CD-1654A81DDF47}"/>
               </a:ext>
             </a:extLst>
           </p:cNvPr>
@@ -9409,7 +9501,7 @@
           <p:cNvPr id="12" name="Picture 11">
             <a:extLst>
               <a:ext uri="{FF2B5EF4-FFF2-40B4-BE49-F238E27FC236}">
-                <a16:creationId xmlns:a16="http://schemas.microsoft.com/office/drawing/2014/main" id="{42AD9D06-EB30-4313-9F6F-42617BAB28EF}"/>
+                <a16:creationId xmlns:a16="http://schemas.microsoft.com/office/drawing/2014/main" xmlns="" id="{42AD9D06-EB30-4313-9F6F-42617BAB28EF}"/>
               </a:ext>
             </a:extLst>
           </p:cNvPr>
@@ -9439,7 +9531,7 @@
           <p:cNvPr id="13" name="Picture 12">
             <a:extLst>
               <a:ext uri="{FF2B5EF4-FFF2-40B4-BE49-F238E27FC236}">
-                <a16:creationId xmlns:a16="http://schemas.microsoft.com/office/drawing/2014/main" id="{C2C8D329-6F9D-4348-B1A7-009652F26B92}"/>
+                <a16:creationId xmlns:a16="http://schemas.microsoft.com/office/drawing/2014/main" xmlns="" id="{C2C8D329-6F9D-4348-B1A7-009652F26B92}"/>
               </a:ext>
             </a:extLst>
           </p:cNvPr>
@@ -9469,7 +9561,7 @@
           <p:cNvPr id="16" name="Content Placeholder 2">
             <a:extLst>
               <a:ext uri="{FF2B5EF4-FFF2-40B4-BE49-F238E27FC236}">
-                <a16:creationId xmlns:a16="http://schemas.microsoft.com/office/drawing/2014/main" id="{51614195-F03E-476E-A4B9-4499F77402ED}"/>
+                <a16:creationId xmlns:a16="http://schemas.microsoft.com/office/drawing/2014/main" xmlns="" id="{51614195-F03E-476E-A4B9-4499F77402ED}"/>
               </a:ext>
             </a:extLst>
           </p:cNvPr>
@@ -9676,7 +9768,7 @@
           <p:cNvPr id="17" name="Content Placeholder 2">
             <a:extLst>
               <a:ext uri="{FF2B5EF4-FFF2-40B4-BE49-F238E27FC236}">
-                <a16:creationId xmlns:a16="http://schemas.microsoft.com/office/drawing/2014/main" id="{ED1634C0-8470-4BAC-AAA9-C1FE07ACD9D1}"/>
+                <a16:creationId xmlns:a16="http://schemas.microsoft.com/office/drawing/2014/main" xmlns="" id="{ED1634C0-8470-4BAC-AAA9-C1FE07ACD9D1}"/>
               </a:ext>
             </a:extLst>
           </p:cNvPr>
@@ -9897,7 +9989,7 @@
           <p:cNvPr id="18" name="Straight Connector 17">
             <a:extLst>
               <a:ext uri="{FF2B5EF4-FFF2-40B4-BE49-F238E27FC236}">
-                <a16:creationId xmlns:a16="http://schemas.microsoft.com/office/drawing/2014/main" id="{8D6B047D-62D2-4CAA-8745-150F5749442F}"/>
+                <a16:creationId xmlns:a16="http://schemas.microsoft.com/office/drawing/2014/main" xmlns="" id="{8D6B047D-62D2-4CAA-8745-150F5749442F}"/>
               </a:ext>
             </a:extLst>
           </p:cNvPr>
@@ -9938,7 +10030,7 @@
           <p:cNvPr id="19" name="Straight Connector 18">
             <a:extLst>
               <a:ext uri="{FF2B5EF4-FFF2-40B4-BE49-F238E27FC236}">
-                <a16:creationId xmlns:a16="http://schemas.microsoft.com/office/drawing/2014/main" id="{235E25EC-1775-4432-871D-C98242593FC5}"/>
+                <a16:creationId xmlns:a16="http://schemas.microsoft.com/office/drawing/2014/main" xmlns="" id="{235E25EC-1775-4432-871D-C98242593FC5}"/>
               </a:ext>
             </a:extLst>
           </p:cNvPr>
@@ -9979,7 +10071,7 @@
           <p:cNvPr id="20" name="Straight Connector 19">
             <a:extLst>
               <a:ext uri="{FF2B5EF4-FFF2-40B4-BE49-F238E27FC236}">
-                <a16:creationId xmlns:a16="http://schemas.microsoft.com/office/drawing/2014/main" id="{66934499-30D6-48A7-B1F7-E2236A6115D5}"/>
+                <a16:creationId xmlns:a16="http://schemas.microsoft.com/office/drawing/2014/main" xmlns="" id="{66934499-30D6-48A7-B1F7-E2236A6115D5}"/>
               </a:ext>
             </a:extLst>
           </p:cNvPr>
@@ -10020,7 +10112,7 @@
           <p:cNvPr id="21" name="Straight Connector 20">
             <a:extLst>
               <a:ext uri="{FF2B5EF4-FFF2-40B4-BE49-F238E27FC236}">
-                <a16:creationId xmlns:a16="http://schemas.microsoft.com/office/drawing/2014/main" id="{F43F6FFC-E9AF-4B60-9179-A908DD2E934C}"/>
+                <a16:creationId xmlns:a16="http://schemas.microsoft.com/office/drawing/2014/main" xmlns="" id="{F43F6FFC-E9AF-4B60-9179-A908DD2E934C}"/>
               </a:ext>
             </a:extLst>
           </p:cNvPr>
@@ -10061,7 +10153,7 @@
           <p:cNvPr id="22" name="Straight Connector 21">
             <a:extLst>
               <a:ext uri="{FF2B5EF4-FFF2-40B4-BE49-F238E27FC236}">
-                <a16:creationId xmlns:a16="http://schemas.microsoft.com/office/drawing/2014/main" id="{561A8249-1076-4FB9-A7C4-C3FB5ACCABF6}"/>
+                <a16:creationId xmlns:a16="http://schemas.microsoft.com/office/drawing/2014/main" xmlns="" id="{561A8249-1076-4FB9-A7C4-C3FB5ACCABF6}"/>
               </a:ext>
             </a:extLst>
           </p:cNvPr>
@@ -10102,7 +10194,7 @@
           <p:cNvPr id="23" name="Straight Connector 22">
             <a:extLst>
               <a:ext uri="{FF2B5EF4-FFF2-40B4-BE49-F238E27FC236}">
-                <a16:creationId xmlns:a16="http://schemas.microsoft.com/office/drawing/2014/main" id="{C301F0D3-DCBD-4DF8-9FB4-39A02A97EA59}"/>
+                <a16:creationId xmlns:a16="http://schemas.microsoft.com/office/drawing/2014/main" xmlns="" id="{C301F0D3-DCBD-4DF8-9FB4-39A02A97EA59}"/>
               </a:ext>
             </a:extLst>
           </p:cNvPr>
@@ -10143,7 +10235,7 @@
           <p:cNvPr id="24" name="Oval 23">
             <a:extLst>
               <a:ext uri="{FF2B5EF4-FFF2-40B4-BE49-F238E27FC236}">
-                <a16:creationId xmlns:a16="http://schemas.microsoft.com/office/drawing/2014/main" id="{D72AAC99-F01F-491C-92B7-26AD95DCAE99}"/>
+                <a16:creationId xmlns:a16="http://schemas.microsoft.com/office/drawing/2014/main" xmlns="" id="{D72AAC99-F01F-491C-92B7-26AD95DCAE99}"/>
               </a:ext>
             </a:extLst>
           </p:cNvPr>
@@ -10223,7 +10315,7 @@
           <p:cNvPr id="2" name="Title 1">
             <a:extLst>
               <a:ext uri="{FF2B5EF4-FFF2-40B4-BE49-F238E27FC236}">
-                <a16:creationId xmlns:a16="http://schemas.microsoft.com/office/drawing/2014/main" id="{881F4BFC-93A9-4998-ABA3-F2477064AEE6}"/>
+                <a16:creationId xmlns:a16="http://schemas.microsoft.com/office/drawing/2014/main" xmlns="" id="{881F4BFC-93A9-4998-ABA3-F2477064AEE6}"/>
               </a:ext>
             </a:extLst>
           </p:cNvPr>
@@ -10258,7 +10350,7 @@
           <p:cNvPr id="4" name="Content Placeholder 3">
             <a:extLst>
               <a:ext uri="{FF2B5EF4-FFF2-40B4-BE49-F238E27FC236}">
-                <a16:creationId xmlns:a16="http://schemas.microsoft.com/office/drawing/2014/main" id="{B2A8F714-557D-4348-9CD0-8AB1C8407F45}"/>
+                <a16:creationId xmlns:a16="http://schemas.microsoft.com/office/drawing/2014/main" xmlns="" id="{B2A8F714-557D-4348-9CD0-8AB1C8407F45}"/>
               </a:ext>
             </a:extLst>
           </p:cNvPr>
@@ -10290,7 +10382,7 @@
           <p:cNvPr id="5" name="Title 1">
             <a:extLst>
               <a:ext uri="{FF2B5EF4-FFF2-40B4-BE49-F238E27FC236}">
-                <a16:creationId xmlns:a16="http://schemas.microsoft.com/office/drawing/2014/main" id="{ADBAD747-B5C6-46BB-B3B8-8B8AF3AB97FB}"/>
+                <a16:creationId xmlns:a16="http://schemas.microsoft.com/office/drawing/2014/main" xmlns="" id="{ADBAD747-B5C6-46BB-B3B8-8B8AF3AB97FB}"/>
               </a:ext>
             </a:extLst>
           </p:cNvPr>
@@ -10344,7 +10436,7 @@
           <p:cNvPr id="6" name="Picture 5">
             <a:extLst>
               <a:ext uri="{FF2B5EF4-FFF2-40B4-BE49-F238E27FC236}">
-                <a16:creationId xmlns:a16="http://schemas.microsoft.com/office/drawing/2014/main" id="{6B512ED6-BAD2-4382-AFED-9E47AFCF4F28}"/>
+                <a16:creationId xmlns:a16="http://schemas.microsoft.com/office/drawing/2014/main" xmlns="" id="{6B512ED6-BAD2-4382-AFED-9E47AFCF4F28}"/>
               </a:ext>
             </a:extLst>
           </p:cNvPr>
@@ -10374,7 +10466,7 @@
           <p:cNvPr id="7" name="Picture 6">
             <a:extLst>
               <a:ext uri="{FF2B5EF4-FFF2-40B4-BE49-F238E27FC236}">
-                <a16:creationId xmlns:a16="http://schemas.microsoft.com/office/drawing/2014/main" id="{0FC6D615-10B9-47C3-ACBB-876C9D5F7834}"/>
+                <a16:creationId xmlns:a16="http://schemas.microsoft.com/office/drawing/2014/main" xmlns="" id="{0FC6D615-10B9-47C3-ACBB-876C9D5F7834}"/>
               </a:ext>
             </a:extLst>
           </p:cNvPr>
@@ -10404,7 +10496,7 @@
           <p:cNvPr id="10" name="Title 1">
             <a:extLst>
               <a:ext uri="{FF2B5EF4-FFF2-40B4-BE49-F238E27FC236}">
-                <a16:creationId xmlns:a16="http://schemas.microsoft.com/office/drawing/2014/main" id="{55A94D4B-42B8-4D53-AC51-763CBA420BA5}"/>
+                <a16:creationId xmlns:a16="http://schemas.microsoft.com/office/drawing/2014/main" xmlns="" id="{55A94D4B-42B8-4D53-AC51-763CBA420BA5}"/>
               </a:ext>
             </a:extLst>
           </p:cNvPr>
@@ -10455,7 +10547,7 @@
           <p:cNvPr id="3" name="Picture 2">
             <a:extLst>
               <a:ext uri="{FF2B5EF4-FFF2-40B4-BE49-F238E27FC236}">
-                <a16:creationId xmlns:a16="http://schemas.microsoft.com/office/drawing/2014/main" id="{C929FE3B-73AD-43F4-B8CD-1654A81DDF47}"/>
+                <a16:creationId xmlns:a16="http://schemas.microsoft.com/office/drawing/2014/main" xmlns="" id="{C929FE3B-73AD-43F4-B8CD-1654A81DDF47}"/>
               </a:ext>
             </a:extLst>
           </p:cNvPr>
@@ -10485,7 +10577,7 @@
           <p:cNvPr id="12" name="Picture 11">
             <a:extLst>
               <a:ext uri="{FF2B5EF4-FFF2-40B4-BE49-F238E27FC236}">
-                <a16:creationId xmlns:a16="http://schemas.microsoft.com/office/drawing/2014/main" id="{42AD9D06-EB30-4313-9F6F-42617BAB28EF}"/>
+                <a16:creationId xmlns:a16="http://schemas.microsoft.com/office/drawing/2014/main" xmlns="" id="{42AD9D06-EB30-4313-9F6F-42617BAB28EF}"/>
               </a:ext>
             </a:extLst>
           </p:cNvPr>
@@ -10515,7 +10607,7 @@
           <p:cNvPr id="13" name="Picture 12">
             <a:extLst>
               <a:ext uri="{FF2B5EF4-FFF2-40B4-BE49-F238E27FC236}">
-                <a16:creationId xmlns:a16="http://schemas.microsoft.com/office/drawing/2014/main" id="{C2C8D329-6F9D-4348-B1A7-009652F26B92}"/>
+                <a16:creationId xmlns:a16="http://schemas.microsoft.com/office/drawing/2014/main" xmlns="" id="{C2C8D329-6F9D-4348-B1A7-009652F26B92}"/>
               </a:ext>
             </a:extLst>
           </p:cNvPr>
@@ -10545,7 +10637,7 @@
           <p:cNvPr id="16" name="Content Placeholder 2">
             <a:extLst>
               <a:ext uri="{FF2B5EF4-FFF2-40B4-BE49-F238E27FC236}">
-                <a16:creationId xmlns:a16="http://schemas.microsoft.com/office/drawing/2014/main" id="{51614195-F03E-476E-A4B9-4499F77402ED}"/>
+                <a16:creationId xmlns:a16="http://schemas.microsoft.com/office/drawing/2014/main" xmlns="" id="{51614195-F03E-476E-A4B9-4499F77402ED}"/>
               </a:ext>
             </a:extLst>
           </p:cNvPr>
@@ -10752,7 +10844,7 @@
           <p:cNvPr id="17" name="Content Placeholder 2">
             <a:extLst>
               <a:ext uri="{FF2B5EF4-FFF2-40B4-BE49-F238E27FC236}">
-                <a16:creationId xmlns:a16="http://schemas.microsoft.com/office/drawing/2014/main" id="{ED1634C0-8470-4BAC-AAA9-C1FE07ACD9D1}"/>
+                <a16:creationId xmlns:a16="http://schemas.microsoft.com/office/drawing/2014/main" xmlns="" id="{ED1634C0-8470-4BAC-AAA9-C1FE07ACD9D1}"/>
               </a:ext>
             </a:extLst>
           </p:cNvPr>
@@ -10973,7 +11065,7 @@
           <p:cNvPr id="18" name="Straight Connector 17">
             <a:extLst>
               <a:ext uri="{FF2B5EF4-FFF2-40B4-BE49-F238E27FC236}">
-                <a16:creationId xmlns:a16="http://schemas.microsoft.com/office/drawing/2014/main" id="{8D6B047D-62D2-4CAA-8745-150F5749442F}"/>
+                <a16:creationId xmlns:a16="http://schemas.microsoft.com/office/drawing/2014/main" xmlns="" id="{8D6B047D-62D2-4CAA-8745-150F5749442F}"/>
               </a:ext>
             </a:extLst>
           </p:cNvPr>
@@ -11014,7 +11106,7 @@
           <p:cNvPr id="19" name="Straight Connector 18">
             <a:extLst>
               <a:ext uri="{FF2B5EF4-FFF2-40B4-BE49-F238E27FC236}">
-                <a16:creationId xmlns:a16="http://schemas.microsoft.com/office/drawing/2014/main" id="{235E25EC-1775-4432-871D-C98242593FC5}"/>
+                <a16:creationId xmlns:a16="http://schemas.microsoft.com/office/drawing/2014/main" xmlns="" id="{235E25EC-1775-4432-871D-C98242593FC5}"/>
               </a:ext>
             </a:extLst>
           </p:cNvPr>
@@ -11055,7 +11147,7 @@
           <p:cNvPr id="20" name="Straight Connector 19">
             <a:extLst>
               <a:ext uri="{FF2B5EF4-FFF2-40B4-BE49-F238E27FC236}">
-                <a16:creationId xmlns:a16="http://schemas.microsoft.com/office/drawing/2014/main" id="{66934499-30D6-48A7-B1F7-E2236A6115D5}"/>
+                <a16:creationId xmlns:a16="http://schemas.microsoft.com/office/drawing/2014/main" xmlns="" id="{66934499-30D6-48A7-B1F7-E2236A6115D5}"/>
               </a:ext>
             </a:extLst>
           </p:cNvPr>
@@ -11096,7 +11188,7 @@
           <p:cNvPr id="21" name="Straight Connector 20">
             <a:extLst>
               <a:ext uri="{FF2B5EF4-FFF2-40B4-BE49-F238E27FC236}">
-                <a16:creationId xmlns:a16="http://schemas.microsoft.com/office/drawing/2014/main" id="{F43F6FFC-E9AF-4B60-9179-A908DD2E934C}"/>
+                <a16:creationId xmlns:a16="http://schemas.microsoft.com/office/drawing/2014/main" xmlns="" id="{F43F6FFC-E9AF-4B60-9179-A908DD2E934C}"/>
               </a:ext>
             </a:extLst>
           </p:cNvPr>
@@ -11137,7 +11229,7 @@
           <p:cNvPr id="22" name="Straight Connector 21">
             <a:extLst>
               <a:ext uri="{FF2B5EF4-FFF2-40B4-BE49-F238E27FC236}">
-                <a16:creationId xmlns:a16="http://schemas.microsoft.com/office/drawing/2014/main" id="{561A8249-1076-4FB9-A7C4-C3FB5ACCABF6}"/>
+                <a16:creationId xmlns:a16="http://schemas.microsoft.com/office/drawing/2014/main" xmlns="" id="{561A8249-1076-4FB9-A7C4-C3FB5ACCABF6}"/>
               </a:ext>
             </a:extLst>
           </p:cNvPr>
@@ -11178,7 +11270,7 @@
           <p:cNvPr id="23" name="Straight Connector 22">
             <a:extLst>
               <a:ext uri="{FF2B5EF4-FFF2-40B4-BE49-F238E27FC236}">
-                <a16:creationId xmlns:a16="http://schemas.microsoft.com/office/drawing/2014/main" id="{C301F0D3-DCBD-4DF8-9FB4-39A02A97EA59}"/>
+                <a16:creationId xmlns:a16="http://schemas.microsoft.com/office/drawing/2014/main" xmlns="" id="{C301F0D3-DCBD-4DF8-9FB4-39A02A97EA59}"/>
               </a:ext>
             </a:extLst>
           </p:cNvPr>
@@ -11219,7 +11311,7 @@
           <p:cNvPr id="24" name="Oval 23">
             <a:extLst>
               <a:ext uri="{FF2B5EF4-FFF2-40B4-BE49-F238E27FC236}">
-                <a16:creationId xmlns:a16="http://schemas.microsoft.com/office/drawing/2014/main" id="{D72AAC99-F01F-491C-92B7-26AD95DCAE99}"/>
+                <a16:creationId xmlns:a16="http://schemas.microsoft.com/office/drawing/2014/main" xmlns="" id="{D72AAC99-F01F-491C-92B7-26AD95DCAE99}"/>
               </a:ext>
             </a:extLst>
           </p:cNvPr>
@@ -11269,7 +11361,7 @@
           <p:cNvPr id="26" name="Oval 25">
             <a:extLst>
               <a:ext uri="{FF2B5EF4-FFF2-40B4-BE49-F238E27FC236}">
-                <a16:creationId xmlns:a16="http://schemas.microsoft.com/office/drawing/2014/main" id="{A9B4397F-885E-43C7-95BC-B2847D5E7513}"/>
+                <a16:creationId xmlns:a16="http://schemas.microsoft.com/office/drawing/2014/main" xmlns="" id="{A9B4397F-885E-43C7-95BC-B2847D5E7513}"/>
               </a:ext>
             </a:extLst>
           </p:cNvPr>
@@ -11349,7 +11441,7 @@
           <p:cNvPr id="2" name="Title 1">
             <a:extLst>
               <a:ext uri="{FF2B5EF4-FFF2-40B4-BE49-F238E27FC236}">
-                <a16:creationId xmlns:a16="http://schemas.microsoft.com/office/drawing/2014/main" id="{307B8968-DE91-425E-BD8D-741A296A1EE6}"/>
+                <a16:creationId xmlns:a16="http://schemas.microsoft.com/office/drawing/2014/main" xmlns="" id="{307B8968-DE91-425E-BD8D-741A296A1EE6}"/>
               </a:ext>
             </a:extLst>
           </p:cNvPr>
@@ -11382,7 +11474,7 @@
           <p:cNvPr id="4" name="Content Placeholder 3">
             <a:extLst>
               <a:ext uri="{FF2B5EF4-FFF2-40B4-BE49-F238E27FC236}">
-                <a16:creationId xmlns:a16="http://schemas.microsoft.com/office/drawing/2014/main" id="{253205ED-EB82-4F1F-AC4D-6CF6E3C2F5CC}"/>
+                <a16:creationId xmlns:a16="http://schemas.microsoft.com/office/drawing/2014/main" xmlns="" id="{253205ED-EB82-4F1F-AC4D-6CF6E3C2F5CC}"/>
               </a:ext>
             </a:extLst>
           </p:cNvPr>
@@ -11412,28 +11504,28 @@
                 <a:gridCol w="1993077">
                   <a:extLst>
                     <a:ext uri="{9D8B030D-6E8A-4147-A177-3AD203B41FA5}">
-                      <a16:colId xmlns:a16="http://schemas.microsoft.com/office/drawing/2014/main" val="1321865565"/>
+                      <a16:colId xmlns:a16="http://schemas.microsoft.com/office/drawing/2014/main" xmlns="" val="1321865565"/>
                     </a:ext>
                   </a:extLst>
                 </a:gridCol>
                 <a:gridCol w="2438308">
                   <a:extLst>
                     <a:ext uri="{9D8B030D-6E8A-4147-A177-3AD203B41FA5}">
-                      <a16:colId xmlns:a16="http://schemas.microsoft.com/office/drawing/2014/main" val="621221694"/>
+                      <a16:colId xmlns:a16="http://schemas.microsoft.com/office/drawing/2014/main" xmlns="" val="621221694"/>
                     </a:ext>
                   </a:extLst>
                 </a:gridCol>
                 <a:gridCol w="2714919">
                   <a:extLst>
                     <a:ext uri="{9D8B030D-6E8A-4147-A177-3AD203B41FA5}">
-                      <a16:colId xmlns:a16="http://schemas.microsoft.com/office/drawing/2014/main" val="618433142"/>
+                      <a16:colId xmlns:a16="http://schemas.microsoft.com/office/drawing/2014/main" xmlns="" val="618433142"/>
                     </a:ext>
                   </a:extLst>
                 </a:gridCol>
                 <a:gridCol w="3369295">
                   <a:extLst>
                     <a:ext uri="{9D8B030D-6E8A-4147-A177-3AD203B41FA5}">
-                      <a16:colId xmlns:a16="http://schemas.microsoft.com/office/drawing/2014/main" val="1187566209"/>
+                      <a16:colId xmlns:a16="http://schemas.microsoft.com/office/drawing/2014/main" xmlns="" val="1187566209"/>
                     </a:ext>
                   </a:extLst>
                 </a:gridCol>
@@ -11561,7 +11653,7 @@
                 </a:tc>
                 <a:extLst>
                   <a:ext uri="{0D108BD9-81ED-4DB2-BD59-A6C34878D82A}">
-                    <a16:rowId xmlns:a16="http://schemas.microsoft.com/office/drawing/2014/main" val="3472444932"/>
+                    <a16:rowId xmlns:a16="http://schemas.microsoft.com/office/drawing/2014/main" xmlns="" val="3472444932"/>
                   </a:ext>
                 </a:extLst>
               </a:tr>
@@ -11688,7 +11780,7 @@
                 </a:tc>
                 <a:extLst>
                   <a:ext uri="{0D108BD9-81ED-4DB2-BD59-A6C34878D82A}">
-                    <a16:rowId xmlns:a16="http://schemas.microsoft.com/office/drawing/2014/main" val="1592944227"/>
+                    <a16:rowId xmlns:a16="http://schemas.microsoft.com/office/drawing/2014/main" xmlns="" val="1592944227"/>
                   </a:ext>
                 </a:extLst>
               </a:tr>
@@ -11816,7 +11908,7 @@
                 </a:tc>
                 <a:extLst>
                   <a:ext uri="{0D108BD9-81ED-4DB2-BD59-A6C34878D82A}">
-                    <a16:rowId xmlns:a16="http://schemas.microsoft.com/office/drawing/2014/main" val="1793529964"/>
+                    <a16:rowId xmlns:a16="http://schemas.microsoft.com/office/drawing/2014/main" xmlns="" val="1793529964"/>
                   </a:ext>
                 </a:extLst>
               </a:tr>
@@ -11923,7 +12015,7 @@
                 </a:tc>
                 <a:extLst>
                   <a:ext uri="{0D108BD9-81ED-4DB2-BD59-A6C34878D82A}">
-                    <a16:rowId xmlns:a16="http://schemas.microsoft.com/office/drawing/2014/main" val="4202869693"/>
+                    <a16:rowId xmlns:a16="http://schemas.microsoft.com/office/drawing/2014/main" xmlns="" val="4202869693"/>
                   </a:ext>
                 </a:extLst>
               </a:tr>
@@ -12071,7 +12163,7 @@
                 </a:tc>
                 <a:extLst>
                   <a:ext uri="{0D108BD9-81ED-4DB2-BD59-A6C34878D82A}">
-                    <a16:rowId xmlns:a16="http://schemas.microsoft.com/office/drawing/2014/main" val="757473240"/>
+                    <a16:rowId xmlns:a16="http://schemas.microsoft.com/office/drawing/2014/main" xmlns="" val="757473240"/>
                   </a:ext>
                 </a:extLst>
               </a:tr>
@@ -12223,7 +12315,7 @@
                 </a:tc>
                 <a:extLst>
                   <a:ext uri="{0D108BD9-81ED-4DB2-BD59-A6C34878D82A}">
-                    <a16:rowId xmlns:a16="http://schemas.microsoft.com/office/drawing/2014/main" val="1023074434"/>
+                    <a16:rowId xmlns:a16="http://schemas.microsoft.com/office/drawing/2014/main" xmlns="" val="1023074434"/>
                   </a:ext>
                 </a:extLst>
               </a:tr>
@@ -12330,7 +12422,7 @@
                 </a:tc>
                 <a:extLst>
                   <a:ext uri="{0D108BD9-81ED-4DB2-BD59-A6C34878D82A}">
-                    <a16:rowId xmlns:a16="http://schemas.microsoft.com/office/drawing/2014/main" val="2982940022"/>
+                    <a16:rowId xmlns:a16="http://schemas.microsoft.com/office/drawing/2014/main" xmlns="" val="2982940022"/>
                   </a:ext>
                 </a:extLst>
               </a:tr>
@@ -12373,7 +12465,7 @@
           <p:cNvPr id="2" name="Title 1">
             <a:extLst>
               <a:ext uri="{FF2B5EF4-FFF2-40B4-BE49-F238E27FC236}">
-                <a16:creationId xmlns:a16="http://schemas.microsoft.com/office/drawing/2014/main" id="{E2C35651-2B8F-47E5-B2BF-DE42C7C25A44}"/>
+                <a16:creationId xmlns:a16="http://schemas.microsoft.com/office/drawing/2014/main" xmlns="" id="{E2C35651-2B8F-47E5-B2BF-DE42C7C25A44}"/>
               </a:ext>
             </a:extLst>
           </p:cNvPr>
@@ -12406,7 +12498,7 @@
           <p:cNvPr id="4" name="Content Placeholder 3">
             <a:extLst>
               <a:ext uri="{FF2B5EF4-FFF2-40B4-BE49-F238E27FC236}">
-                <a16:creationId xmlns:a16="http://schemas.microsoft.com/office/drawing/2014/main" id="{81CA707F-1731-4AF6-9910-EC1B6C4F2349}"/>
+                <a16:creationId xmlns:a16="http://schemas.microsoft.com/office/drawing/2014/main" xmlns="" id="{81CA707F-1731-4AF6-9910-EC1B6C4F2349}"/>
               </a:ext>
             </a:extLst>
           </p:cNvPr>
@@ -12438,7 +12530,7 @@
           <p:cNvPr id="5" name="Title 1">
             <a:extLst>
               <a:ext uri="{FF2B5EF4-FFF2-40B4-BE49-F238E27FC236}">
-                <a16:creationId xmlns:a16="http://schemas.microsoft.com/office/drawing/2014/main" id="{EAEA55F8-1AA8-452F-A614-E8535B9DBA53}"/>
+                <a16:creationId xmlns:a16="http://schemas.microsoft.com/office/drawing/2014/main" xmlns="" id="{EAEA55F8-1AA8-452F-A614-E8535B9DBA53}"/>
               </a:ext>
             </a:extLst>
           </p:cNvPr>
@@ -12492,7 +12584,7 @@
           <p:cNvPr id="6" name="Picture 5">
             <a:extLst>
               <a:ext uri="{FF2B5EF4-FFF2-40B4-BE49-F238E27FC236}">
-                <a16:creationId xmlns:a16="http://schemas.microsoft.com/office/drawing/2014/main" id="{3D2EDC6F-77EA-42AF-AA8B-73CA352AB050}"/>
+                <a16:creationId xmlns:a16="http://schemas.microsoft.com/office/drawing/2014/main" xmlns="" id="{3D2EDC6F-77EA-42AF-AA8B-73CA352AB050}"/>
               </a:ext>
             </a:extLst>
           </p:cNvPr>
@@ -12552,7 +12644,7 @@
           <p:cNvPr id="2" name="Title 1">
             <a:extLst>
               <a:ext uri="{FF2B5EF4-FFF2-40B4-BE49-F238E27FC236}">
-                <a16:creationId xmlns:a16="http://schemas.microsoft.com/office/drawing/2014/main" id="{E2C35651-2B8F-47E5-B2BF-DE42C7C25A44}"/>
+                <a16:creationId xmlns:a16="http://schemas.microsoft.com/office/drawing/2014/main" xmlns="" id="{E2C35651-2B8F-47E5-B2BF-DE42C7C25A44}"/>
               </a:ext>
             </a:extLst>
           </p:cNvPr>
@@ -12585,7 +12677,7 @@
           <p:cNvPr id="4" name="Content Placeholder 3">
             <a:extLst>
               <a:ext uri="{FF2B5EF4-FFF2-40B4-BE49-F238E27FC236}">
-                <a16:creationId xmlns:a16="http://schemas.microsoft.com/office/drawing/2014/main" id="{81CA707F-1731-4AF6-9910-EC1B6C4F2349}"/>
+                <a16:creationId xmlns:a16="http://schemas.microsoft.com/office/drawing/2014/main" xmlns="" id="{81CA707F-1731-4AF6-9910-EC1B6C4F2349}"/>
               </a:ext>
             </a:extLst>
           </p:cNvPr>
@@ -12617,7 +12709,7 @@
           <p:cNvPr id="5" name="Title 1">
             <a:extLst>
               <a:ext uri="{FF2B5EF4-FFF2-40B4-BE49-F238E27FC236}">
-                <a16:creationId xmlns:a16="http://schemas.microsoft.com/office/drawing/2014/main" id="{EAEA55F8-1AA8-452F-A614-E8535B9DBA53}"/>
+                <a16:creationId xmlns:a16="http://schemas.microsoft.com/office/drawing/2014/main" xmlns="" id="{EAEA55F8-1AA8-452F-A614-E8535B9DBA53}"/>
               </a:ext>
             </a:extLst>
           </p:cNvPr>
@@ -12671,7 +12763,7 @@
           <p:cNvPr id="6" name="Picture 5">
             <a:extLst>
               <a:ext uri="{FF2B5EF4-FFF2-40B4-BE49-F238E27FC236}">
-                <a16:creationId xmlns:a16="http://schemas.microsoft.com/office/drawing/2014/main" id="{3D2EDC6F-77EA-42AF-AA8B-73CA352AB050}"/>
+                <a16:creationId xmlns:a16="http://schemas.microsoft.com/office/drawing/2014/main" xmlns="" id="{3D2EDC6F-77EA-42AF-AA8B-73CA352AB050}"/>
               </a:ext>
             </a:extLst>
           </p:cNvPr>
@@ -12701,7 +12793,7 @@
           <p:cNvPr id="7" name="Rectangle 6">
             <a:extLst>
               <a:ext uri="{FF2B5EF4-FFF2-40B4-BE49-F238E27FC236}">
-                <a16:creationId xmlns:a16="http://schemas.microsoft.com/office/drawing/2014/main" id="{6C71EA6B-B2FB-439F-AD6D-FDBAE18F815A}"/>
+                <a16:creationId xmlns:a16="http://schemas.microsoft.com/office/drawing/2014/main" xmlns="" id="{6C71EA6B-B2FB-439F-AD6D-FDBAE18F815A}"/>
               </a:ext>
             </a:extLst>
           </p:cNvPr>
@@ -12783,7 +12875,7 @@
           <p:cNvPr id="2" name="Title 1">
             <a:extLst>
               <a:ext uri="{FF2B5EF4-FFF2-40B4-BE49-F238E27FC236}">
-                <a16:creationId xmlns:a16="http://schemas.microsoft.com/office/drawing/2014/main" id="{E2C35651-2B8F-47E5-B2BF-DE42C7C25A44}"/>
+                <a16:creationId xmlns:a16="http://schemas.microsoft.com/office/drawing/2014/main" xmlns="" id="{E2C35651-2B8F-47E5-B2BF-DE42C7C25A44}"/>
               </a:ext>
             </a:extLst>
           </p:cNvPr>
@@ -12822,7 +12914,7 @@
           <p:cNvPr id="6" name="Picture 5">
             <a:extLst>
               <a:ext uri="{FF2B5EF4-FFF2-40B4-BE49-F238E27FC236}">
-                <a16:creationId xmlns:a16="http://schemas.microsoft.com/office/drawing/2014/main" id="{D856841F-F801-4B38-9A6B-9FAE902EF12B}"/>
+                <a16:creationId xmlns:a16="http://schemas.microsoft.com/office/drawing/2014/main" xmlns="" id="{D856841F-F801-4B38-9A6B-9FAE902EF12B}"/>
               </a:ext>
             </a:extLst>
           </p:cNvPr>
@@ -12852,7 +12944,7 @@
           <p:cNvPr id="9" name="Content Placeholder 8">
             <a:extLst>
               <a:ext uri="{FF2B5EF4-FFF2-40B4-BE49-F238E27FC236}">
-                <a16:creationId xmlns:a16="http://schemas.microsoft.com/office/drawing/2014/main" id="{CC83BE1A-D31C-4B27-AE0F-61485F26C35E}"/>
+                <a16:creationId xmlns:a16="http://schemas.microsoft.com/office/drawing/2014/main" xmlns="" id="{CC83BE1A-D31C-4B27-AE0F-61485F26C35E}"/>
               </a:ext>
             </a:extLst>
           </p:cNvPr>
@@ -12914,7 +13006,7 @@
           <p:cNvPr id="2" name="Title 1">
             <a:extLst>
               <a:ext uri="{FF2B5EF4-FFF2-40B4-BE49-F238E27FC236}">
-                <a16:creationId xmlns:a16="http://schemas.microsoft.com/office/drawing/2014/main" id="{E2C35651-2B8F-47E5-B2BF-DE42C7C25A44}"/>
+                <a16:creationId xmlns:a16="http://schemas.microsoft.com/office/drawing/2014/main" xmlns="" id="{E2C35651-2B8F-47E5-B2BF-DE42C7C25A44}"/>
               </a:ext>
             </a:extLst>
           </p:cNvPr>
@@ -12953,7 +13045,7 @@
           <p:cNvPr id="6" name="Picture 5">
             <a:extLst>
               <a:ext uri="{FF2B5EF4-FFF2-40B4-BE49-F238E27FC236}">
-                <a16:creationId xmlns:a16="http://schemas.microsoft.com/office/drawing/2014/main" id="{D856841F-F801-4B38-9A6B-9FAE902EF12B}"/>
+                <a16:creationId xmlns:a16="http://schemas.microsoft.com/office/drawing/2014/main" xmlns="" id="{D856841F-F801-4B38-9A6B-9FAE902EF12B}"/>
               </a:ext>
             </a:extLst>
           </p:cNvPr>
@@ -12983,7 +13075,7 @@
           <p:cNvPr id="9" name="Content Placeholder 8">
             <a:extLst>
               <a:ext uri="{FF2B5EF4-FFF2-40B4-BE49-F238E27FC236}">
-                <a16:creationId xmlns:a16="http://schemas.microsoft.com/office/drawing/2014/main" id="{CC83BE1A-D31C-4B27-AE0F-61485F26C35E}"/>
+                <a16:creationId xmlns:a16="http://schemas.microsoft.com/office/drawing/2014/main" xmlns="" id="{CC83BE1A-D31C-4B27-AE0F-61485F26C35E}"/>
               </a:ext>
             </a:extLst>
           </p:cNvPr>
@@ -13015,7 +13107,7 @@
           <p:cNvPr id="10" name="Rectangle 9">
             <a:extLst>
               <a:ext uri="{FF2B5EF4-FFF2-40B4-BE49-F238E27FC236}">
-                <a16:creationId xmlns:a16="http://schemas.microsoft.com/office/drawing/2014/main" id="{FEA31F8D-7A89-4A16-AFA7-A8607888F3D6}"/>
+                <a16:creationId xmlns:a16="http://schemas.microsoft.com/office/drawing/2014/main" xmlns="" id="{FEA31F8D-7A89-4A16-AFA7-A8607888F3D6}"/>
               </a:ext>
             </a:extLst>
           </p:cNvPr>
@@ -13142,8 +13234,8 @@
           <a:lstStyle/>
           <a:p>
             <a:r>
-              <a:rPr lang="en-US" b="1" dirty="0"/>
-              <a:t>1.Introduction:</a:t>
+              <a:rPr lang="en-US" b="1" dirty="0" smtClean="0"/>
+              <a:t>1.Introduction</a:t>
             </a:r>
             <a:endParaRPr lang="en-GB" dirty="0"/>
           </a:p>
@@ -13190,14 +13282,14 @@
           <a:p>
             <a:r>
               <a:rPr lang="en-US" b="1" dirty="0"/>
-              <a:t>2.Project Approach :</a:t>
+              <a:t>2.Project Approach </a:t>
             </a:r>
             <a:endParaRPr lang="en-GB" dirty="0"/>
           </a:p>
           <a:p>
             <a:r>
               <a:rPr lang="en-US" b="1" dirty="0"/>
-              <a:t>3.Contributions :</a:t>
+              <a:t>3.Contributions </a:t>
             </a:r>
           </a:p>
           <a:p>
@@ -13209,12 +13301,16 @@
               <a:t>       3.1 </a:t>
             </a:r>
             <a:r>
-              <a:rPr lang="en-US" b="1" dirty="0" err="1"/>
-              <a:t>Immplemention</a:t>
+              <a:rPr lang="en-US" b="1" dirty="0" err="1" smtClean="0"/>
+              <a:t>Implemention</a:t>
+            </a:r>
+            <a:r>
+              <a:rPr lang="en-US" b="1" dirty="0" smtClean="0"/>
+              <a:t> </a:t>
             </a:r>
             <a:r>
               <a:rPr lang="en-US" b="1" dirty="0"/>
-              <a:t> steps</a:t>
+              <a:t>steps</a:t>
             </a:r>
             <a:endParaRPr lang="en-GB" dirty="0"/>
           </a:p>
@@ -13280,7 +13376,7 @@
           <p:cNvPr id="2" name="Title 1">
             <a:extLst>
               <a:ext uri="{FF2B5EF4-FFF2-40B4-BE49-F238E27FC236}">
-                <a16:creationId xmlns:a16="http://schemas.microsoft.com/office/drawing/2014/main" id="{E2C35651-2B8F-47E5-B2BF-DE42C7C25A44}"/>
+                <a16:creationId xmlns:a16="http://schemas.microsoft.com/office/drawing/2014/main" xmlns="" id="{E2C35651-2B8F-47E5-B2BF-DE42C7C25A44}"/>
               </a:ext>
             </a:extLst>
           </p:cNvPr>
@@ -13319,7 +13415,7 @@
           <p:cNvPr id="5" name="Content Placeholder 4">
             <a:extLst>
               <a:ext uri="{FF2B5EF4-FFF2-40B4-BE49-F238E27FC236}">
-                <a16:creationId xmlns:a16="http://schemas.microsoft.com/office/drawing/2014/main" id="{4D21444C-7955-4E8A-872A-7E43CFC5E737}"/>
+                <a16:creationId xmlns:a16="http://schemas.microsoft.com/office/drawing/2014/main" xmlns="" id="{4D21444C-7955-4E8A-872A-7E43CFC5E737}"/>
               </a:ext>
             </a:extLst>
           </p:cNvPr>
@@ -13351,7 +13447,7 @@
           <p:cNvPr id="7" name="Picture 6">
             <a:extLst>
               <a:ext uri="{FF2B5EF4-FFF2-40B4-BE49-F238E27FC236}">
-                <a16:creationId xmlns:a16="http://schemas.microsoft.com/office/drawing/2014/main" id="{3080F814-84F6-4B5E-91FD-4CF85EFAA2B6}"/>
+                <a16:creationId xmlns:a16="http://schemas.microsoft.com/office/drawing/2014/main" xmlns="" id="{3080F814-84F6-4B5E-91FD-4CF85EFAA2B6}"/>
               </a:ext>
             </a:extLst>
           </p:cNvPr>
@@ -13411,7 +13507,7 @@
           <p:cNvPr id="2" name="Title 1">
             <a:extLst>
               <a:ext uri="{FF2B5EF4-FFF2-40B4-BE49-F238E27FC236}">
-                <a16:creationId xmlns:a16="http://schemas.microsoft.com/office/drawing/2014/main" id="{E2C35651-2B8F-47E5-B2BF-DE42C7C25A44}"/>
+                <a16:creationId xmlns:a16="http://schemas.microsoft.com/office/drawing/2014/main" xmlns="" id="{E2C35651-2B8F-47E5-B2BF-DE42C7C25A44}"/>
               </a:ext>
             </a:extLst>
           </p:cNvPr>
@@ -13450,7 +13546,7 @@
           <p:cNvPr id="5" name="Content Placeholder 4">
             <a:extLst>
               <a:ext uri="{FF2B5EF4-FFF2-40B4-BE49-F238E27FC236}">
-                <a16:creationId xmlns:a16="http://schemas.microsoft.com/office/drawing/2014/main" id="{4D21444C-7955-4E8A-872A-7E43CFC5E737}"/>
+                <a16:creationId xmlns:a16="http://schemas.microsoft.com/office/drawing/2014/main" xmlns="" id="{4D21444C-7955-4E8A-872A-7E43CFC5E737}"/>
               </a:ext>
             </a:extLst>
           </p:cNvPr>
@@ -13482,7 +13578,7 @@
           <p:cNvPr id="7" name="Picture 6">
             <a:extLst>
               <a:ext uri="{FF2B5EF4-FFF2-40B4-BE49-F238E27FC236}">
-                <a16:creationId xmlns:a16="http://schemas.microsoft.com/office/drawing/2014/main" id="{3080F814-84F6-4B5E-91FD-4CF85EFAA2B6}"/>
+                <a16:creationId xmlns:a16="http://schemas.microsoft.com/office/drawing/2014/main" xmlns="" id="{3080F814-84F6-4B5E-91FD-4CF85EFAA2B6}"/>
               </a:ext>
             </a:extLst>
           </p:cNvPr>
@@ -13512,7 +13608,7 @@
           <p:cNvPr id="10" name="Rectangle 9">
             <a:extLst>
               <a:ext uri="{FF2B5EF4-FFF2-40B4-BE49-F238E27FC236}">
-                <a16:creationId xmlns:a16="http://schemas.microsoft.com/office/drawing/2014/main" id="{FEA31F8D-7A89-4A16-AFA7-A8607888F3D6}"/>
+                <a16:creationId xmlns:a16="http://schemas.microsoft.com/office/drawing/2014/main" xmlns="" id="{FEA31F8D-7A89-4A16-AFA7-A8607888F3D6}"/>
               </a:ext>
             </a:extLst>
           </p:cNvPr>
@@ -13594,7 +13690,7 @@
           <p:cNvPr id="2" name="Title 1">
             <a:extLst>
               <a:ext uri="{FF2B5EF4-FFF2-40B4-BE49-F238E27FC236}">
-                <a16:creationId xmlns:a16="http://schemas.microsoft.com/office/drawing/2014/main" id="{2890EE67-F959-46EC-93C0-4DC44E2BBE90}"/>
+                <a16:creationId xmlns:a16="http://schemas.microsoft.com/office/drawing/2014/main" xmlns="" id="{2890EE67-F959-46EC-93C0-4DC44E2BBE90}"/>
               </a:ext>
             </a:extLst>
           </p:cNvPr>
@@ -13628,7 +13724,7 @@
           <p:cNvPr id="3" name="Content Placeholder 2">
             <a:extLst>
               <a:ext uri="{FF2B5EF4-FFF2-40B4-BE49-F238E27FC236}">
-                <a16:creationId xmlns:a16="http://schemas.microsoft.com/office/drawing/2014/main" id="{A4039225-E4C6-4F69-A0F2-C27BA667DEF5}"/>
+                <a16:creationId xmlns:a16="http://schemas.microsoft.com/office/drawing/2014/main" xmlns="" id="{A4039225-E4C6-4F69-A0F2-C27BA667DEF5}"/>
               </a:ext>
             </a:extLst>
           </p:cNvPr>
@@ -14015,15 +14111,81 @@
           <a:p>
             <a:r>
               <a:rPr lang="en-US" dirty="0"/>
-              <a:t>This project aims to analyze and predict students’ academic performance. The Mining of students’ interaction performance of education is an emerging field of application of data mining. </a:t>
-            </a:r>
-          </a:p>
-          <a:p>
+              <a:t>This project aims to analyze and predict students’ academic performance. The </a:t>
+            </a:r>
+            <a:r>
+              <a:rPr lang="en-US" dirty="0" smtClean="0"/>
+              <a:t>mining </a:t>
+            </a:r>
             <a:r>
               <a:rPr lang="en-US" dirty="0"/>
-              <a:t>Because it may allow to identify early on struggling students with different topics in where students experienced difficulties, or on those students who are more likely to fail in the examination prior to the examination etc. </a:t>
-            </a:r>
-            <a:endParaRPr lang="en-GB" dirty="0"/>
+              <a:t>of students’ interaction </a:t>
+            </a:r>
+            <a:r>
+              <a:rPr lang="en-US" dirty="0" smtClean="0"/>
+              <a:t>&amp; performance in educational settings </a:t>
+            </a:r>
+            <a:r>
+              <a:rPr lang="en-US" dirty="0"/>
+              <a:t>is an emerging field of application of data mining</a:t>
+            </a:r>
+            <a:r>
+              <a:rPr lang="en-US" dirty="0" smtClean="0"/>
+              <a:t>.</a:t>
+            </a:r>
+          </a:p>
+          <a:p>
+            <a:endParaRPr lang="en-US" dirty="0"/>
+          </a:p>
+          <a:p>
+            <a:r>
+              <a:rPr lang="en-US" dirty="0" smtClean="0"/>
+              <a:t>The mining of such data </a:t>
+            </a:r>
+            <a:r>
+              <a:rPr lang="en-US" dirty="0"/>
+              <a:t>allows </a:t>
+            </a:r>
+            <a:r>
+              <a:rPr lang="en-US" dirty="0" smtClean="0"/>
+              <a:t>early </a:t>
+            </a:r>
+            <a:r>
+              <a:rPr lang="en-US" dirty="0"/>
+              <a:t>identification of :</a:t>
+            </a:r>
+            <a:endParaRPr lang="en-US" dirty="0" smtClean="0"/>
+          </a:p>
+          <a:p>
+            <a:pPr lvl="1"/>
+            <a:r>
+              <a:rPr lang="en-US" sz="2800" dirty="0" smtClean="0"/>
+              <a:t>students </a:t>
+            </a:r>
+            <a:r>
+              <a:rPr lang="en-US" sz="2800" dirty="0"/>
+              <a:t>struggling with </a:t>
+            </a:r>
+            <a:r>
+              <a:rPr lang="en-US" sz="2800" dirty="0" smtClean="0"/>
+              <a:t>specific subjects/educational styles (interactions)</a:t>
+            </a:r>
+          </a:p>
+          <a:p>
+            <a:pPr lvl="1"/>
+            <a:r>
+              <a:rPr lang="en-US" sz="2800" dirty="0" smtClean="0"/>
+              <a:t>students </a:t>
+            </a:r>
+            <a:r>
+              <a:rPr lang="en-US" sz="2800" dirty="0"/>
+              <a:t>who are more likely to fail </a:t>
+            </a:r>
+            <a:r>
+              <a:rPr lang="en-US" sz="2800" dirty="0" smtClean="0"/>
+              <a:t>the subject/examination</a:t>
+            </a:r>
+            <a:endParaRPr lang="en-GB" sz="2800" dirty="0"/>
           </a:p>
         </p:txBody>
       </p:sp>
@@ -14109,19 +14271,98 @@
           <a:p>
             <a:r>
               <a:rPr lang="en-US" dirty="0"/>
-              <a:t>Examination plays a vital role in any student's life. The marks obtained by students in the examination affect their study and career life, especially in this competitive modern society. Therefore, it becomes essential to predict whether the student will pass or fail in the examination. </a:t>
-            </a:r>
-          </a:p>
-          <a:p>
+              <a:t>Examination plays a vital role in any student's life. The marks obtained by students in the examination affect their study and career life, especially in this competitive modern society. </a:t>
+            </a:r>
+            <a:endParaRPr lang="en-US" dirty="0" smtClean="0"/>
+          </a:p>
+          <a:p>
+            <a:endParaRPr lang="en-US" dirty="0" smtClean="0"/>
+          </a:p>
+          <a:p>
+            <a:r>
+              <a:rPr lang="en-US" dirty="0" smtClean="0"/>
+              <a:t>Predicting </a:t>
+            </a:r>
             <a:r>
               <a:rPr lang="en-US" dirty="0"/>
-              <a:t>If the prediction says that a student tends to fail in the examination prior to the examination then extra efforts can be taken to improve his studies and help him to pass the examination.</a:t>
-            </a:r>
-          </a:p>
-          <a:p>
+              <a:t>whether </a:t>
+            </a:r>
+            <a:r>
+              <a:rPr lang="en-US" dirty="0" smtClean="0"/>
+              <a:t>students </a:t>
+            </a:r>
             <a:r>
               <a:rPr lang="en-US" dirty="0"/>
-              <a:t>Not only will it benefit the students, but also for schools and parents. </a:t>
+              <a:t>will pass or fail </a:t>
+            </a:r>
+            <a:r>
+              <a:rPr lang="en-US" dirty="0" smtClean="0"/>
+              <a:t>an examination</a:t>
+            </a:r>
+            <a:r>
+              <a:rPr lang="en-US" dirty="0"/>
+              <a:t> </a:t>
+            </a:r>
+            <a:r>
+              <a:rPr lang="en-US" dirty="0" smtClean="0"/>
+              <a:t>prior to the examination itself allows to devote </a:t>
+            </a:r>
+            <a:r>
+              <a:rPr lang="en-US" dirty="0" smtClean="0"/>
+              <a:t>extra </a:t>
+            </a:r>
+            <a:r>
+              <a:rPr lang="en-US" dirty="0"/>
+              <a:t>efforts </a:t>
+            </a:r>
+            <a:r>
+              <a:rPr lang="en-US" dirty="0" smtClean="0"/>
+              <a:t>to </a:t>
+            </a:r>
+            <a:r>
+              <a:rPr lang="en-US" dirty="0"/>
+              <a:t>improve </a:t>
+            </a:r>
+            <a:r>
+              <a:rPr lang="en-US" dirty="0" smtClean="0"/>
+              <a:t>their studies </a:t>
+            </a:r>
+            <a:r>
+              <a:rPr lang="en-US" dirty="0"/>
+              <a:t>and help </a:t>
+            </a:r>
+            <a:r>
+              <a:rPr lang="en-US" dirty="0" smtClean="0"/>
+              <a:t>them to </a:t>
+            </a:r>
+            <a:r>
+              <a:rPr lang="en-US" dirty="0"/>
+              <a:t>pass the examination</a:t>
+            </a:r>
+            <a:r>
+              <a:rPr lang="en-US" dirty="0" smtClean="0"/>
+              <a:t>.</a:t>
+            </a:r>
+          </a:p>
+          <a:p>
+            <a:endParaRPr lang="en-US" dirty="0"/>
+          </a:p>
+          <a:p>
+            <a:r>
+              <a:rPr lang="en-US" dirty="0" smtClean="0"/>
+              <a:t>This will not only benefit </a:t>
+            </a:r>
+            <a:r>
+              <a:rPr lang="en-US" dirty="0"/>
+              <a:t>the students, but also </a:t>
+            </a:r>
+            <a:r>
+              <a:rPr lang="en-US" dirty="0" smtClean="0"/>
+              <a:t>the schools </a:t>
+            </a:r>
+            <a:r>
+              <a:rPr lang="en-US" dirty="0"/>
+              <a:t>and parents. </a:t>
             </a:r>
             <a:endParaRPr lang="en-GB" dirty="0"/>
           </a:p>
@@ -14203,16 +14444,61 @@
           <a:p>
             <a:r>
               <a:rPr lang="en-US" dirty="0"/>
-              <a:t>We make prediction of students’ academic performance based on the educational datasets.</a:t>
-            </a:r>
-          </a:p>
-          <a:p>
+              <a:t>We </a:t>
+            </a:r>
+            <a:r>
+              <a:rPr lang="en-US" dirty="0" smtClean="0"/>
+              <a:t>predict </a:t>
+            </a:r>
+            <a:r>
+              <a:rPr lang="en-US" dirty="0"/>
+              <a:t>students’ academic performance based </a:t>
+            </a:r>
+            <a:r>
+              <a:rPr lang="en-US" dirty="0" smtClean="0"/>
+              <a:t>on interactions and data recorded in an </a:t>
+            </a:r>
+            <a:r>
+              <a:rPr lang="en-US" dirty="0"/>
+              <a:t>educational </a:t>
+            </a:r>
+            <a:r>
+              <a:rPr lang="en-US" dirty="0" smtClean="0"/>
+              <a:t>dataset.</a:t>
+            </a:r>
             <a:endParaRPr lang="en-US" dirty="0"/>
           </a:p>
           <a:p>
+            <a:endParaRPr lang="en-US" dirty="0"/>
+          </a:p>
+          <a:p>
             <a:r>
               <a:rPr lang="en-US" dirty="0"/>
-              <a:t>Identify the which features in this dataset affects the students’ academic performance the most.</a:t>
+              <a:t>Identify </a:t>
+            </a:r>
+            <a:r>
+              <a:rPr lang="en-US" dirty="0" smtClean="0"/>
+              <a:t>which </a:t>
+            </a:r>
+            <a:r>
+              <a:rPr lang="en-US" dirty="0"/>
+              <a:t>features in this dataset </a:t>
+            </a:r>
+            <a:r>
+              <a:rPr lang="en-US" dirty="0" smtClean="0"/>
+              <a:t>affect </a:t>
+            </a:r>
+            <a:r>
+              <a:rPr lang="en-US" dirty="0"/>
+              <a:t>the students’ academic performance </a:t>
+            </a:r>
+            <a:r>
+              <a:rPr lang="en-US" dirty="0" smtClean="0"/>
+              <a:t>most</a:t>
+            </a:r>
+            <a:r>
+              <a:rPr lang="en-US" dirty="0"/>
+              <a:t>.</a:t>
             </a:r>
           </a:p>
           <a:p>
@@ -14224,7 +14510,39 @@
           <a:p>
             <a:r>
               <a:rPr lang="en-US" dirty="0"/>
-              <a:t>The datasets used in this project is just a sample, we can use the same method to analyze all kinds of educational performance to suit all kinds of students in different grade levels, gender, nationality, and even suitable for university student.</a:t>
+              <a:t>The </a:t>
+            </a:r>
+            <a:r>
+              <a:rPr lang="en-US" dirty="0" smtClean="0"/>
+              <a:t>methods developed </a:t>
+            </a:r>
+            <a:r>
+              <a:rPr lang="en-US" dirty="0" smtClean="0"/>
+              <a:t>in this project </a:t>
+            </a:r>
+            <a:r>
+              <a:rPr lang="en-US" dirty="0" smtClean="0"/>
+              <a:t>could be extended to </a:t>
+            </a:r>
+            <a:r>
+              <a:rPr lang="en-US" dirty="0"/>
+              <a:t>analyze all kinds of educational performance to suit all kinds of students in different grade levels, gender, nationality, </a:t>
+            </a:r>
+            <a:r>
+              <a:rPr lang="en-US" dirty="0" smtClean="0"/>
+              <a:t>and it may </a:t>
+            </a:r>
+            <a:r>
+              <a:rPr lang="en-US" dirty="0"/>
+              <a:t>even </a:t>
+            </a:r>
+            <a:r>
+              <a:rPr lang="en-US" dirty="0" smtClean="0"/>
+              <a:t>be suitable </a:t>
+            </a:r>
+            <a:r>
+              <a:rPr lang="en-US" dirty="0"/>
+              <a:t>for university student.</a:t>
             </a:r>
             <a:endParaRPr lang="en-GB" dirty="0"/>
           </a:p>
@@ -14321,7 +14639,15 @@
             </a:pPr>
             <a:r>
               <a:rPr lang="en-US" dirty="0"/>
-              <a:t>There will be 2 main types of deliverables in this study:</a:t>
+              <a:t>There </a:t>
+            </a:r>
+            <a:r>
+              <a:rPr lang="en-US" dirty="0" smtClean="0"/>
+              <a:t>are </a:t>
+            </a:r>
+            <a:r>
+              <a:rPr lang="en-US" dirty="0"/>
+              <a:t>2 main types of deliverables in this study:</a:t>
             </a:r>
           </a:p>
           <a:p>
@@ -14351,15 +14677,43 @@
           <a:p>
             <a:r>
               <a:rPr lang="en-US" dirty="0"/>
-              <a:t>2. One single zip archive folder which contains the following files in this study:</a:t>
-            </a:r>
-            <a:r>
-              <a:rPr lang="en-GB" dirty="0"/>
+              <a:t>2. One single zip archive folder which contains the </a:t>
+            </a:r>
+            <a:r>
+              <a:rPr lang="en-US" dirty="0" smtClean="0"/>
+              <a:t>following:</a:t>
+            </a:r>
+            <a:r>
+              <a:rPr lang="en-GB" dirty="0" smtClean="0"/>
               <a:t> </a:t>
             </a:r>
             <a:r>
               <a:rPr lang="de-DE" dirty="0"/>
-              <a:t>Rmarkdown file, Rmarkdown in PDf and HTML format, and the student’s academic performance dataset.</a:t>
+              <a:t>Rmarkdown file, </a:t>
+            </a:r>
+            <a:r>
+              <a:rPr lang="de-DE" dirty="0" err="1"/>
+              <a:t>Rmarkdown</a:t>
+            </a:r>
+            <a:r>
+              <a:rPr lang="de-DE" dirty="0"/>
+              <a:t> </a:t>
+            </a:r>
+            <a:r>
+              <a:rPr lang="de-DE" dirty="0" smtClean="0"/>
+              <a:t>PDF </a:t>
+            </a:r>
+            <a:r>
+              <a:rPr lang="de-DE" dirty="0" err="1" smtClean="0"/>
+              <a:t>and</a:t>
+            </a:r>
+            <a:r>
+              <a:rPr lang="de-DE" dirty="0" smtClean="0"/>
+              <a:t> HTML, </a:t>
+            </a:r>
+            <a:r>
+              <a:rPr lang="de-DE" dirty="0"/>
+              <a:t>and the student’s academic performance dataset.</a:t>
             </a:r>
             <a:endParaRPr lang="en-GB" dirty="0"/>
           </a:p>
@@ -14400,7 +14754,7 @@
           <p:cNvPr id="2" name="Title 1">
             <a:extLst>
               <a:ext uri="{FF2B5EF4-FFF2-40B4-BE49-F238E27FC236}">
-                <a16:creationId xmlns:a16="http://schemas.microsoft.com/office/drawing/2014/main" id="{1A898971-19AF-4A8B-9D15-CD5A1AEA1C68}"/>
+                <a16:creationId xmlns:a16="http://schemas.microsoft.com/office/drawing/2014/main" xmlns="" id="{1A898971-19AF-4A8B-9D15-CD5A1AEA1C68}"/>
               </a:ext>
             </a:extLst>
           </p:cNvPr>
@@ -14436,7 +14790,7 @@
           <p:cNvPr id="3" name="Content Placeholder 2">
             <a:extLst>
               <a:ext uri="{FF2B5EF4-FFF2-40B4-BE49-F238E27FC236}">
-                <a16:creationId xmlns:a16="http://schemas.microsoft.com/office/drawing/2014/main" id="{6690DA6D-FA84-46DD-A712-CC84EFBD1ACA}"/>
+                <a16:creationId xmlns:a16="http://schemas.microsoft.com/office/drawing/2014/main" xmlns="" id="{6690DA6D-FA84-46DD-A712-CC84EFBD1ACA}"/>
               </a:ext>
             </a:extLst>
           </p:cNvPr>
@@ -14556,7 +14910,7 @@
           <p:cNvPr id="2" name="Title 1">
             <a:extLst>
               <a:ext uri="{FF2B5EF4-FFF2-40B4-BE49-F238E27FC236}">
-                <a16:creationId xmlns:a16="http://schemas.microsoft.com/office/drawing/2014/main" id="{E46FF1C7-4944-4D09-B922-92B6E10E228C}"/>
+                <a16:creationId xmlns:a16="http://schemas.microsoft.com/office/drawing/2014/main" xmlns="" id="{E46FF1C7-4944-4D09-B922-92B6E10E228C}"/>
               </a:ext>
             </a:extLst>
           </p:cNvPr>
@@ -14591,7 +14945,7 @@
           <p:cNvPr id="4" name="Content Placeholder 3">
             <a:extLst>
               <a:ext uri="{FF2B5EF4-FFF2-40B4-BE49-F238E27FC236}">
-                <a16:creationId xmlns:a16="http://schemas.microsoft.com/office/drawing/2014/main" id="{98834587-E421-4A57-B5CB-031E9C2B4B70}"/>
+                <a16:creationId xmlns:a16="http://schemas.microsoft.com/office/drawing/2014/main" xmlns="" id="{98834587-E421-4A57-B5CB-031E9C2B4B70}"/>
               </a:ext>
             </a:extLst>
           </p:cNvPr>

--- a/Project presentation (presentation)- zhiying.pptx
+++ b/Project presentation (presentation)- zhiying.pptx
@@ -3721,7 +3721,7 @@
           <p:cNvPr id="2" name="Title 1">
             <a:extLst>
               <a:ext uri="{FF2B5EF4-FFF2-40B4-BE49-F238E27FC236}">
-                <a16:creationId xmlns:a16="http://schemas.microsoft.com/office/drawing/2014/main" xmlns="" id="{F93F2032-B71D-4841-88BD-3F15D97A3F28}"/>
+                <a16:creationId xmlns="" xmlns:a16="http://schemas.microsoft.com/office/drawing/2014/main" id="{F93F2032-B71D-4841-88BD-3F15D97A3F28}"/>
               </a:ext>
             </a:extLst>
           </p:cNvPr>
@@ -3764,7 +3764,7 @@
           <p:cNvPr id="3" name="Content Placeholder 2">
             <a:extLst>
               <a:ext uri="{FF2B5EF4-FFF2-40B4-BE49-F238E27FC236}">
-                <a16:creationId xmlns:a16="http://schemas.microsoft.com/office/drawing/2014/main" xmlns="" id="{600B8653-BB78-4B00-B601-40FEC2BB096F}"/>
+                <a16:creationId xmlns="" xmlns:a16="http://schemas.microsoft.com/office/drawing/2014/main" id="{600B8653-BB78-4B00-B601-40FEC2BB096F}"/>
               </a:ext>
             </a:extLst>
           </p:cNvPr>
@@ -4108,7 +4108,7 @@
           <p:cNvPr id="6" name="Content Placeholder 5">
             <a:extLst>
               <a:ext uri="{FF2B5EF4-FFF2-40B4-BE49-F238E27FC236}">
-                <a16:creationId xmlns:a16="http://schemas.microsoft.com/office/drawing/2014/main" xmlns="" id="{A5972240-A800-4639-962C-8765B592FA25}"/>
+                <a16:creationId xmlns="" xmlns:a16="http://schemas.microsoft.com/office/drawing/2014/main" id="{A5972240-A800-4639-962C-8765B592FA25}"/>
               </a:ext>
             </a:extLst>
           </p:cNvPr>
@@ -4333,7 +4333,7 @@
           <p:cNvPr id="5" name="Content Placeholder 4">
             <a:extLst>
               <a:ext uri="{FF2B5EF4-FFF2-40B4-BE49-F238E27FC236}">
-                <a16:creationId xmlns:a16="http://schemas.microsoft.com/office/drawing/2014/main" xmlns="" id="{060791E4-4338-4976-8F85-A8A14B1ADA60}"/>
+                <a16:creationId xmlns="" xmlns:a16="http://schemas.microsoft.com/office/drawing/2014/main" id="{060791E4-4338-4976-8F85-A8A14B1ADA60}"/>
               </a:ext>
             </a:extLst>
           </p:cNvPr>
@@ -4358,7 +4358,7 @@
           <p:cNvPr id="6" name="Picture 5">
             <a:extLst>
               <a:ext uri="{FF2B5EF4-FFF2-40B4-BE49-F238E27FC236}">
-                <a16:creationId xmlns:a16="http://schemas.microsoft.com/office/drawing/2014/main" xmlns="" id="{A763E8DD-E6AA-4634-B217-88B0E4956D42}"/>
+                <a16:creationId xmlns="" xmlns:a16="http://schemas.microsoft.com/office/drawing/2014/main" id="{A763E8DD-E6AA-4634-B217-88B0E4956D42}"/>
               </a:ext>
             </a:extLst>
           </p:cNvPr>
@@ -4512,7 +4512,7 @@
           <p:cNvPr id="5" name="Table 4">
             <a:extLst>
               <a:ext uri="{FF2B5EF4-FFF2-40B4-BE49-F238E27FC236}">
-                <a16:creationId xmlns:a16="http://schemas.microsoft.com/office/drawing/2014/main" xmlns="" id="{12AA1BE3-444A-460D-9543-7A2FF925C381}"/>
+                <a16:creationId xmlns="" xmlns:a16="http://schemas.microsoft.com/office/drawing/2014/main" id="{12AA1BE3-444A-460D-9543-7A2FF925C381}"/>
               </a:ext>
             </a:extLst>
           </p:cNvPr>
@@ -4541,42 +4541,42 @@
                 <a:gridCol w="1387102">
                   <a:extLst>
                     <a:ext uri="{9D8B030D-6E8A-4147-A177-3AD203B41FA5}">
-                      <a16:colId xmlns:a16="http://schemas.microsoft.com/office/drawing/2014/main" xmlns="" val="3419330438"/>
+                      <a16:colId xmlns="" xmlns:a16="http://schemas.microsoft.com/office/drawing/2014/main" val="3419330438"/>
                     </a:ext>
                   </a:extLst>
                 </a:gridCol>
                 <a:gridCol w="2826711">
                   <a:extLst>
                     <a:ext uri="{9D8B030D-6E8A-4147-A177-3AD203B41FA5}">
-                      <a16:colId xmlns:a16="http://schemas.microsoft.com/office/drawing/2014/main" xmlns="" val="1597577171"/>
+                      <a16:colId xmlns="" xmlns:a16="http://schemas.microsoft.com/office/drawing/2014/main" val="1597577171"/>
                     </a:ext>
                   </a:extLst>
                 </a:gridCol>
                 <a:gridCol w="1309507">
                   <a:extLst>
                     <a:ext uri="{9D8B030D-6E8A-4147-A177-3AD203B41FA5}">
-                      <a16:colId xmlns:a16="http://schemas.microsoft.com/office/drawing/2014/main" xmlns="" val="1271094361"/>
+                      <a16:colId xmlns="" xmlns:a16="http://schemas.microsoft.com/office/drawing/2014/main" val="1271094361"/>
                     </a:ext>
                   </a:extLst>
                 </a:gridCol>
                 <a:gridCol w="1296164">
                   <a:extLst>
                     <a:ext uri="{9D8B030D-6E8A-4147-A177-3AD203B41FA5}">
-                      <a16:colId xmlns:a16="http://schemas.microsoft.com/office/drawing/2014/main" xmlns="" val="2576608979"/>
+                      <a16:colId xmlns="" xmlns:a16="http://schemas.microsoft.com/office/drawing/2014/main" val="2576608979"/>
                     </a:ext>
                   </a:extLst>
                 </a:gridCol>
                 <a:gridCol w="1670750">
                   <a:extLst>
                     <a:ext uri="{9D8B030D-6E8A-4147-A177-3AD203B41FA5}">
-                      <a16:colId xmlns:a16="http://schemas.microsoft.com/office/drawing/2014/main" xmlns="" val="1489599960"/>
+                      <a16:colId xmlns="" xmlns:a16="http://schemas.microsoft.com/office/drawing/2014/main" val="1489599960"/>
                     </a:ext>
                   </a:extLst>
                 </a:gridCol>
                 <a:gridCol w="1371903">
                   <a:extLst>
                     <a:ext uri="{9D8B030D-6E8A-4147-A177-3AD203B41FA5}">
-                      <a16:colId xmlns:a16="http://schemas.microsoft.com/office/drawing/2014/main" xmlns="" val="3975143885"/>
+                      <a16:colId xmlns="" xmlns:a16="http://schemas.microsoft.com/office/drawing/2014/main" val="3975143885"/>
                     </a:ext>
                   </a:extLst>
                 </a:gridCol>
@@ -4758,7 +4758,7 @@
                 </a:tc>
                 <a:extLst>
                   <a:ext uri="{0D108BD9-81ED-4DB2-BD59-A6C34878D82A}">
-                    <a16:rowId xmlns:a16="http://schemas.microsoft.com/office/drawing/2014/main" xmlns="" val="3360850559"/>
+                    <a16:rowId xmlns="" xmlns:a16="http://schemas.microsoft.com/office/drawing/2014/main" val="3360850559"/>
                   </a:ext>
                 </a:extLst>
               </a:tr>
@@ -4939,7 +4939,7 @@
                 </a:tc>
                 <a:extLst>
                   <a:ext uri="{0D108BD9-81ED-4DB2-BD59-A6C34878D82A}">
-                    <a16:rowId xmlns:a16="http://schemas.microsoft.com/office/drawing/2014/main" xmlns="" val="3710823223"/>
+                    <a16:rowId xmlns="" xmlns:a16="http://schemas.microsoft.com/office/drawing/2014/main" val="3710823223"/>
                   </a:ext>
                 </a:extLst>
               </a:tr>
@@ -5120,7 +5120,7 @@
                 </a:tc>
                 <a:extLst>
                   <a:ext uri="{0D108BD9-81ED-4DB2-BD59-A6C34878D82A}">
-                    <a16:rowId xmlns:a16="http://schemas.microsoft.com/office/drawing/2014/main" xmlns="" val="3766666260"/>
+                    <a16:rowId xmlns="" xmlns:a16="http://schemas.microsoft.com/office/drawing/2014/main" val="3766666260"/>
                   </a:ext>
                 </a:extLst>
               </a:tr>
@@ -5301,7 +5301,7 @@
                 </a:tc>
                 <a:extLst>
                   <a:ext uri="{0D108BD9-81ED-4DB2-BD59-A6C34878D82A}">
-                    <a16:rowId xmlns:a16="http://schemas.microsoft.com/office/drawing/2014/main" xmlns="" val="3902622114"/>
+                    <a16:rowId xmlns="" xmlns:a16="http://schemas.microsoft.com/office/drawing/2014/main" val="3902622114"/>
                   </a:ext>
                 </a:extLst>
               </a:tr>
@@ -5599,7 +5599,7 @@
                 </a:tc>
                 <a:extLst>
                   <a:ext uri="{0D108BD9-81ED-4DB2-BD59-A6C34878D82A}">
-                    <a16:rowId xmlns:a16="http://schemas.microsoft.com/office/drawing/2014/main" xmlns="" val="2920387522"/>
+                    <a16:rowId xmlns="" xmlns:a16="http://schemas.microsoft.com/office/drawing/2014/main" val="2920387522"/>
                   </a:ext>
                 </a:extLst>
               </a:tr>
@@ -5780,7 +5780,7 @@
                 </a:tc>
                 <a:extLst>
                   <a:ext uri="{0D108BD9-81ED-4DB2-BD59-A6C34878D82A}">
-                    <a16:rowId xmlns:a16="http://schemas.microsoft.com/office/drawing/2014/main" xmlns="" val="1291085650"/>
+                    <a16:rowId xmlns="" xmlns:a16="http://schemas.microsoft.com/office/drawing/2014/main" val="1291085650"/>
                   </a:ext>
                 </a:extLst>
               </a:tr>
@@ -6119,7 +6119,7 @@
         </p:spPr>
         <p:txBody>
           <a:bodyPr>
-            <a:normAutofit fontScale="77500" lnSpcReduction="20000"/>
+            <a:normAutofit fontScale="85000" lnSpcReduction="20000"/>
           </a:bodyPr>
           <a:lstStyle/>
           <a:p>
@@ -6128,7 +6128,15 @@
             </a:pPr>
             <a:r>
               <a:rPr lang="en-US" b="1" dirty="0"/>
-              <a:t>Main findings of Task 1: </a:t>
+              <a:t>Main findings </a:t>
+            </a:r>
+            <a:r>
+              <a:rPr lang="en-US" b="1" dirty="0" smtClean="0"/>
+              <a:t>from Task </a:t>
+            </a:r>
+            <a:r>
+              <a:rPr lang="en-US" b="1" dirty="0"/>
+              <a:t>1: </a:t>
             </a:r>
           </a:p>
           <a:p>
@@ -6137,7 +6145,35 @@
             </a:pPr>
             <a:r>
               <a:rPr lang="en-US" dirty="0"/>
-              <a:t> 1. Girls have higher rate in high class but lower rate in low class, boys are the opposite. Girls' parents have higher school satisfaction than boys. Boys has higher rate of above 7 absence days. Very few girls in low class.</a:t>
+              <a:t> 1. </a:t>
+            </a:r>
+            <a:r>
+              <a:rPr lang="en-US" dirty="0" smtClean="0"/>
+              <a:t>There are more girls in the high achievers class (</a:t>
+            </a:r>
+            <a:r>
+              <a:rPr lang="en-US" i="1" dirty="0" smtClean="0"/>
+              <a:t>high class</a:t>
+            </a:r>
+            <a:r>
+              <a:rPr lang="en-US" dirty="0" smtClean="0"/>
+              <a:t>) than in the low class; </a:t>
+            </a:r>
+            <a:r>
+              <a:rPr lang="en-US" dirty="0"/>
+              <a:t>boys are the opposite. Girls' parents have higher school satisfaction than boys. Boys </a:t>
+            </a:r>
+            <a:r>
+              <a:rPr lang="en-US" dirty="0" smtClean="0"/>
+              <a:t>are more frequently absent for more than </a:t>
+            </a:r>
+            <a:r>
+              <a:rPr lang="en-US" dirty="0"/>
+              <a:t>7 </a:t>
+            </a:r>
+            <a:r>
+              <a:rPr lang="en-US" dirty="0" smtClean="0"/>
+              <a:t>days.</a:t>
             </a:r>
             <a:endParaRPr lang="en-GB" dirty="0"/>
           </a:p>
@@ -6147,7 +6183,63 @@
             </a:pPr>
             <a:r>
               <a:rPr lang="en-US" dirty="0"/>
-              <a:t> 2. The differences of class performance between place of birth and nationality are very tiny. The findings between pace of birth and nationality are very similar. It’s enough for us to just use nationality instead of both for the next steps.</a:t>
+              <a:t> 2. </a:t>
+            </a:r>
+            <a:r>
+              <a:rPr lang="en-US" dirty="0" smtClean="0"/>
+              <a:t>There are very small </a:t>
+            </a:r>
+            <a:r>
+              <a:rPr lang="en-US" dirty="0"/>
+              <a:t>differences </a:t>
+            </a:r>
+            <a:r>
+              <a:rPr lang="en-US" dirty="0" smtClean="0"/>
+              <a:t>in class </a:t>
+            </a:r>
+            <a:r>
+              <a:rPr lang="en-US" dirty="0"/>
+              <a:t>performance </a:t>
+            </a:r>
+            <a:r>
+              <a:rPr lang="en-US" dirty="0" smtClean="0"/>
+              <a:t>with respect to place </a:t>
+            </a:r>
+            <a:r>
+              <a:rPr lang="en-US" dirty="0"/>
+              <a:t>of birth and </a:t>
+            </a:r>
+            <a:r>
+              <a:rPr lang="en-US" dirty="0" smtClean="0"/>
+              <a:t>nationality. </a:t>
+            </a:r>
+            <a:r>
+              <a:rPr lang="en-US" dirty="0"/>
+              <a:t>The findings between </a:t>
+            </a:r>
+            <a:r>
+              <a:rPr lang="en-US" dirty="0" smtClean="0"/>
+              <a:t>place </a:t>
+            </a:r>
+            <a:r>
+              <a:rPr lang="en-US" dirty="0"/>
+              <a:t>of birth and nationality are very similar. </a:t>
+            </a:r>
+            <a:r>
+              <a:rPr lang="en-US" dirty="0" smtClean="0"/>
+              <a:t>This justify using only </a:t>
+            </a:r>
+            <a:r>
+              <a:rPr lang="en-US" dirty="0"/>
+              <a:t>nationality </a:t>
+            </a:r>
+            <a:r>
+              <a:rPr lang="en-US" dirty="0" smtClean="0"/>
+              <a:t>in place of </a:t>
+            </a:r>
+            <a:r>
+              <a:rPr lang="en-US" dirty="0"/>
+              <a:t>both for the next steps.</a:t>
             </a:r>
             <a:endParaRPr lang="en-GB" dirty="0"/>
           </a:p>
@@ -6157,7 +6249,23 @@
             </a:pPr>
             <a:r>
               <a:rPr lang="en-US" dirty="0"/>
-              <a:t> 3. Middle school has the most students. Lower-level has higher rate of above 7 days of student absence. Lower-level has the highest rate of low class students. Highschool has the highest rate of high class students. Middle school has the highest rate of medium class students.</a:t>
+              <a:t> 3. Middle school has the most students. Lower-level has higher rate of above 7 days of student absence. Lower-level has the highest rate of low class </a:t>
+            </a:r>
+            <a:r>
+              <a:rPr lang="en-US" dirty="0" smtClean="0"/>
+              <a:t>students (low achievers). </a:t>
+            </a:r>
+            <a:r>
+              <a:rPr lang="en-US" dirty="0"/>
+              <a:t>Highschool has the highest rate of high class </a:t>
+            </a:r>
+            <a:r>
+              <a:rPr lang="en-US" dirty="0" smtClean="0"/>
+              <a:t>students (high achievers). </a:t>
+            </a:r>
+            <a:r>
+              <a:rPr lang="en-US" dirty="0"/>
+              <a:t>Middle school has the highest rate of medium class students.</a:t>
             </a:r>
             <a:endParaRPr lang="en-GB" dirty="0"/>
           </a:p>
@@ -6167,7 +6275,15 @@
             </a:pPr>
             <a:r>
               <a:rPr lang="en-US" dirty="0"/>
-              <a:t> 4. Biology has the highest ratio of high class students. It has the highest ratio of low class students. Geology has the highest ratio of medium class students.</a:t>
+              <a:t> 4. Biology has the highest ratio of high class </a:t>
+            </a:r>
+            <a:r>
+              <a:rPr lang="en-US" dirty="0" smtClean="0"/>
+              <a:t>students, but also the </a:t>
+            </a:r>
+            <a:r>
+              <a:rPr lang="en-US" dirty="0"/>
+              <a:t>highest ratio of low class students. Geology has the highest ratio of medium class students.</a:t>
             </a:r>
             <a:endParaRPr lang="en-GB" dirty="0"/>
           </a:p>
@@ -6177,7 +6293,19 @@
             </a:pPr>
             <a:r>
               <a:rPr lang="en-US" dirty="0"/>
-              <a:t> 5. The students who have moms as guardians have higher chances to get high class marks. Students whose parents answer the survey are the ones getting good marks. Student getting absent are the ones getting low marks.</a:t>
+              <a:t> 5. The students who have moms as guardians have higher chances to get high class marks. Students whose parents answer the survey are the ones getting good marks. Student </a:t>
+            </a:r>
+            <a:r>
+              <a:rPr lang="en-US" dirty="0" smtClean="0"/>
+              <a:t>that have more absences </a:t>
+            </a:r>
+            <a:r>
+              <a:rPr lang="en-US" dirty="0" smtClean="0"/>
+              <a:t>are those getting </a:t>
+            </a:r>
+            <a:r>
+              <a:rPr lang="en-US" dirty="0"/>
+              <a:t>low marks.</a:t>
             </a:r>
             <a:endParaRPr lang="en-GB" dirty="0"/>
           </a:p>
@@ -6187,7 +6315,55 @@
             </a:pPr>
             <a:r>
               <a:rPr lang="en-US" dirty="0"/>
-              <a:t> 6. Most of the students with high class have many times of raised hands, visited resource, viewed announcements and discussion, most of the students with low class raised hands, visited resource, viewed announcements and discussed few times. </a:t>
+              <a:t> 6. </a:t>
+            </a:r>
+            <a:r>
+              <a:rPr lang="en-US" dirty="0" smtClean="0"/>
+              <a:t>High achiever</a:t>
+            </a:r>
+            <a:r>
+              <a:rPr lang="en-US" dirty="0" smtClean="0"/>
+              <a:t> </a:t>
+            </a:r>
+            <a:r>
+              <a:rPr lang="en-US" dirty="0"/>
+              <a:t>students </a:t>
+            </a:r>
+            <a:r>
+              <a:rPr lang="en-US" dirty="0" smtClean="0"/>
+              <a:t>are more likely to raise </a:t>
+            </a:r>
+            <a:r>
+              <a:rPr lang="en-US" dirty="0"/>
+              <a:t>hands, </a:t>
+            </a:r>
+            <a:r>
+              <a:rPr lang="en-US" dirty="0" smtClean="0"/>
+              <a:t>visit resources, view </a:t>
+            </a:r>
+            <a:r>
+              <a:rPr lang="en-US" dirty="0"/>
+              <a:t>announcements and </a:t>
+            </a:r>
+            <a:r>
+              <a:rPr lang="en-US" dirty="0" smtClean="0"/>
+              <a:t>participate in discussions. Low achiever students raised </a:t>
+            </a:r>
+            <a:r>
+              <a:rPr lang="en-US" dirty="0"/>
+              <a:t>hands, visited resource, viewed announcements and </a:t>
+            </a:r>
+            <a:r>
+              <a:rPr lang="en-US" dirty="0" smtClean="0"/>
+              <a:t>participated in </a:t>
+            </a:r>
+            <a:r>
+              <a:rPr lang="en-US" dirty="0" smtClean="0"/>
+              <a:t>discussions </a:t>
+            </a:r>
+            <a:r>
+              <a:rPr lang="en-US" dirty="0"/>
+              <a:t>few times. </a:t>
             </a:r>
             <a:endParaRPr lang="en-GB" dirty="0"/>
           </a:p>
@@ -6228,7 +6404,7 @@
           <p:cNvPr id="3" name="Content Placeholder 2">
             <a:extLst>
               <a:ext uri="{FF2B5EF4-FFF2-40B4-BE49-F238E27FC236}">
-                <a16:creationId xmlns:a16="http://schemas.microsoft.com/office/drawing/2014/main" xmlns="" id="{F557CE22-70BF-43E4-9443-7EBA5BE77EE0}"/>
+                <a16:creationId xmlns="" xmlns:a16="http://schemas.microsoft.com/office/drawing/2014/main" id="{F557CE22-70BF-43E4-9443-7EBA5BE77EE0}"/>
               </a:ext>
             </a:extLst>
           </p:cNvPr>
@@ -6256,7 +6432,15 @@
             </a:pPr>
             <a:r>
               <a:rPr lang="en-US" b="1" dirty="0"/>
-              <a:t>Main findings of Task 2:</a:t>
+              <a:t>Main findings </a:t>
+            </a:r>
+            <a:r>
+              <a:rPr lang="en-US" b="1" dirty="0" smtClean="0"/>
+              <a:t>from Task </a:t>
+            </a:r>
+            <a:r>
+              <a:rPr lang="en-US" b="1" dirty="0"/>
+              <a:t>2:</a:t>
             </a:r>
           </a:p>
           <a:p>
@@ -6265,7 +6449,23 @@
             </a:pPr>
             <a:r>
               <a:rPr lang="en-US" dirty="0"/>
-              <a:t>1. It further confirmed our findings in the previous step: Students who have the higher class raised hands, visited resource, viewed announcements and discussed more times. </a:t>
+              <a:t>1. </a:t>
+            </a:r>
+            <a:r>
+              <a:rPr lang="en-US" dirty="0" smtClean="0"/>
+              <a:t>The analysis further </a:t>
+            </a:r>
+            <a:r>
+              <a:rPr lang="en-US" dirty="0"/>
+              <a:t>confirmed our findings in the previous step: </a:t>
+            </a:r>
+            <a:r>
+              <a:rPr lang="en-US" dirty="0" smtClean="0"/>
+              <a:t>High achiever students raised </a:t>
+            </a:r>
+            <a:r>
+              <a:rPr lang="en-US" dirty="0"/>
+              <a:t>hands, visited resource, viewed announcements and discussed more times. </a:t>
             </a:r>
             <a:endParaRPr lang="en-GB" dirty="0"/>
           </a:p>
@@ -6275,7 +6475,15 @@
             </a:pPr>
             <a:r>
               <a:rPr lang="en-US" dirty="0"/>
-              <a:t>2. Girls have more hand raises and visit more resources.  </a:t>
+              <a:t>2. Girls have more hand </a:t>
+            </a:r>
+            <a:r>
+              <a:rPr lang="en-US" dirty="0" smtClean="0"/>
+              <a:t>raised </a:t>
+            </a:r>
+            <a:r>
+              <a:rPr lang="en-US" dirty="0"/>
+              <a:t>and visit more resources.  </a:t>
             </a:r>
             <a:endParaRPr lang="en-GB" dirty="0"/>
           </a:p>
@@ -6285,7 +6493,15 @@
             </a:pPr>
             <a:r>
               <a:rPr lang="en-US" dirty="0"/>
-              <a:t>3. More raised hands, visited resources and announcements view in middle schools. More discussions in high schools.</a:t>
+              <a:t>3. </a:t>
+            </a:r>
+            <a:r>
+              <a:rPr lang="en-US" dirty="0" smtClean="0"/>
+              <a:t>There are more </a:t>
+            </a:r>
+            <a:r>
+              <a:rPr lang="en-US" dirty="0"/>
+              <a:t>raised hands, visited resources and announcements view in middle schools. More discussions in high schools.</a:t>
             </a:r>
             <a:endParaRPr lang="en-GB" dirty="0"/>
           </a:p>
@@ -6295,7 +6511,31 @@
             </a:pPr>
             <a:r>
               <a:rPr lang="en-US" dirty="0"/>
-              <a:t>4. IT has very few hand raises interestingly although most students study there.</a:t>
+              <a:t>4. </a:t>
+            </a:r>
+            <a:r>
+              <a:rPr lang="en-US" dirty="0"/>
+              <a:t>I</a:t>
+            </a:r>
+            <a:r>
+              <a:rPr lang="en-US" dirty="0" smtClean="0"/>
+              <a:t>nterestingly, IT subjects </a:t>
+            </a:r>
+            <a:r>
+              <a:rPr lang="en-US" dirty="0" smtClean="0"/>
+              <a:t>have </a:t>
+            </a:r>
+            <a:r>
+              <a:rPr lang="en-US" dirty="0"/>
+              <a:t>very few hand raises </a:t>
+            </a:r>
+            <a:r>
+              <a:rPr lang="en-US" dirty="0" smtClean="0"/>
+              <a:t>although </a:t>
+            </a:r>
+            <a:r>
+              <a:rPr lang="en-US" dirty="0"/>
+              <a:t>most students study there.</a:t>
             </a:r>
             <a:endParaRPr lang="en-GB" dirty="0"/>
           </a:p>
@@ -6305,7 +6545,15 @@
             </a:pPr>
             <a:r>
               <a:rPr lang="en-US" dirty="0"/>
-              <a:t>5. Students with Guardians mother,  have more hand raises, visited resources and announcements view.</a:t>
+              <a:t>5. Students with </a:t>
+            </a:r>
+            <a:r>
+              <a:rPr lang="en-US" dirty="0" smtClean="0"/>
+              <a:t>guardians mothers  </a:t>
+            </a:r>
+            <a:r>
+              <a:rPr lang="en-US" dirty="0"/>
+              <a:t>have more hand raises, visited resources and announcements view.</a:t>
             </a:r>
             <a:endParaRPr lang="en-GB" dirty="0"/>
           </a:p>
@@ -6315,7 +6563,31 @@
             </a:pPr>
             <a:r>
               <a:rPr lang="en-US" dirty="0"/>
-              <a:t>6. Students whose parent answering survey and parents with good satisfaction have more hand raises, visited resources, announcements view and discussion.</a:t>
+              <a:t>6. Students whose </a:t>
+            </a:r>
+            <a:r>
+              <a:rPr lang="en-US" dirty="0" smtClean="0"/>
+              <a:t>parents answered </a:t>
+            </a:r>
+            <a:r>
+              <a:rPr lang="en-US" dirty="0"/>
+              <a:t>survey and </a:t>
+            </a:r>
+            <a:r>
+              <a:rPr lang="en-US" dirty="0" smtClean="0"/>
+              <a:t>had good satisfaction, </a:t>
+            </a:r>
+            <a:r>
+              <a:rPr lang="en-US" dirty="0"/>
+              <a:t>have more hand </a:t>
+            </a:r>
+            <a:r>
+              <a:rPr lang="en-US" dirty="0" smtClean="0"/>
+              <a:t>raised, </a:t>
+            </a:r>
+            <a:r>
+              <a:rPr lang="en-US" dirty="0"/>
+              <a:t>visited resources, announcements view and discussion.</a:t>
             </a:r>
           </a:p>
           <a:p>
@@ -6324,7 +6596,19 @@
             </a:pPr>
             <a:r>
               <a:rPr lang="en-US" dirty="0"/>
-              <a:t>7. Students have the more leaves the less raised hands, visited resources, announcements and discussion.</a:t>
+              <a:t>7. Students </a:t>
+            </a:r>
+            <a:r>
+              <a:rPr lang="en-US" dirty="0" smtClean="0"/>
+              <a:t>with </a:t>
+            </a:r>
+            <a:r>
+              <a:rPr lang="en-US" dirty="0" smtClean="0"/>
+              <a:t>more absences have the least raised </a:t>
+            </a:r>
+            <a:r>
+              <a:rPr lang="en-US" dirty="0"/>
+              <a:t>hands, visited resources, announcements and discussion.</a:t>
             </a:r>
             <a:endParaRPr lang="en-GB" dirty="0"/>
           </a:p>
@@ -6377,7 +6661,7 @@
           <p:cNvPr id="2" name="Title 1">
             <a:extLst>
               <a:ext uri="{FF2B5EF4-FFF2-40B4-BE49-F238E27FC236}">
-                <a16:creationId xmlns:a16="http://schemas.microsoft.com/office/drawing/2014/main" xmlns="" id="{50B5B8B7-7057-41AB-9E25-120640CC932B}"/>
+                <a16:creationId xmlns="" xmlns:a16="http://schemas.microsoft.com/office/drawing/2014/main" id="{50B5B8B7-7057-41AB-9E25-120640CC932B}"/>
               </a:ext>
             </a:extLst>
           </p:cNvPr>
@@ -6410,7 +6694,7 @@
           <p:cNvPr id="4" name="Content Placeholder 3">
             <a:extLst>
               <a:ext uri="{FF2B5EF4-FFF2-40B4-BE49-F238E27FC236}">
-                <a16:creationId xmlns:a16="http://schemas.microsoft.com/office/drawing/2014/main" xmlns="" id="{CB6D102C-BBBB-4478-94AD-C8FCA1B5282B}"/>
+                <a16:creationId xmlns="" xmlns:a16="http://schemas.microsoft.com/office/drawing/2014/main" id="{CB6D102C-BBBB-4478-94AD-C8FCA1B5282B}"/>
               </a:ext>
             </a:extLst>
           </p:cNvPr>
@@ -6472,7 +6756,7 @@
           <p:cNvPr id="2" name="Title 1">
             <a:extLst>
               <a:ext uri="{FF2B5EF4-FFF2-40B4-BE49-F238E27FC236}">
-                <a16:creationId xmlns:a16="http://schemas.microsoft.com/office/drawing/2014/main" xmlns="" id="{50B5B8B7-7057-41AB-9E25-120640CC932B}"/>
+                <a16:creationId xmlns="" xmlns:a16="http://schemas.microsoft.com/office/drawing/2014/main" id="{50B5B8B7-7057-41AB-9E25-120640CC932B}"/>
               </a:ext>
             </a:extLst>
           </p:cNvPr>
@@ -6505,7 +6789,7 @@
           <p:cNvPr id="4" name="Content Placeholder 3">
             <a:extLst>
               <a:ext uri="{FF2B5EF4-FFF2-40B4-BE49-F238E27FC236}">
-                <a16:creationId xmlns:a16="http://schemas.microsoft.com/office/drawing/2014/main" xmlns="" id="{CB6D102C-BBBB-4478-94AD-C8FCA1B5282B}"/>
+                <a16:creationId xmlns="" xmlns:a16="http://schemas.microsoft.com/office/drawing/2014/main" id="{CB6D102C-BBBB-4478-94AD-C8FCA1B5282B}"/>
               </a:ext>
             </a:extLst>
           </p:cNvPr>
@@ -6537,7 +6821,7 @@
           <p:cNvPr id="3" name="Rectangle 2">
             <a:extLst>
               <a:ext uri="{FF2B5EF4-FFF2-40B4-BE49-F238E27FC236}">
-                <a16:creationId xmlns:a16="http://schemas.microsoft.com/office/drawing/2014/main" xmlns="" id="{ADDBAF80-4449-4849-BBA1-06AC62849F4F}"/>
+                <a16:creationId xmlns="" xmlns:a16="http://schemas.microsoft.com/office/drawing/2014/main" id="{ADDBAF80-4449-4849-BBA1-06AC62849F4F}"/>
               </a:ext>
             </a:extLst>
           </p:cNvPr>
@@ -6589,7 +6873,7 @@
           <p:cNvPr id="5" name="Rectangle 4">
             <a:extLst>
               <a:ext uri="{FF2B5EF4-FFF2-40B4-BE49-F238E27FC236}">
-                <a16:creationId xmlns:a16="http://schemas.microsoft.com/office/drawing/2014/main" xmlns="" id="{07C4305F-53F9-47E1-A386-2184931D5C02}"/>
+                <a16:creationId xmlns="" xmlns:a16="http://schemas.microsoft.com/office/drawing/2014/main" id="{07C4305F-53F9-47E1-A386-2184931D5C02}"/>
               </a:ext>
             </a:extLst>
           </p:cNvPr>
@@ -6641,7 +6925,7 @@
           <p:cNvPr id="6" name="Title 1">
             <a:extLst>
               <a:ext uri="{FF2B5EF4-FFF2-40B4-BE49-F238E27FC236}">
-                <a16:creationId xmlns:a16="http://schemas.microsoft.com/office/drawing/2014/main" xmlns="" id="{F765D20E-1B20-44D2-9192-26CEC622E0FA}"/>
+                <a16:creationId xmlns="" xmlns:a16="http://schemas.microsoft.com/office/drawing/2014/main" id="{F765D20E-1B20-44D2-9192-26CEC622E0FA}"/>
               </a:ext>
             </a:extLst>
           </p:cNvPr>
@@ -6723,7 +7007,7 @@
           <p:cNvPr id="7" name="Rectangle 6">
             <a:extLst>
               <a:ext uri="{FF2B5EF4-FFF2-40B4-BE49-F238E27FC236}">
-                <a16:creationId xmlns:a16="http://schemas.microsoft.com/office/drawing/2014/main" xmlns="" id="{D463EF64-9FA2-40CF-A012-97C79A4C3921}"/>
+                <a16:creationId xmlns="" xmlns:a16="http://schemas.microsoft.com/office/drawing/2014/main" id="{D463EF64-9FA2-40CF-A012-97C79A4C3921}"/>
               </a:ext>
             </a:extLst>
           </p:cNvPr>
@@ -6895,14 +7179,14 @@
                 <a:gridCol w="3693626">
                   <a:extLst>
                     <a:ext uri="{9D8B030D-6E8A-4147-A177-3AD203B41FA5}">
-                      <a16:colId xmlns:a16="http://schemas.microsoft.com/office/drawing/2014/main" xmlns="" val="1698767686"/>
+                      <a16:colId xmlns="" xmlns:a16="http://schemas.microsoft.com/office/drawing/2014/main" val="1698767686"/>
                     </a:ext>
                   </a:extLst>
                 </a:gridCol>
                 <a:gridCol w="6854968">
                   <a:extLst>
                     <a:ext uri="{9D8B030D-6E8A-4147-A177-3AD203B41FA5}">
-                      <a16:colId xmlns:a16="http://schemas.microsoft.com/office/drawing/2014/main" xmlns="" val="3739461072"/>
+                      <a16:colId xmlns="" xmlns:a16="http://schemas.microsoft.com/office/drawing/2014/main" val="3739461072"/>
                     </a:ext>
                   </a:extLst>
                 </a:gridCol>
@@ -6938,7 +7222,7 @@
                 </a:tc>
                 <a:extLst>
                   <a:ext uri="{0D108BD9-81ED-4DB2-BD59-A6C34878D82A}">
-                    <a16:rowId xmlns:a16="http://schemas.microsoft.com/office/drawing/2014/main" xmlns="" val="1585607559"/>
+                    <a16:rowId xmlns="" xmlns:a16="http://schemas.microsoft.com/office/drawing/2014/main" val="1585607559"/>
                   </a:ext>
                 </a:extLst>
               </a:tr>
@@ -6980,7 +7264,7 @@
                 </a:tc>
                 <a:extLst>
                   <a:ext uri="{0D108BD9-81ED-4DB2-BD59-A6C34878D82A}">
-                    <a16:rowId xmlns:a16="http://schemas.microsoft.com/office/drawing/2014/main" xmlns="" val="655889649"/>
+                    <a16:rowId xmlns="" xmlns:a16="http://schemas.microsoft.com/office/drawing/2014/main" val="655889649"/>
                   </a:ext>
                 </a:extLst>
               </a:tr>
@@ -7036,7 +7320,7 @@
                 </a:tc>
                 <a:extLst>
                   <a:ext uri="{0D108BD9-81ED-4DB2-BD59-A6C34878D82A}">
-                    <a16:rowId xmlns:a16="http://schemas.microsoft.com/office/drawing/2014/main" xmlns="" val="308279976"/>
+                    <a16:rowId xmlns="" xmlns:a16="http://schemas.microsoft.com/office/drawing/2014/main" val="308279976"/>
                   </a:ext>
                 </a:extLst>
               </a:tr>
@@ -7089,7 +7373,7 @@
                 </a:tc>
                 <a:extLst>
                   <a:ext uri="{0D108BD9-81ED-4DB2-BD59-A6C34878D82A}">
-                    <a16:rowId xmlns:a16="http://schemas.microsoft.com/office/drawing/2014/main" xmlns="" val="855150034"/>
+                    <a16:rowId xmlns="" xmlns:a16="http://schemas.microsoft.com/office/drawing/2014/main" val="855150034"/>
                   </a:ext>
                 </a:extLst>
               </a:tr>
@@ -7127,47 +7411,12 @@
           <a:chExt cx="0" cy="0"/>
         </a:xfrm>
       </p:grpSpPr>
-      <p:sp>
-        <p:nvSpPr>
-          <p:cNvPr id="2" name="Title 1">
-            <a:extLst>
-              <a:ext uri="{FF2B5EF4-FFF2-40B4-BE49-F238E27FC236}">
-                <a16:creationId xmlns:a16="http://schemas.microsoft.com/office/drawing/2014/main" xmlns="" id="{881F4BFC-93A9-4998-ABA3-F2477064AEE6}"/>
-              </a:ext>
-            </a:extLst>
-          </p:cNvPr>
-          <p:cNvSpPr>
-            <a:spLocks noGrp="1"/>
-          </p:cNvSpPr>
-          <p:nvPr>
-            <p:ph type="title"/>
-          </p:nvPr>
-        </p:nvSpPr>
-        <p:spPr>
-          <a:xfrm>
-            <a:off x="626745" y="1046376"/>
-            <a:ext cx="10982960" cy="601663"/>
-          </a:xfrm>
-        </p:spPr>
-        <p:txBody>
-          <a:bodyPr>
-            <a:normAutofit fontScale="90000"/>
-          </a:bodyPr>
-          <a:lstStyle/>
-          <a:p>
-            <a:r>
-              <a:rPr lang="en-GB" dirty="0"/>
-              <a:t>Decision tree           Random forest                SVM</a:t>
-            </a:r>
-          </a:p>
-        </p:txBody>
-      </p:sp>
       <p:pic>
         <p:nvPicPr>
           <p:cNvPr id="4" name="Content Placeholder 3">
             <a:extLst>
               <a:ext uri="{FF2B5EF4-FFF2-40B4-BE49-F238E27FC236}">
-                <a16:creationId xmlns:a16="http://schemas.microsoft.com/office/drawing/2014/main" xmlns="" id="{B2A8F714-557D-4348-9CD0-8AB1C8407F45}"/>
+                <a16:creationId xmlns="" xmlns:a16="http://schemas.microsoft.com/office/drawing/2014/main" id="{B2A8F714-557D-4348-9CD0-8AB1C8407F45}"/>
               </a:ext>
             </a:extLst>
           </p:cNvPr>
@@ -7199,7 +7448,7 @@
           <p:cNvPr id="5" name="Title 1">
             <a:extLst>
               <a:ext uri="{FF2B5EF4-FFF2-40B4-BE49-F238E27FC236}">
-                <a16:creationId xmlns:a16="http://schemas.microsoft.com/office/drawing/2014/main" xmlns="" id="{ADBAD747-B5C6-46BB-B3B8-8B8AF3AB97FB}"/>
+                <a16:creationId xmlns="" xmlns:a16="http://schemas.microsoft.com/office/drawing/2014/main" id="{ADBAD747-B5C6-46BB-B3B8-8B8AF3AB97FB}"/>
               </a:ext>
             </a:extLst>
           </p:cNvPr>
@@ -7253,7 +7502,7 @@
           <p:cNvPr id="6" name="Picture 5">
             <a:extLst>
               <a:ext uri="{FF2B5EF4-FFF2-40B4-BE49-F238E27FC236}">
-                <a16:creationId xmlns:a16="http://schemas.microsoft.com/office/drawing/2014/main" xmlns="" id="{6B512ED6-BAD2-4382-AFED-9E47AFCF4F28}"/>
+                <a16:creationId xmlns="" xmlns:a16="http://schemas.microsoft.com/office/drawing/2014/main" id="{6B512ED6-BAD2-4382-AFED-9E47AFCF4F28}"/>
               </a:ext>
             </a:extLst>
           </p:cNvPr>
@@ -7283,7 +7532,7 @@
           <p:cNvPr id="7" name="Picture 6">
             <a:extLst>
               <a:ext uri="{FF2B5EF4-FFF2-40B4-BE49-F238E27FC236}">
-                <a16:creationId xmlns:a16="http://schemas.microsoft.com/office/drawing/2014/main" xmlns="" id="{0FC6D615-10B9-47C3-ACBB-876C9D5F7834}"/>
+                <a16:creationId xmlns="" xmlns:a16="http://schemas.microsoft.com/office/drawing/2014/main" id="{0FC6D615-10B9-47C3-ACBB-876C9D5F7834}"/>
               </a:ext>
             </a:extLst>
           </p:cNvPr>
@@ -7313,7 +7562,7 @@
           <p:cNvPr id="8" name="Content Placeholder 3">
             <a:extLst>
               <a:ext uri="{FF2B5EF4-FFF2-40B4-BE49-F238E27FC236}">
-                <a16:creationId xmlns:a16="http://schemas.microsoft.com/office/drawing/2014/main" xmlns="" id="{3B13F995-875D-4D2D-A5C5-DD92CA01265D}"/>
+                <a16:creationId xmlns="" xmlns:a16="http://schemas.microsoft.com/office/drawing/2014/main" id="{3B13F995-875D-4D2D-A5C5-DD92CA01265D}"/>
               </a:ext>
             </a:extLst>
           </p:cNvPr>
@@ -7343,7 +7592,7 @@
           <p:cNvPr id="9" name="Picture 8">
             <a:extLst>
               <a:ext uri="{FF2B5EF4-FFF2-40B4-BE49-F238E27FC236}">
-                <a16:creationId xmlns:a16="http://schemas.microsoft.com/office/drawing/2014/main" xmlns="" id="{02189670-977E-41F1-93B1-F5D823AA5D61}"/>
+                <a16:creationId xmlns="" xmlns:a16="http://schemas.microsoft.com/office/drawing/2014/main" id="{02189670-977E-41F1-93B1-F5D823AA5D61}"/>
               </a:ext>
             </a:extLst>
           </p:cNvPr>
@@ -7373,7 +7622,7 @@
           <p:cNvPr id="11" name="Picture 10">
             <a:extLst>
               <a:ext uri="{FF2B5EF4-FFF2-40B4-BE49-F238E27FC236}">
-                <a16:creationId xmlns:a16="http://schemas.microsoft.com/office/drawing/2014/main" xmlns="" id="{1B301697-0061-4023-A588-790715D20A36}"/>
+                <a16:creationId xmlns="" xmlns:a16="http://schemas.microsoft.com/office/drawing/2014/main" id="{1B301697-0061-4023-A588-790715D20A36}"/>
               </a:ext>
             </a:extLst>
           </p:cNvPr>
@@ -7398,6 +7647,41 @@
           </a:prstGeom>
         </p:spPr>
       </p:pic>
+      <p:sp>
+        <p:nvSpPr>
+          <p:cNvPr id="2" name="Title 1">
+            <a:extLst>
+              <a:ext uri="{FF2B5EF4-FFF2-40B4-BE49-F238E27FC236}">
+                <a16:creationId xmlns="" xmlns:a16="http://schemas.microsoft.com/office/drawing/2014/main" id="{881F4BFC-93A9-4998-ABA3-F2477064AEE6}"/>
+              </a:ext>
+            </a:extLst>
+          </p:cNvPr>
+          <p:cNvSpPr>
+            <a:spLocks noGrp="1"/>
+          </p:cNvSpPr>
+          <p:nvPr>
+            <p:ph type="title"/>
+          </p:nvPr>
+        </p:nvSpPr>
+        <p:spPr>
+          <a:xfrm>
+            <a:off x="626745" y="1046376"/>
+            <a:ext cx="10982960" cy="601663"/>
+          </a:xfrm>
+        </p:spPr>
+        <p:txBody>
+          <a:bodyPr>
+            <a:normAutofit fontScale="90000"/>
+          </a:bodyPr>
+          <a:lstStyle/>
+          <a:p>
+            <a:r>
+              <a:rPr lang="en-GB" dirty="0"/>
+              <a:t>Decision tree           Random forest                SVM</a:t>
+            </a:r>
+          </a:p>
+        </p:txBody>
+      </p:sp>
     </p:spTree>
     <p:extLst>
       <p:ext uri="{BB962C8B-B14F-4D97-AF65-F5344CB8AC3E}">
@@ -7408,6 +7692,13 @@
   <p:clrMapOvr>
     <a:masterClrMapping/>
   </p:clrMapOvr>
+  <p:timing>
+    <p:tnLst>
+      <p:par>
+        <p:cTn id="1" dur="indefinite" restart="never" nodeType="tmRoot"/>
+      </p:par>
+    </p:tnLst>
+  </p:timing>
 </p:sld>
 </file>
 
@@ -7433,7 +7724,7 @@
           <p:cNvPr id="2" name="Title 1">
             <a:extLst>
               <a:ext uri="{FF2B5EF4-FFF2-40B4-BE49-F238E27FC236}">
-                <a16:creationId xmlns:a16="http://schemas.microsoft.com/office/drawing/2014/main" xmlns="" id="{881F4BFC-93A9-4998-ABA3-F2477064AEE6}"/>
+                <a16:creationId xmlns="" xmlns:a16="http://schemas.microsoft.com/office/drawing/2014/main" id="{881F4BFC-93A9-4998-ABA3-F2477064AEE6}"/>
               </a:ext>
             </a:extLst>
           </p:cNvPr>
@@ -7468,7 +7759,7 @@
           <p:cNvPr id="4" name="Content Placeholder 3">
             <a:extLst>
               <a:ext uri="{FF2B5EF4-FFF2-40B4-BE49-F238E27FC236}">
-                <a16:creationId xmlns:a16="http://schemas.microsoft.com/office/drawing/2014/main" xmlns="" id="{B2A8F714-557D-4348-9CD0-8AB1C8407F45}"/>
+                <a16:creationId xmlns="" xmlns:a16="http://schemas.microsoft.com/office/drawing/2014/main" id="{B2A8F714-557D-4348-9CD0-8AB1C8407F45}"/>
               </a:ext>
             </a:extLst>
           </p:cNvPr>
@@ -7500,7 +7791,7 @@
           <p:cNvPr id="5" name="Title 1">
             <a:extLst>
               <a:ext uri="{FF2B5EF4-FFF2-40B4-BE49-F238E27FC236}">
-                <a16:creationId xmlns:a16="http://schemas.microsoft.com/office/drawing/2014/main" xmlns="" id="{ADBAD747-B5C6-46BB-B3B8-8B8AF3AB97FB}"/>
+                <a16:creationId xmlns="" xmlns:a16="http://schemas.microsoft.com/office/drawing/2014/main" id="{ADBAD747-B5C6-46BB-B3B8-8B8AF3AB97FB}"/>
               </a:ext>
             </a:extLst>
           </p:cNvPr>
@@ -7554,7 +7845,7 @@
           <p:cNvPr id="6" name="Picture 5">
             <a:extLst>
               <a:ext uri="{FF2B5EF4-FFF2-40B4-BE49-F238E27FC236}">
-                <a16:creationId xmlns:a16="http://schemas.microsoft.com/office/drawing/2014/main" xmlns="" id="{6B512ED6-BAD2-4382-AFED-9E47AFCF4F28}"/>
+                <a16:creationId xmlns="" xmlns:a16="http://schemas.microsoft.com/office/drawing/2014/main" id="{6B512ED6-BAD2-4382-AFED-9E47AFCF4F28}"/>
               </a:ext>
             </a:extLst>
           </p:cNvPr>
@@ -7584,7 +7875,7 @@
           <p:cNvPr id="7" name="Picture 6">
             <a:extLst>
               <a:ext uri="{FF2B5EF4-FFF2-40B4-BE49-F238E27FC236}">
-                <a16:creationId xmlns:a16="http://schemas.microsoft.com/office/drawing/2014/main" xmlns="" id="{0FC6D615-10B9-47C3-ACBB-876C9D5F7834}"/>
+                <a16:creationId xmlns="" xmlns:a16="http://schemas.microsoft.com/office/drawing/2014/main" id="{0FC6D615-10B9-47C3-ACBB-876C9D5F7834}"/>
               </a:ext>
             </a:extLst>
           </p:cNvPr>
@@ -7614,7 +7905,7 @@
           <p:cNvPr id="10" name="Title 1">
             <a:extLst>
               <a:ext uri="{FF2B5EF4-FFF2-40B4-BE49-F238E27FC236}">
-                <a16:creationId xmlns:a16="http://schemas.microsoft.com/office/drawing/2014/main" xmlns="" id="{55A94D4B-42B8-4D53-AC51-763CBA420BA5}"/>
+                <a16:creationId xmlns="" xmlns:a16="http://schemas.microsoft.com/office/drawing/2014/main" id="{55A94D4B-42B8-4D53-AC51-763CBA420BA5}"/>
               </a:ext>
             </a:extLst>
           </p:cNvPr>
@@ -7665,7 +7956,7 @@
           <p:cNvPr id="3" name="Picture 2">
             <a:extLst>
               <a:ext uri="{FF2B5EF4-FFF2-40B4-BE49-F238E27FC236}">
-                <a16:creationId xmlns:a16="http://schemas.microsoft.com/office/drawing/2014/main" xmlns="" id="{C929FE3B-73AD-43F4-B8CD-1654A81DDF47}"/>
+                <a16:creationId xmlns="" xmlns:a16="http://schemas.microsoft.com/office/drawing/2014/main" id="{C929FE3B-73AD-43F4-B8CD-1654A81DDF47}"/>
               </a:ext>
             </a:extLst>
           </p:cNvPr>
@@ -7695,7 +7986,7 @@
           <p:cNvPr id="12" name="Picture 11">
             <a:extLst>
               <a:ext uri="{FF2B5EF4-FFF2-40B4-BE49-F238E27FC236}">
-                <a16:creationId xmlns:a16="http://schemas.microsoft.com/office/drawing/2014/main" xmlns="" id="{42AD9D06-EB30-4313-9F6F-42617BAB28EF}"/>
+                <a16:creationId xmlns="" xmlns:a16="http://schemas.microsoft.com/office/drawing/2014/main" id="{42AD9D06-EB30-4313-9F6F-42617BAB28EF}"/>
               </a:ext>
             </a:extLst>
           </p:cNvPr>
@@ -7725,7 +8016,7 @@
           <p:cNvPr id="13" name="Picture 12">
             <a:extLst>
               <a:ext uri="{FF2B5EF4-FFF2-40B4-BE49-F238E27FC236}">
-                <a16:creationId xmlns:a16="http://schemas.microsoft.com/office/drawing/2014/main" xmlns="" id="{C2C8D329-6F9D-4348-B1A7-009652F26B92}"/>
+                <a16:creationId xmlns="" xmlns:a16="http://schemas.microsoft.com/office/drawing/2014/main" id="{C2C8D329-6F9D-4348-B1A7-009652F26B92}"/>
               </a:ext>
             </a:extLst>
           </p:cNvPr>
@@ -7755,7 +8046,7 @@
           <p:cNvPr id="16" name="Content Placeholder 2">
             <a:extLst>
               <a:ext uri="{FF2B5EF4-FFF2-40B4-BE49-F238E27FC236}">
-                <a16:creationId xmlns:a16="http://schemas.microsoft.com/office/drawing/2014/main" xmlns="" id="{51614195-F03E-476E-A4B9-4499F77402ED}"/>
+                <a16:creationId xmlns="" xmlns:a16="http://schemas.microsoft.com/office/drawing/2014/main" id="{51614195-F03E-476E-A4B9-4499F77402ED}"/>
               </a:ext>
             </a:extLst>
           </p:cNvPr>
@@ -7962,7 +8253,7 @@
           <p:cNvPr id="17" name="Content Placeholder 2">
             <a:extLst>
               <a:ext uri="{FF2B5EF4-FFF2-40B4-BE49-F238E27FC236}">
-                <a16:creationId xmlns:a16="http://schemas.microsoft.com/office/drawing/2014/main" xmlns="" id="{ED1634C0-8470-4BAC-AAA9-C1FE07ACD9D1}"/>
+                <a16:creationId xmlns="" xmlns:a16="http://schemas.microsoft.com/office/drawing/2014/main" id="{ED1634C0-8470-4BAC-AAA9-C1FE07ACD9D1}"/>
               </a:ext>
             </a:extLst>
           </p:cNvPr>
@@ -8188,6 +8479,13 @@
   <p:clrMapOvr>
     <a:masterClrMapping/>
   </p:clrMapOvr>
+  <p:timing>
+    <p:tnLst>
+      <p:par>
+        <p:cTn id="1" dur="indefinite" restart="never" nodeType="tmRoot"/>
+      </p:par>
+    </p:tnLst>
+  </p:timing>
 </p:sld>
 </file>
 
@@ -8213,7 +8511,7 @@
           <p:cNvPr id="2" name="Title 1">
             <a:extLst>
               <a:ext uri="{FF2B5EF4-FFF2-40B4-BE49-F238E27FC236}">
-                <a16:creationId xmlns:a16="http://schemas.microsoft.com/office/drawing/2014/main" xmlns="" id="{881F4BFC-93A9-4998-ABA3-F2477064AEE6}"/>
+                <a16:creationId xmlns="" xmlns:a16="http://schemas.microsoft.com/office/drawing/2014/main" id="{881F4BFC-93A9-4998-ABA3-F2477064AEE6}"/>
               </a:ext>
             </a:extLst>
           </p:cNvPr>
@@ -8248,7 +8546,7 @@
           <p:cNvPr id="4" name="Content Placeholder 3">
             <a:extLst>
               <a:ext uri="{FF2B5EF4-FFF2-40B4-BE49-F238E27FC236}">
-                <a16:creationId xmlns:a16="http://schemas.microsoft.com/office/drawing/2014/main" xmlns="" id="{B2A8F714-557D-4348-9CD0-8AB1C8407F45}"/>
+                <a16:creationId xmlns="" xmlns:a16="http://schemas.microsoft.com/office/drawing/2014/main" id="{B2A8F714-557D-4348-9CD0-8AB1C8407F45}"/>
               </a:ext>
             </a:extLst>
           </p:cNvPr>
@@ -8280,7 +8578,7 @@
           <p:cNvPr id="5" name="Title 1">
             <a:extLst>
               <a:ext uri="{FF2B5EF4-FFF2-40B4-BE49-F238E27FC236}">
-                <a16:creationId xmlns:a16="http://schemas.microsoft.com/office/drawing/2014/main" xmlns="" id="{ADBAD747-B5C6-46BB-B3B8-8B8AF3AB97FB}"/>
+                <a16:creationId xmlns="" xmlns:a16="http://schemas.microsoft.com/office/drawing/2014/main" id="{ADBAD747-B5C6-46BB-B3B8-8B8AF3AB97FB}"/>
               </a:ext>
             </a:extLst>
           </p:cNvPr>
@@ -8334,7 +8632,7 @@
           <p:cNvPr id="6" name="Picture 5">
             <a:extLst>
               <a:ext uri="{FF2B5EF4-FFF2-40B4-BE49-F238E27FC236}">
-                <a16:creationId xmlns:a16="http://schemas.microsoft.com/office/drawing/2014/main" xmlns="" id="{6B512ED6-BAD2-4382-AFED-9E47AFCF4F28}"/>
+                <a16:creationId xmlns="" xmlns:a16="http://schemas.microsoft.com/office/drawing/2014/main" id="{6B512ED6-BAD2-4382-AFED-9E47AFCF4F28}"/>
               </a:ext>
             </a:extLst>
           </p:cNvPr>
@@ -8364,7 +8662,7 @@
           <p:cNvPr id="7" name="Picture 6">
             <a:extLst>
               <a:ext uri="{FF2B5EF4-FFF2-40B4-BE49-F238E27FC236}">
-                <a16:creationId xmlns:a16="http://schemas.microsoft.com/office/drawing/2014/main" xmlns="" id="{0FC6D615-10B9-47C3-ACBB-876C9D5F7834}"/>
+                <a16:creationId xmlns="" xmlns:a16="http://schemas.microsoft.com/office/drawing/2014/main" id="{0FC6D615-10B9-47C3-ACBB-876C9D5F7834}"/>
               </a:ext>
             </a:extLst>
           </p:cNvPr>
@@ -8394,7 +8692,7 @@
           <p:cNvPr id="10" name="Title 1">
             <a:extLst>
               <a:ext uri="{FF2B5EF4-FFF2-40B4-BE49-F238E27FC236}">
-                <a16:creationId xmlns:a16="http://schemas.microsoft.com/office/drawing/2014/main" xmlns="" id="{55A94D4B-42B8-4D53-AC51-763CBA420BA5}"/>
+                <a16:creationId xmlns="" xmlns:a16="http://schemas.microsoft.com/office/drawing/2014/main" id="{55A94D4B-42B8-4D53-AC51-763CBA420BA5}"/>
               </a:ext>
             </a:extLst>
           </p:cNvPr>
@@ -8445,7 +8743,7 @@
           <p:cNvPr id="3" name="Picture 2">
             <a:extLst>
               <a:ext uri="{FF2B5EF4-FFF2-40B4-BE49-F238E27FC236}">
-                <a16:creationId xmlns:a16="http://schemas.microsoft.com/office/drawing/2014/main" xmlns="" id="{C929FE3B-73AD-43F4-B8CD-1654A81DDF47}"/>
+                <a16:creationId xmlns="" xmlns:a16="http://schemas.microsoft.com/office/drawing/2014/main" id="{C929FE3B-73AD-43F4-B8CD-1654A81DDF47}"/>
               </a:ext>
             </a:extLst>
           </p:cNvPr>
@@ -8475,7 +8773,7 @@
           <p:cNvPr id="12" name="Picture 11">
             <a:extLst>
               <a:ext uri="{FF2B5EF4-FFF2-40B4-BE49-F238E27FC236}">
-                <a16:creationId xmlns:a16="http://schemas.microsoft.com/office/drawing/2014/main" xmlns="" id="{42AD9D06-EB30-4313-9F6F-42617BAB28EF}"/>
+                <a16:creationId xmlns="" xmlns:a16="http://schemas.microsoft.com/office/drawing/2014/main" id="{42AD9D06-EB30-4313-9F6F-42617BAB28EF}"/>
               </a:ext>
             </a:extLst>
           </p:cNvPr>
@@ -8505,7 +8803,7 @@
           <p:cNvPr id="13" name="Picture 12">
             <a:extLst>
               <a:ext uri="{FF2B5EF4-FFF2-40B4-BE49-F238E27FC236}">
-                <a16:creationId xmlns:a16="http://schemas.microsoft.com/office/drawing/2014/main" xmlns="" id="{C2C8D329-6F9D-4348-B1A7-009652F26B92}"/>
+                <a16:creationId xmlns="" xmlns:a16="http://schemas.microsoft.com/office/drawing/2014/main" id="{C2C8D329-6F9D-4348-B1A7-009652F26B92}"/>
               </a:ext>
             </a:extLst>
           </p:cNvPr>
@@ -8535,7 +8833,7 @@
           <p:cNvPr id="16" name="Content Placeholder 2">
             <a:extLst>
               <a:ext uri="{FF2B5EF4-FFF2-40B4-BE49-F238E27FC236}">
-                <a16:creationId xmlns:a16="http://schemas.microsoft.com/office/drawing/2014/main" xmlns="" id="{51614195-F03E-476E-A4B9-4499F77402ED}"/>
+                <a16:creationId xmlns="" xmlns:a16="http://schemas.microsoft.com/office/drawing/2014/main" id="{51614195-F03E-476E-A4B9-4499F77402ED}"/>
               </a:ext>
             </a:extLst>
           </p:cNvPr>
@@ -8742,7 +9040,7 @@
           <p:cNvPr id="17" name="Content Placeholder 2">
             <a:extLst>
               <a:ext uri="{FF2B5EF4-FFF2-40B4-BE49-F238E27FC236}">
-                <a16:creationId xmlns:a16="http://schemas.microsoft.com/office/drawing/2014/main" xmlns="" id="{ED1634C0-8470-4BAC-AAA9-C1FE07ACD9D1}"/>
+                <a16:creationId xmlns="" xmlns:a16="http://schemas.microsoft.com/office/drawing/2014/main" id="{ED1634C0-8470-4BAC-AAA9-C1FE07ACD9D1}"/>
               </a:ext>
             </a:extLst>
           </p:cNvPr>
@@ -8963,7 +9261,7 @@
           <p:cNvPr id="18" name="Straight Connector 17">
             <a:extLst>
               <a:ext uri="{FF2B5EF4-FFF2-40B4-BE49-F238E27FC236}">
-                <a16:creationId xmlns:a16="http://schemas.microsoft.com/office/drawing/2014/main" xmlns="" id="{8D6B047D-62D2-4CAA-8745-150F5749442F}"/>
+                <a16:creationId xmlns="" xmlns:a16="http://schemas.microsoft.com/office/drawing/2014/main" id="{8D6B047D-62D2-4CAA-8745-150F5749442F}"/>
               </a:ext>
             </a:extLst>
           </p:cNvPr>
@@ -9004,7 +9302,7 @@
           <p:cNvPr id="19" name="Straight Connector 18">
             <a:extLst>
               <a:ext uri="{FF2B5EF4-FFF2-40B4-BE49-F238E27FC236}">
-                <a16:creationId xmlns:a16="http://schemas.microsoft.com/office/drawing/2014/main" xmlns="" id="{235E25EC-1775-4432-871D-C98242593FC5}"/>
+                <a16:creationId xmlns="" xmlns:a16="http://schemas.microsoft.com/office/drawing/2014/main" id="{235E25EC-1775-4432-871D-C98242593FC5}"/>
               </a:ext>
             </a:extLst>
           </p:cNvPr>
@@ -9045,7 +9343,7 @@
           <p:cNvPr id="20" name="Straight Connector 19">
             <a:extLst>
               <a:ext uri="{FF2B5EF4-FFF2-40B4-BE49-F238E27FC236}">
-                <a16:creationId xmlns:a16="http://schemas.microsoft.com/office/drawing/2014/main" xmlns="" id="{66934499-30D6-48A7-B1F7-E2236A6115D5}"/>
+                <a16:creationId xmlns="" xmlns:a16="http://schemas.microsoft.com/office/drawing/2014/main" id="{66934499-30D6-48A7-B1F7-E2236A6115D5}"/>
               </a:ext>
             </a:extLst>
           </p:cNvPr>
@@ -9086,7 +9384,7 @@
           <p:cNvPr id="21" name="Straight Connector 20">
             <a:extLst>
               <a:ext uri="{FF2B5EF4-FFF2-40B4-BE49-F238E27FC236}">
-                <a16:creationId xmlns:a16="http://schemas.microsoft.com/office/drawing/2014/main" xmlns="" id="{F43F6FFC-E9AF-4B60-9179-A908DD2E934C}"/>
+                <a16:creationId xmlns="" xmlns:a16="http://schemas.microsoft.com/office/drawing/2014/main" id="{F43F6FFC-E9AF-4B60-9179-A908DD2E934C}"/>
               </a:ext>
             </a:extLst>
           </p:cNvPr>
@@ -9127,7 +9425,7 @@
           <p:cNvPr id="22" name="Straight Connector 21">
             <a:extLst>
               <a:ext uri="{FF2B5EF4-FFF2-40B4-BE49-F238E27FC236}">
-                <a16:creationId xmlns:a16="http://schemas.microsoft.com/office/drawing/2014/main" xmlns="" id="{561A8249-1076-4FB9-A7C4-C3FB5ACCABF6}"/>
+                <a16:creationId xmlns="" xmlns:a16="http://schemas.microsoft.com/office/drawing/2014/main" id="{561A8249-1076-4FB9-A7C4-C3FB5ACCABF6}"/>
               </a:ext>
             </a:extLst>
           </p:cNvPr>
@@ -9168,7 +9466,7 @@
           <p:cNvPr id="23" name="Straight Connector 22">
             <a:extLst>
               <a:ext uri="{FF2B5EF4-FFF2-40B4-BE49-F238E27FC236}">
-                <a16:creationId xmlns:a16="http://schemas.microsoft.com/office/drawing/2014/main" xmlns="" id="{C301F0D3-DCBD-4DF8-9FB4-39A02A97EA59}"/>
+                <a16:creationId xmlns="" xmlns:a16="http://schemas.microsoft.com/office/drawing/2014/main" id="{C301F0D3-DCBD-4DF8-9FB4-39A02A97EA59}"/>
               </a:ext>
             </a:extLst>
           </p:cNvPr>
@@ -9214,6 +9512,13 @@
   <p:clrMapOvr>
     <a:masterClrMapping/>
   </p:clrMapOvr>
+  <p:timing>
+    <p:tnLst>
+      <p:par>
+        <p:cTn id="1" dur="indefinite" restart="never" nodeType="tmRoot"/>
+      </p:par>
+    </p:tnLst>
+  </p:timing>
 </p:sld>
 </file>
 
@@ -9239,7 +9544,7 @@
           <p:cNvPr id="2" name="Title 1">
             <a:extLst>
               <a:ext uri="{FF2B5EF4-FFF2-40B4-BE49-F238E27FC236}">
-                <a16:creationId xmlns:a16="http://schemas.microsoft.com/office/drawing/2014/main" xmlns="" id="{881F4BFC-93A9-4998-ABA3-F2477064AEE6}"/>
+                <a16:creationId xmlns="" xmlns:a16="http://schemas.microsoft.com/office/drawing/2014/main" id="{881F4BFC-93A9-4998-ABA3-F2477064AEE6}"/>
               </a:ext>
             </a:extLst>
           </p:cNvPr>
@@ -9274,7 +9579,7 @@
           <p:cNvPr id="4" name="Content Placeholder 3">
             <a:extLst>
               <a:ext uri="{FF2B5EF4-FFF2-40B4-BE49-F238E27FC236}">
-                <a16:creationId xmlns:a16="http://schemas.microsoft.com/office/drawing/2014/main" xmlns="" id="{B2A8F714-557D-4348-9CD0-8AB1C8407F45}"/>
+                <a16:creationId xmlns="" xmlns:a16="http://schemas.microsoft.com/office/drawing/2014/main" id="{B2A8F714-557D-4348-9CD0-8AB1C8407F45}"/>
               </a:ext>
             </a:extLst>
           </p:cNvPr>
@@ -9306,7 +9611,7 @@
           <p:cNvPr id="5" name="Title 1">
             <a:extLst>
               <a:ext uri="{FF2B5EF4-FFF2-40B4-BE49-F238E27FC236}">
-                <a16:creationId xmlns:a16="http://schemas.microsoft.com/office/drawing/2014/main" xmlns="" id="{ADBAD747-B5C6-46BB-B3B8-8B8AF3AB97FB}"/>
+                <a16:creationId xmlns="" xmlns:a16="http://schemas.microsoft.com/office/drawing/2014/main" id="{ADBAD747-B5C6-46BB-B3B8-8B8AF3AB97FB}"/>
               </a:ext>
             </a:extLst>
           </p:cNvPr>
@@ -9360,7 +9665,7 @@
           <p:cNvPr id="6" name="Picture 5">
             <a:extLst>
               <a:ext uri="{FF2B5EF4-FFF2-40B4-BE49-F238E27FC236}">
-                <a16:creationId xmlns:a16="http://schemas.microsoft.com/office/drawing/2014/main" xmlns="" id="{6B512ED6-BAD2-4382-AFED-9E47AFCF4F28}"/>
+                <a16:creationId xmlns="" xmlns:a16="http://schemas.microsoft.com/office/drawing/2014/main" id="{6B512ED6-BAD2-4382-AFED-9E47AFCF4F28}"/>
               </a:ext>
             </a:extLst>
           </p:cNvPr>
@@ -9390,7 +9695,7 @@
           <p:cNvPr id="7" name="Picture 6">
             <a:extLst>
               <a:ext uri="{FF2B5EF4-FFF2-40B4-BE49-F238E27FC236}">
-                <a16:creationId xmlns:a16="http://schemas.microsoft.com/office/drawing/2014/main" xmlns="" id="{0FC6D615-10B9-47C3-ACBB-876C9D5F7834}"/>
+                <a16:creationId xmlns="" xmlns:a16="http://schemas.microsoft.com/office/drawing/2014/main" id="{0FC6D615-10B9-47C3-ACBB-876C9D5F7834}"/>
               </a:ext>
             </a:extLst>
           </p:cNvPr>
@@ -9420,7 +9725,7 @@
           <p:cNvPr id="10" name="Title 1">
             <a:extLst>
               <a:ext uri="{FF2B5EF4-FFF2-40B4-BE49-F238E27FC236}">
-                <a16:creationId xmlns:a16="http://schemas.microsoft.com/office/drawing/2014/main" xmlns="" id="{55A94D4B-42B8-4D53-AC51-763CBA420BA5}"/>
+                <a16:creationId xmlns="" xmlns:a16="http://schemas.microsoft.com/office/drawing/2014/main" id="{55A94D4B-42B8-4D53-AC51-763CBA420BA5}"/>
               </a:ext>
             </a:extLst>
           </p:cNvPr>
@@ -9471,7 +9776,7 @@
           <p:cNvPr id="3" name="Picture 2">
             <a:extLst>
               <a:ext uri="{FF2B5EF4-FFF2-40B4-BE49-F238E27FC236}">
-                <a16:creationId xmlns:a16="http://schemas.microsoft.com/office/drawing/2014/main" xmlns="" id="{C929FE3B-73AD-43F4-B8CD-1654A81DDF47}"/>
+                <a16:creationId xmlns="" xmlns:a16="http://schemas.microsoft.com/office/drawing/2014/main" id="{C929FE3B-73AD-43F4-B8CD-1654A81DDF47}"/>
               </a:ext>
             </a:extLst>
           </p:cNvPr>
@@ -9501,7 +9806,7 @@
           <p:cNvPr id="12" name="Picture 11">
             <a:extLst>
               <a:ext uri="{FF2B5EF4-FFF2-40B4-BE49-F238E27FC236}">
-                <a16:creationId xmlns:a16="http://schemas.microsoft.com/office/drawing/2014/main" xmlns="" id="{42AD9D06-EB30-4313-9F6F-42617BAB28EF}"/>
+                <a16:creationId xmlns="" xmlns:a16="http://schemas.microsoft.com/office/drawing/2014/main" id="{42AD9D06-EB30-4313-9F6F-42617BAB28EF}"/>
               </a:ext>
             </a:extLst>
           </p:cNvPr>
@@ -9531,7 +9836,7 @@
           <p:cNvPr id="13" name="Picture 12">
             <a:extLst>
               <a:ext uri="{FF2B5EF4-FFF2-40B4-BE49-F238E27FC236}">
-                <a16:creationId xmlns:a16="http://schemas.microsoft.com/office/drawing/2014/main" xmlns="" id="{C2C8D329-6F9D-4348-B1A7-009652F26B92}"/>
+                <a16:creationId xmlns="" xmlns:a16="http://schemas.microsoft.com/office/drawing/2014/main" id="{C2C8D329-6F9D-4348-B1A7-009652F26B92}"/>
               </a:ext>
             </a:extLst>
           </p:cNvPr>
@@ -9561,7 +9866,7 @@
           <p:cNvPr id="16" name="Content Placeholder 2">
             <a:extLst>
               <a:ext uri="{FF2B5EF4-FFF2-40B4-BE49-F238E27FC236}">
-                <a16:creationId xmlns:a16="http://schemas.microsoft.com/office/drawing/2014/main" xmlns="" id="{51614195-F03E-476E-A4B9-4499F77402ED}"/>
+                <a16:creationId xmlns="" xmlns:a16="http://schemas.microsoft.com/office/drawing/2014/main" id="{51614195-F03E-476E-A4B9-4499F77402ED}"/>
               </a:ext>
             </a:extLst>
           </p:cNvPr>
@@ -9768,7 +10073,7 @@
           <p:cNvPr id="17" name="Content Placeholder 2">
             <a:extLst>
               <a:ext uri="{FF2B5EF4-FFF2-40B4-BE49-F238E27FC236}">
-                <a16:creationId xmlns:a16="http://schemas.microsoft.com/office/drawing/2014/main" xmlns="" id="{ED1634C0-8470-4BAC-AAA9-C1FE07ACD9D1}"/>
+                <a16:creationId xmlns="" xmlns:a16="http://schemas.microsoft.com/office/drawing/2014/main" id="{ED1634C0-8470-4BAC-AAA9-C1FE07ACD9D1}"/>
               </a:ext>
             </a:extLst>
           </p:cNvPr>
@@ -9989,7 +10294,7 @@
           <p:cNvPr id="18" name="Straight Connector 17">
             <a:extLst>
               <a:ext uri="{FF2B5EF4-FFF2-40B4-BE49-F238E27FC236}">
-                <a16:creationId xmlns:a16="http://schemas.microsoft.com/office/drawing/2014/main" xmlns="" id="{8D6B047D-62D2-4CAA-8745-150F5749442F}"/>
+                <a16:creationId xmlns="" xmlns:a16="http://schemas.microsoft.com/office/drawing/2014/main" id="{8D6B047D-62D2-4CAA-8745-150F5749442F}"/>
               </a:ext>
             </a:extLst>
           </p:cNvPr>
@@ -10030,7 +10335,7 @@
           <p:cNvPr id="19" name="Straight Connector 18">
             <a:extLst>
               <a:ext uri="{FF2B5EF4-FFF2-40B4-BE49-F238E27FC236}">
-                <a16:creationId xmlns:a16="http://schemas.microsoft.com/office/drawing/2014/main" xmlns="" id="{235E25EC-1775-4432-871D-C98242593FC5}"/>
+                <a16:creationId xmlns="" xmlns:a16="http://schemas.microsoft.com/office/drawing/2014/main" id="{235E25EC-1775-4432-871D-C98242593FC5}"/>
               </a:ext>
             </a:extLst>
           </p:cNvPr>
@@ -10071,7 +10376,7 @@
           <p:cNvPr id="20" name="Straight Connector 19">
             <a:extLst>
               <a:ext uri="{FF2B5EF4-FFF2-40B4-BE49-F238E27FC236}">
-                <a16:creationId xmlns:a16="http://schemas.microsoft.com/office/drawing/2014/main" xmlns="" id="{66934499-30D6-48A7-B1F7-E2236A6115D5}"/>
+                <a16:creationId xmlns="" xmlns:a16="http://schemas.microsoft.com/office/drawing/2014/main" id="{66934499-30D6-48A7-B1F7-E2236A6115D5}"/>
               </a:ext>
             </a:extLst>
           </p:cNvPr>
@@ -10112,7 +10417,7 @@
           <p:cNvPr id="21" name="Straight Connector 20">
             <a:extLst>
               <a:ext uri="{FF2B5EF4-FFF2-40B4-BE49-F238E27FC236}">
-                <a16:creationId xmlns:a16="http://schemas.microsoft.com/office/drawing/2014/main" xmlns="" id="{F43F6FFC-E9AF-4B60-9179-A908DD2E934C}"/>
+                <a16:creationId xmlns="" xmlns:a16="http://schemas.microsoft.com/office/drawing/2014/main" id="{F43F6FFC-E9AF-4B60-9179-A908DD2E934C}"/>
               </a:ext>
             </a:extLst>
           </p:cNvPr>
@@ -10153,7 +10458,7 @@
           <p:cNvPr id="22" name="Straight Connector 21">
             <a:extLst>
               <a:ext uri="{FF2B5EF4-FFF2-40B4-BE49-F238E27FC236}">
-                <a16:creationId xmlns:a16="http://schemas.microsoft.com/office/drawing/2014/main" xmlns="" id="{561A8249-1076-4FB9-A7C4-C3FB5ACCABF6}"/>
+                <a16:creationId xmlns="" xmlns:a16="http://schemas.microsoft.com/office/drawing/2014/main" id="{561A8249-1076-4FB9-A7C4-C3FB5ACCABF6}"/>
               </a:ext>
             </a:extLst>
           </p:cNvPr>
@@ -10194,7 +10499,7 @@
           <p:cNvPr id="23" name="Straight Connector 22">
             <a:extLst>
               <a:ext uri="{FF2B5EF4-FFF2-40B4-BE49-F238E27FC236}">
-                <a16:creationId xmlns:a16="http://schemas.microsoft.com/office/drawing/2014/main" xmlns="" id="{C301F0D3-DCBD-4DF8-9FB4-39A02A97EA59}"/>
+                <a16:creationId xmlns="" xmlns:a16="http://schemas.microsoft.com/office/drawing/2014/main" id="{C301F0D3-DCBD-4DF8-9FB4-39A02A97EA59}"/>
               </a:ext>
             </a:extLst>
           </p:cNvPr>
@@ -10235,7 +10540,7 @@
           <p:cNvPr id="24" name="Oval 23">
             <a:extLst>
               <a:ext uri="{FF2B5EF4-FFF2-40B4-BE49-F238E27FC236}">
-                <a16:creationId xmlns:a16="http://schemas.microsoft.com/office/drawing/2014/main" xmlns="" id="{D72AAC99-F01F-491C-92B7-26AD95DCAE99}"/>
+                <a16:creationId xmlns="" xmlns:a16="http://schemas.microsoft.com/office/drawing/2014/main" id="{D72AAC99-F01F-491C-92B7-26AD95DCAE99}"/>
               </a:ext>
             </a:extLst>
           </p:cNvPr>
@@ -10290,6 +10595,13 @@
   <p:clrMapOvr>
     <a:masterClrMapping/>
   </p:clrMapOvr>
+  <p:timing>
+    <p:tnLst>
+      <p:par>
+        <p:cTn id="1" dur="indefinite" restart="never" nodeType="tmRoot"/>
+      </p:par>
+    </p:tnLst>
+  </p:timing>
 </p:sld>
 </file>
 
@@ -10315,7 +10627,7 @@
           <p:cNvPr id="2" name="Title 1">
             <a:extLst>
               <a:ext uri="{FF2B5EF4-FFF2-40B4-BE49-F238E27FC236}">
-                <a16:creationId xmlns:a16="http://schemas.microsoft.com/office/drawing/2014/main" xmlns="" id="{881F4BFC-93A9-4998-ABA3-F2477064AEE6}"/>
+                <a16:creationId xmlns="" xmlns:a16="http://schemas.microsoft.com/office/drawing/2014/main" id="{881F4BFC-93A9-4998-ABA3-F2477064AEE6}"/>
               </a:ext>
             </a:extLst>
           </p:cNvPr>
@@ -10350,7 +10662,7 @@
           <p:cNvPr id="4" name="Content Placeholder 3">
             <a:extLst>
               <a:ext uri="{FF2B5EF4-FFF2-40B4-BE49-F238E27FC236}">
-                <a16:creationId xmlns:a16="http://schemas.microsoft.com/office/drawing/2014/main" xmlns="" id="{B2A8F714-557D-4348-9CD0-8AB1C8407F45}"/>
+                <a16:creationId xmlns="" xmlns:a16="http://schemas.microsoft.com/office/drawing/2014/main" id="{B2A8F714-557D-4348-9CD0-8AB1C8407F45}"/>
               </a:ext>
             </a:extLst>
           </p:cNvPr>
@@ -10382,7 +10694,7 @@
           <p:cNvPr id="5" name="Title 1">
             <a:extLst>
               <a:ext uri="{FF2B5EF4-FFF2-40B4-BE49-F238E27FC236}">
-                <a16:creationId xmlns:a16="http://schemas.microsoft.com/office/drawing/2014/main" xmlns="" id="{ADBAD747-B5C6-46BB-B3B8-8B8AF3AB97FB}"/>
+                <a16:creationId xmlns="" xmlns:a16="http://schemas.microsoft.com/office/drawing/2014/main" id="{ADBAD747-B5C6-46BB-B3B8-8B8AF3AB97FB}"/>
               </a:ext>
             </a:extLst>
           </p:cNvPr>
@@ -10436,7 +10748,7 @@
           <p:cNvPr id="6" name="Picture 5">
             <a:extLst>
               <a:ext uri="{FF2B5EF4-FFF2-40B4-BE49-F238E27FC236}">
-                <a16:creationId xmlns:a16="http://schemas.microsoft.com/office/drawing/2014/main" xmlns="" id="{6B512ED6-BAD2-4382-AFED-9E47AFCF4F28}"/>
+                <a16:creationId xmlns="" xmlns:a16="http://schemas.microsoft.com/office/drawing/2014/main" id="{6B512ED6-BAD2-4382-AFED-9E47AFCF4F28}"/>
               </a:ext>
             </a:extLst>
           </p:cNvPr>
@@ -10466,7 +10778,7 @@
           <p:cNvPr id="7" name="Picture 6">
             <a:extLst>
               <a:ext uri="{FF2B5EF4-FFF2-40B4-BE49-F238E27FC236}">
-                <a16:creationId xmlns:a16="http://schemas.microsoft.com/office/drawing/2014/main" xmlns="" id="{0FC6D615-10B9-47C3-ACBB-876C9D5F7834}"/>
+                <a16:creationId xmlns="" xmlns:a16="http://schemas.microsoft.com/office/drawing/2014/main" id="{0FC6D615-10B9-47C3-ACBB-876C9D5F7834}"/>
               </a:ext>
             </a:extLst>
           </p:cNvPr>
@@ -10496,7 +10808,7 @@
           <p:cNvPr id="10" name="Title 1">
             <a:extLst>
               <a:ext uri="{FF2B5EF4-FFF2-40B4-BE49-F238E27FC236}">
-                <a16:creationId xmlns:a16="http://schemas.microsoft.com/office/drawing/2014/main" xmlns="" id="{55A94D4B-42B8-4D53-AC51-763CBA420BA5}"/>
+                <a16:creationId xmlns="" xmlns:a16="http://schemas.microsoft.com/office/drawing/2014/main" id="{55A94D4B-42B8-4D53-AC51-763CBA420BA5}"/>
               </a:ext>
             </a:extLst>
           </p:cNvPr>
@@ -10547,7 +10859,7 @@
           <p:cNvPr id="3" name="Picture 2">
             <a:extLst>
               <a:ext uri="{FF2B5EF4-FFF2-40B4-BE49-F238E27FC236}">
-                <a16:creationId xmlns:a16="http://schemas.microsoft.com/office/drawing/2014/main" xmlns="" id="{C929FE3B-73AD-43F4-B8CD-1654A81DDF47}"/>
+                <a16:creationId xmlns="" xmlns:a16="http://schemas.microsoft.com/office/drawing/2014/main" id="{C929FE3B-73AD-43F4-B8CD-1654A81DDF47}"/>
               </a:ext>
             </a:extLst>
           </p:cNvPr>
@@ -10577,7 +10889,7 @@
           <p:cNvPr id="12" name="Picture 11">
             <a:extLst>
               <a:ext uri="{FF2B5EF4-FFF2-40B4-BE49-F238E27FC236}">
-                <a16:creationId xmlns:a16="http://schemas.microsoft.com/office/drawing/2014/main" xmlns="" id="{42AD9D06-EB30-4313-9F6F-42617BAB28EF}"/>
+                <a16:creationId xmlns="" xmlns:a16="http://schemas.microsoft.com/office/drawing/2014/main" id="{42AD9D06-EB30-4313-9F6F-42617BAB28EF}"/>
               </a:ext>
             </a:extLst>
           </p:cNvPr>
@@ -10607,7 +10919,7 @@
           <p:cNvPr id="13" name="Picture 12">
             <a:extLst>
               <a:ext uri="{FF2B5EF4-FFF2-40B4-BE49-F238E27FC236}">
-                <a16:creationId xmlns:a16="http://schemas.microsoft.com/office/drawing/2014/main" xmlns="" id="{C2C8D329-6F9D-4348-B1A7-009652F26B92}"/>
+                <a16:creationId xmlns="" xmlns:a16="http://schemas.microsoft.com/office/drawing/2014/main" id="{C2C8D329-6F9D-4348-B1A7-009652F26B92}"/>
               </a:ext>
             </a:extLst>
           </p:cNvPr>
@@ -10637,7 +10949,7 @@
           <p:cNvPr id="16" name="Content Placeholder 2">
             <a:extLst>
               <a:ext uri="{FF2B5EF4-FFF2-40B4-BE49-F238E27FC236}">
-                <a16:creationId xmlns:a16="http://schemas.microsoft.com/office/drawing/2014/main" xmlns="" id="{51614195-F03E-476E-A4B9-4499F77402ED}"/>
+                <a16:creationId xmlns="" xmlns:a16="http://schemas.microsoft.com/office/drawing/2014/main" id="{51614195-F03E-476E-A4B9-4499F77402ED}"/>
               </a:ext>
             </a:extLst>
           </p:cNvPr>
@@ -10844,7 +11156,7 @@
           <p:cNvPr id="17" name="Content Placeholder 2">
             <a:extLst>
               <a:ext uri="{FF2B5EF4-FFF2-40B4-BE49-F238E27FC236}">
-                <a16:creationId xmlns:a16="http://schemas.microsoft.com/office/drawing/2014/main" xmlns="" id="{ED1634C0-8470-4BAC-AAA9-C1FE07ACD9D1}"/>
+                <a16:creationId xmlns="" xmlns:a16="http://schemas.microsoft.com/office/drawing/2014/main" id="{ED1634C0-8470-4BAC-AAA9-C1FE07ACD9D1}"/>
               </a:ext>
             </a:extLst>
           </p:cNvPr>
@@ -11065,7 +11377,7 @@
           <p:cNvPr id="18" name="Straight Connector 17">
             <a:extLst>
               <a:ext uri="{FF2B5EF4-FFF2-40B4-BE49-F238E27FC236}">
-                <a16:creationId xmlns:a16="http://schemas.microsoft.com/office/drawing/2014/main" xmlns="" id="{8D6B047D-62D2-4CAA-8745-150F5749442F}"/>
+                <a16:creationId xmlns="" xmlns:a16="http://schemas.microsoft.com/office/drawing/2014/main" id="{8D6B047D-62D2-4CAA-8745-150F5749442F}"/>
               </a:ext>
             </a:extLst>
           </p:cNvPr>
@@ -11106,7 +11418,7 @@
           <p:cNvPr id="19" name="Straight Connector 18">
             <a:extLst>
               <a:ext uri="{FF2B5EF4-FFF2-40B4-BE49-F238E27FC236}">
-                <a16:creationId xmlns:a16="http://schemas.microsoft.com/office/drawing/2014/main" xmlns="" id="{235E25EC-1775-4432-871D-C98242593FC5}"/>
+                <a16:creationId xmlns="" xmlns:a16="http://schemas.microsoft.com/office/drawing/2014/main" id="{235E25EC-1775-4432-871D-C98242593FC5}"/>
               </a:ext>
             </a:extLst>
           </p:cNvPr>
@@ -11147,7 +11459,7 @@
           <p:cNvPr id="20" name="Straight Connector 19">
             <a:extLst>
               <a:ext uri="{FF2B5EF4-FFF2-40B4-BE49-F238E27FC236}">
-                <a16:creationId xmlns:a16="http://schemas.microsoft.com/office/drawing/2014/main" xmlns="" id="{66934499-30D6-48A7-B1F7-E2236A6115D5}"/>
+                <a16:creationId xmlns="" xmlns:a16="http://schemas.microsoft.com/office/drawing/2014/main" id="{66934499-30D6-48A7-B1F7-E2236A6115D5}"/>
               </a:ext>
             </a:extLst>
           </p:cNvPr>
@@ -11188,7 +11500,7 @@
           <p:cNvPr id="21" name="Straight Connector 20">
             <a:extLst>
               <a:ext uri="{FF2B5EF4-FFF2-40B4-BE49-F238E27FC236}">
-                <a16:creationId xmlns:a16="http://schemas.microsoft.com/office/drawing/2014/main" xmlns="" id="{F43F6FFC-E9AF-4B60-9179-A908DD2E934C}"/>
+                <a16:creationId xmlns="" xmlns:a16="http://schemas.microsoft.com/office/drawing/2014/main" id="{F43F6FFC-E9AF-4B60-9179-A908DD2E934C}"/>
               </a:ext>
             </a:extLst>
           </p:cNvPr>
@@ -11229,7 +11541,7 @@
           <p:cNvPr id="22" name="Straight Connector 21">
             <a:extLst>
               <a:ext uri="{FF2B5EF4-FFF2-40B4-BE49-F238E27FC236}">
-                <a16:creationId xmlns:a16="http://schemas.microsoft.com/office/drawing/2014/main" xmlns="" id="{561A8249-1076-4FB9-A7C4-C3FB5ACCABF6}"/>
+                <a16:creationId xmlns="" xmlns:a16="http://schemas.microsoft.com/office/drawing/2014/main" id="{561A8249-1076-4FB9-A7C4-C3FB5ACCABF6}"/>
               </a:ext>
             </a:extLst>
           </p:cNvPr>
@@ -11270,7 +11582,7 @@
           <p:cNvPr id="23" name="Straight Connector 22">
             <a:extLst>
               <a:ext uri="{FF2B5EF4-FFF2-40B4-BE49-F238E27FC236}">
-                <a16:creationId xmlns:a16="http://schemas.microsoft.com/office/drawing/2014/main" xmlns="" id="{C301F0D3-DCBD-4DF8-9FB4-39A02A97EA59}"/>
+                <a16:creationId xmlns="" xmlns:a16="http://schemas.microsoft.com/office/drawing/2014/main" id="{C301F0D3-DCBD-4DF8-9FB4-39A02A97EA59}"/>
               </a:ext>
             </a:extLst>
           </p:cNvPr>
@@ -11311,7 +11623,7 @@
           <p:cNvPr id="24" name="Oval 23">
             <a:extLst>
               <a:ext uri="{FF2B5EF4-FFF2-40B4-BE49-F238E27FC236}">
-                <a16:creationId xmlns:a16="http://schemas.microsoft.com/office/drawing/2014/main" xmlns="" id="{D72AAC99-F01F-491C-92B7-26AD95DCAE99}"/>
+                <a16:creationId xmlns="" xmlns:a16="http://schemas.microsoft.com/office/drawing/2014/main" id="{D72AAC99-F01F-491C-92B7-26AD95DCAE99}"/>
               </a:ext>
             </a:extLst>
           </p:cNvPr>
@@ -11361,7 +11673,7 @@
           <p:cNvPr id="26" name="Oval 25">
             <a:extLst>
               <a:ext uri="{FF2B5EF4-FFF2-40B4-BE49-F238E27FC236}">
-                <a16:creationId xmlns:a16="http://schemas.microsoft.com/office/drawing/2014/main" xmlns="" id="{A9B4397F-885E-43C7-95BC-B2847D5E7513}"/>
+                <a16:creationId xmlns="" xmlns:a16="http://schemas.microsoft.com/office/drawing/2014/main" id="{A9B4397F-885E-43C7-95BC-B2847D5E7513}"/>
               </a:ext>
             </a:extLst>
           </p:cNvPr>
@@ -11416,6 +11728,13 @@
   <p:clrMapOvr>
     <a:masterClrMapping/>
   </p:clrMapOvr>
+  <p:timing>
+    <p:tnLst>
+      <p:par>
+        <p:cTn id="1" dur="indefinite" restart="never" nodeType="tmRoot"/>
+      </p:par>
+    </p:tnLst>
+  </p:timing>
 </p:sld>
 </file>
 
@@ -11441,7 +11760,7 @@
           <p:cNvPr id="2" name="Title 1">
             <a:extLst>
               <a:ext uri="{FF2B5EF4-FFF2-40B4-BE49-F238E27FC236}">
-                <a16:creationId xmlns:a16="http://schemas.microsoft.com/office/drawing/2014/main" xmlns="" id="{307B8968-DE91-425E-BD8D-741A296A1EE6}"/>
+                <a16:creationId xmlns="" xmlns:a16="http://schemas.microsoft.com/office/drawing/2014/main" id="{307B8968-DE91-425E-BD8D-741A296A1EE6}"/>
               </a:ext>
             </a:extLst>
           </p:cNvPr>
@@ -11474,7 +11793,7 @@
           <p:cNvPr id="4" name="Content Placeholder 3">
             <a:extLst>
               <a:ext uri="{FF2B5EF4-FFF2-40B4-BE49-F238E27FC236}">
-                <a16:creationId xmlns:a16="http://schemas.microsoft.com/office/drawing/2014/main" xmlns="" id="{253205ED-EB82-4F1F-AC4D-6CF6E3C2F5CC}"/>
+                <a16:creationId xmlns="" xmlns:a16="http://schemas.microsoft.com/office/drawing/2014/main" id="{253205ED-EB82-4F1F-AC4D-6CF6E3C2F5CC}"/>
               </a:ext>
             </a:extLst>
           </p:cNvPr>
@@ -11504,28 +11823,28 @@
                 <a:gridCol w="1993077">
                   <a:extLst>
                     <a:ext uri="{9D8B030D-6E8A-4147-A177-3AD203B41FA5}">
-                      <a16:colId xmlns:a16="http://schemas.microsoft.com/office/drawing/2014/main" xmlns="" val="1321865565"/>
+                      <a16:colId xmlns="" xmlns:a16="http://schemas.microsoft.com/office/drawing/2014/main" val="1321865565"/>
                     </a:ext>
                   </a:extLst>
                 </a:gridCol>
                 <a:gridCol w="2438308">
                   <a:extLst>
                     <a:ext uri="{9D8B030D-6E8A-4147-A177-3AD203B41FA5}">
-                      <a16:colId xmlns:a16="http://schemas.microsoft.com/office/drawing/2014/main" xmlns="" val="621221694"/>
+                      <a16:colId xmlns="" xmlns:a16="http://schemas.microsoft.com/office/drawing/2014/main" val="621221694"/>
                     </a:ext>
                   </a:extLst>
                 </a:gridCol>
                 <a:gridCol w="2714919">
                   <a:extLst>
                     <a:ext uri="{9D8B030D-6E8A-4147-A177-3AD203B41FA5}">
-                      <a16:colId xmlns:a16="http://schemas.microsoft.com/office/drawing/2014/main" xmlns="" val="618433142"/>
+                      <a16:colId xmlns="" xmlns:a16="http://schemas.microsoft.com/office/drawing/2014/main" val="618433142"/>
                     </a:ext>
                   </a:extLst>
                 </a:gridCol>
                 <a:gridCol w="3369295">
                   <a:extLst>
                     <a:ext uri="{9D8B030D-6E8A-4147-A177-3AD203B41FA5}">
-                      <a16:colId xmlns:a16="http://schemas.microsoft.com/office/drawing/2014/main" xmlns="" val="1187566209"/>
+                      <a16:colId xmlns="" xmlns:a16="http://schemas.microsoft.com/office/drawing/2014/main" val="1187566209"/>
                     </a:ext>
                   </a:extLst>
                 </a:gridCol>
@@ -11653,7 +11972,7 @@
                 </a:tc>
                 <a:extLst>
                   <a:ext uri="{0D108BD9-81ED-4DB2-BD59-A6C34878D82A}">
-                    <a16:rowId xmlns:a16="http://schemas.microsoft.com/office/drawing/2014/main" xmlns="" val="3472444932"/>
+                    <a16:rowId xmlns="" xmlns:a16="http://schemas.microsoft.com/office/drawing/2014/main" val="3472444932"/>
                   </a:ext>
                 </a:extLst>
               </a:tr>
@@ -11780,7 +12099,7 @@
                 </a:tc>
                 <a:extLst>
                   <a:ext uri="{0D108BD9-81ED-4DB2-BD59-A6C34878D82A}">
-                    <a16:rowId xmlns:a16="http://schemas.microsoft.com/office/drawing/2014/main" xmlns="" val="1592944227"/>
+                    <a16:rowId xmlns="" xmlns:a16="http://schemas.microsoft.com/office/drawing/2014/main" val="1592944227"/>
                   </a:ext>
                 </a:extLst>
               </a:tr>
@@ -11908,7 +12227,7 @@
                 </a:tc>
                 <a:extLst>
                   <a:ext uri="{0D108BD9-81ED-4DB2-BD59-A6C34878D82A}">
-                    <a16:rowId xmlns:a16="http://schemas.microsoft.com/office/drawing/2014/main" xmlns="" val="1793529964"/>
+                    <a16:rowId xmlns="" xmlns:a16="http://schemas.microsoft.com/office/drawing/2014/main" val="1793529964"/>
                   </a:ext>
                 </a:extLst>
               </a:tr>
@@ -12015,7 +12334,7 @@
                 </a:tc>
                 <a:extLst>
                   <a:ext uri="{0D108BD9-81ED-4DB2-BD59-A6C34878D82A}">
-                    <a16:rowId xmlns:a16="http://schemas.microsoft.com/office/drawing/2014/main" xmlns="" val="4202869693"/>
+                    <a16:rowId xmlns="" xmlns:a16="http://schemas.microsoft.com/office/drawing/2014/main" val="4202869693"/>
                   </a:ext>
                 </a:extLst>
               </a:tr>
@@ -12163,7 +12482,7 @@
                 </a:tc>
                 <a:extLst>
                   <a:ext uri="{0D108BD9-81ED-4DB2-BD59-A6C34878D82A}">
-                    <a16:rowId xmlns:a16="http://schemas.microsoft.com/office/drawing/2014/main" xmlns="" val="757473240"/>
+                    <a16:rowId xmlns="" xmlns:a16="http://schemas.microsoft.com/office/drawing/2014/main" val="757473240"/>
                   </a:ext>
                 </a:extLst>
               </a:tr>
@@ -12315,7 +12634,7 @@
                 </a:tc>
                 <a:extLst>
                   <a:ext uri="{0D108BD9-81ED-4DB2-BD59-A6C34878D82A}">
-                    <a16:rowId xmlns:a16="http://schemas.microsoft.com/office/drawing/2014/main" xmlns="" val="1023074434"/>
+                    <a16:rowId xmlns="" xmlns:a16="http://schemas.microsoft.com/office/drawing/2014/main" val="1023074434"/>
                   </a:ext>
                 </a:extLst>
               </a:tr>
@@ -12422,7 +12741,7 @@
                 </a:tc>
                 <a:extLst>
                   <a:ext uri="{0D108BD9-81ED-4DB2-BD59-A6C34878D82A}">
-                    <a16:rowId xmlns:a16="http://schemas.microsoft.com/office/drawing/2014/main" xmlns="" val="2982940022"/>
+                    <a16:rowId xmlns="" xmlns:a16="http://schemas.microsoft.com/office/drawing/2014/main" val="2982940022"/>
                   </a:ext>
                 </a:extLst>
               </a:tr>
@@ -12440,6 +12759,13 @@
   <p:clrMapOvr>
     <a:masterClrMapping/>
   </p:clrMapOvr>
+  <p:timing>
+    <p:tnLst>
+      <p:par>
+        <p:cTn id="1" dur="indefinite" restart="never" nodeType="tmRoot"/>
+      </p:par>
+    </p:tnLst>
+  </p:timing>
 </p:sld>
 </file>
 
@@ -12465,7 +12791,7 @@
           <p:cNvPr id="2" name="Title 1">
             <a:extLst>
               <a:ext uri="{FF2B5EF4-FFF2-40B4-BE49-F238E27FC236}">
-                <a16:creationId xmlns:a16="http://schemas.microsoft.com/office/drawing/2014/main" xmlns="" id="{E2C35651-2B8F-47E5-B2BF-DE42C7C25A44}"/>
+                <a16:creationId xmlns="" xmlns:a16="http://schemas.microsoft.com/office/drawing/2014/main" id="{E2C35651-2B8F-47E5-B2BF-DE42C7C25A44}"/>
               </a:ext>
             </a:extLst>
           </p:cNvPr>
@@ -12498,7 +12824,7 @@
           <p:cNvPr id="4" name="Content Placeholder 3">
             <a:extLst>
               <a:ext uri="{FF2B5EF4-FFF2-40B4-BE49-F238E27FC236}">
-                <a16:creationId xmlns:a16="http://schemas.microsoft.com/office/drawing/2014/main" xmlns="" id="{81CA707F-1731-4AF6-9910-EC1B6C4F2349}"/>
+                <a16:creationId xmlns="" xmlns:a16="http://schemas.microsoft.com/office/drawing/2014/main" id="{81CA707F-1731-4AF6-9910-EC1B6C4F2349}"/>
               </a:ext>
             </a:extLst>
           </p:cNvPr>
@@ -12530,7 +12856,7 @@
           <p:cNvPr id="5" name="Title 1">
             <a:extLst>
               <a:ext uri="{FF2B5EF4-FFF2-40B4-BE49-F238E27FC236}">
-                <a16:creationId xmlns:a16="http://schemas.microsoft.com/office/drawing/2014/main" xmlns="" id="{EAEA55F8-1AA8-452F-A614-E8535B9DBA53}"/>
+                <a16:creationId xmlns="" xmlns:a16="http://schemas.microsoft.com/office/drawing/2014/main" id="{EAEA55F8-1AA8-452F-A614-E8535B9DBA53}"/>
               </a:ext>
             </a:extLst>
           </p:cNvPr>
@@ -12584,7 +12910,7 @@
           <p:cNvPr id="6" name="Picture 5">
             <a:extLst>
               <a:ext uri="{FF2B5EF4-FFF2-40B4-BE49-F238E27FC236}">
-                <a16:creationId xmlns:a16="http://schemas.microsoft.com/office/drawing/2014/main" xmlns="" id="{3D2EDC6F-77EA-42AF-AA8B-73CA352AB050}"/>
+                <a16:creationId xmlns="" xmlns:a16="http://schemas.microsoft.com/office/drawing/2014/main" id="{3D2EDC6F-77EA-42AF-AA8B-73CA352AB050}"/>
               </a:ext>
             </a:extLst>
           </p:cNvPr>
@@ -12619,6 +12945,13 @@
   <p:clrMapOvr>
     <a:masterClrMapping/>
   </p:clrMapOvr>
+  <p:timing>
+    <p:tnLst>
+      <p:par>
+        <p:cTn id="1" dur="indefinite" restart="never" nodeType="tmRoot"/>
+      </p:par>
+    </p:tnLst>
+  </p:timing>
 </p:sld>
 </file>
 
@@ -12644,7 +12977,7 @@
           <p:cNvPr id="2" name="Title 1">
             <a:extLst>
               <a:ext uri="{FF2B5EF4-FFF2-40B4-BE49-F238E27FC236}">
-                <a16:creationId xmlns:a16="http://schemas.microsoft.com/office/drawing/2014/main" xmlns="" id="{E2C35651-2B8F-47E5-B2BF-DE42C7C25A44}"/>
+                <a16:creationId xmlns="" xmlns:a16="http://schemas.microsoft.com/office/drawing/2014/main" id="{E2C35651-2B8F-47E5-B2BF-DE42C7C25A44}"/>
               </a:ext>
             </a:extLst>
           </p:cNvPr>
@@ -12677,7 +13010,7 @@
           <p:cNvPr id="4" name="Content Placeholder 3">
             <a:extLst>
               <a:ext uri="{FF2B5EF4-FFF2-40B4-BE49-F238E27FC236}">
-                <a16:creationId xmlns:a16="http://schemas.microsoft.com/office/drawing/2014/main" xmlns="" id="{81CA707F-1731-4AF6-9910-EC1B6C4F2349}"/>
+                <a16:creationId xmlns="" xmlns:a16="http://schemas.microsoft.com/office/drawing/2014/main" id="{81CA707F-1731-4AF6-9910-EC1B6C4F2349}"/>
               </a:ext>
             </a:extLst>
           </p:cNvPr>
@@ -12709,7 +13042,7 @@
           <p:cNvPr id="5" name="Title 1">
             <a:extLst>
               <a:ext uri="{FF2B5EF4-FFF2-40B4-BE49-F238E27FC236}">
-                <a16:creationId xmlns:a16="http://schemas.microsoft.com/office/drawing/2014/main" xmlns="" id="{EAEA55F8-1AA8-452F-A614-E8535B9DBA53}"/>
+                <a16:creationId xmlns="" xmlns:a16="http://schemas.microsoft.com/office/drawing/2014/main" id="{EAEA55F8-1AA8-452F-A614-E8535B9DBA53}"/>
               </a:ext>
             </a:extLst>
           </p:cNvPr>
@@ -12763,7 +13096,7 @@
           <p:cNvPr id="6" name="Picture 5">
             <a:extLst>
               <a:ext uri="{FF2B5EF4-FFF2-40B4-BE49-F238E27FC236}">
-                <a16:creationId xmlns:a16="http://schemas.microsoft.com/office/drawing/2014/main" xmlns="" id="{3D2EDC6F-77EA-42AF-AA8B-73CA352AB050}"/>
+                <a16:creationId xmlns="" xmlns:a16="http://schemas.microsoft.com/office/drawing/2014/main" id="{3D2EDC6F-77EA-42AF-AA8B-73CA352AB050}"/>
               </a:ext>
             </a:extLst>
           </p:cNvPr>
@@ -12793,7 +13126,7 @@
           <p:cNvPr id="7" name="Rectangle 6">
             <a:extLst>
               <a:ext uri="{FF2B5EF4-FFF2-40B4-BE49-F238E27FC236}">
-                <a16:creationId xmlns:a16="http://schemas.microsoft.com/office/drawing/2014/main" xmlns="" id="{6C71EA6B-B2FB-439F-AD6D-FDBAE18F815A}"/>
+                <a16:creationId xmlns="" xmlns:a16="http://schemas.microsoft.com/office/drawing/2014/main" id="{6C71EA6B-B2FB-439F-AD6D-FDBAE18F815A}"/>
               </a:ext>
             </a:extLst>
           </p:cNvPr>
@@ -12850,6 +13183,13 @@
   <p:clrMapOvr>
     <a:masterClrMapping/>
   </p:clrMapOvr>
+  <p:timing>
+    <p:tnLst>
+      <p:par>
+        <p:cTn id="1" dur="indefinite" restart="never" nodeType="tmRoot"/>
+      </p:par>
+    </p:tnLst>
+  </p:timing>
 </p:sld>
 </file>
 
@@ -12875,7 +13215,7 @@
           <p:cNvPr id="2" name="Title 1">
             <a:extLst>
               <a:ext uri="{FF2B5EF4-FFF2-40B4-BE49-F238E27FC236}">
-                <a16:creationId xmlns:a16="http://schemas.microsoft.com/office/drawing/2014/main" xmlns="" id="{E2C35651-2B8F-47E5-B2BF-DE42C7C25A44}"/>
+                <a16:creationId xmlns="" xmlns:a16="http://schemas.microsoft.com/office/drawing/2014/main" id="{E2C35651-2B8F-47E5-B2BF-DE42C7C25A44}"/>
               </a:ext>
             </a:extLst>
           </p:cNvPr>
@@ -12914,7 +13254,7 @@
           <p:cNvPr id="6" name="Picture 5">
             <a:extLst>
               <a:ext uri="{FF2B5EF4-FFF2-40B4-BE49-F238E27FC236}">
-                <a16:creationId xmlns:a16="http://schemas.microsoft.com/office/drawing/2014/main" xmlns="" id="{D856841F-F801-4B38-9A6B-9FAE902EF12B}"/>
+                <a16:creationId xmlns="" xmlns:a16="http://schemas.microsoft.com/office/drawing/2014/main" id="{D856841F-F801-4B38-9A6B-9FAE902EF12B}"/>
               </a:ext>
             </a:extLst>
           </p:cNvPr>
@@ -12944,7 +13284,7 @@
           <p:cNvPr id="9" name="Content Placeholder 8">
             <a:extLst>
               <a:ext uri="{FF2B5EF4-FFF2-40B4-BE49-F238E27FC236}">
-                <a16:creationId xmlns:a16="http://schemas.microsoft.com/office/drawing/2014/main" xmlns="" id="{CC83BE1A-D31C-4B27-AE0F-61485F26C35E}"/>
+                <a16:creationId xmlns="" xmlns:a16="http://schemas.microsoft.com/office/drawing/2014/main" id="{CC83BE1A-D31C-4B27-AE0F-61485F26C35E}"/>
               </a:ext>
             </a:extLst>
           </p:cNvPr>
@@ -12981,6 +13321,13 @@
   <p:clrMapOvr>
     <a:masterClrMapping/>
   </p:clrMapOvr>
+  <p:timing>
+    <p:tnLst>
+      <p:par>
+        <p:cTn id="1" dur="indefinite" restart="never" nodeType="tmRoot"/>
+      </p:par>
+    </p:tnLst>
+  </p:timing>
 </p:sld>
 </file>
 
@@ -13006,7 +13353,7 @@
           <p:cNvPr id="2" name="Title 1">
             <a:extLst>
               <a:ext uri="{FF2B5EF4-FFF2-40B4-BE49-F238E27FC236}">
-                <a16:creationId xmlns:a16="http://schemas.microsoft.com/office/drawing/2014/main" xmlns="" id="{E2C35651-2B8F-47E5-B2BF-DE42C7C25A44}"/>
+                <a16:creationId xmlns="" xmlns:a16="http://schemas.microsoft.com/office/drawing/2014/main" id="{E2C35651-2B8F-47E5-B2BF-DE42C7C25A44}"/>
               </a:ext>
             </a:extLst>
           </p:cNvPr>
@@ -13045,7 +13392,7 @@
           <p:cNvPr id="6" name="Picture 5">
             <a:extLst>
               <a:ext uri="{FF2B5EF4-FFF2-40B4-BE49-F238E27FC236}">
-                <a16:creationId xmlns:a16="http://schemas.microsoft.com/office/drawing/2014/main" xmlns="" id="{D856841F-F801-4B38-9A6B-9FAE902EF12B}"/>
+                <a16:creationId xmlns="" xmlns:a16="http://schemas.microsoft.com/office/drawing/2014/main" id="{D856841F-F801-4B38-9A6B-9FAE902EF12B}"/>
               </a:ext>
             </a:extLst>
           </p:cNvPr>
@@ -13075,7 +13422,7 @@
           <p:cNvPr id="9" name="Content Placeholder 8">
             <a:extLst>
               <a:ext uri="{FF2B5EF4-FFF2-40B4-BE49-F238E27FC236}">
-                <a16:creationId xmlns:a16="http://schemas.microsoft.com/office/drawing/2014/main" xmlns="" id="{CC83BE1A-D31C-4B27-AE0F-61485F26C35E}"/>
+                <a16:creationId xmlns="" xmlns:a16="http://schemas.microsoft.com/office/drawing/2014/main" id="{CC83BE1A-D31C-4B27-AE0F-61485F26C35E}"/>
               </a:ext>
             </a:extLst>
           </p:cNvPr>
@@ -13107,7 +13454,7 @@
           <p:cNvPr id="10" name="Rectangle 9">
             <a:extLst>
               <a:ext uri="{FF2B5EF4-FFF2-40B4-BE49-F238E27FC236}">
-                <a16:creationId xmlns:a16="http://schemas.microsoft.com/office/drawing/2014/main" xmlns="" id="{FEA31F8D-7A89-4A16-AFA7-A8607888F3D6}"/>
+                <a16:creationId xmlns="" xmlns:a16="http://schemas.microsoft.com/office/drawing/2014/main" id="{FEA31F8D-7A89-4A16-AFA7-A8607888F3D6}"/>
               </a:ext>
             </a:extLst>
           </p:cNvPr>
@@ -13164,6 +13511,13 @@
   <p:clrMapOvr>
     <a:masterClrMapping/>
   </p:clrMapOvr>
+  <p:timing>
+    <p:tnLst>
+      <p:par>
+        <p:cTn id="1" dur="indefinite" restart="never" nodeType="tmRoot"/>
+      </p:par>
+    </p:tnLst>
+  </p:timing>
 </p:sld>
 </file>
 
@@ -13376,7 +13730,7 @@
           <p:cNvPr id="2" name="Title 1">
             <a:extLst>
               <a:ext uri="{FF2B5EF4-FFF2-40B4-BE49-F238E27FC236}">
-                <a16:creationId xmlns:a16="http://schemas.microsoft.com/office/drawing/2014/main" xmlns="" id="{E2C35651-2B8F-47E5-B2BF-DE42C7C25A44}"/>
+                <a16:creationId xmlns="" xmlns:a16="http://schemas.microsoft.com/office/drawing/2014/main" id="{E2C35651-2B8F-47E5-B2BF-DE42C7C25A44}"/>
               </a:ext>
             </a:extLst>
           </p:cNvPr>
@@ -13415,7 +13769,7 @@
           <p:cNvPr id="5" name="Content Placeholder 4">
             <a:extLst>
               <a:ext uri="{FF2B5EF4-FFF2-40B4-BE49-F238E27FC236}">
-                <a16:creationId xmlns:a16="http://schemas.microsoft.com/office/drawing/2014/main" xmlns="" id="{4D21444C-7955-4E8A-872A-7E43CFC5E737}"/>
+                <a16:creationId xmlns="" xmlns:a16="http://schemas.microsoft.com/office/drawing/2014/main" id="{4D21444C-7955-4E8A-872A-7E43CFC5E737}"/>
               </a:ext>
             </a:extLst>
           </p:cNvPr>
@@ -13447,7 +13801,7 @@
           <p:cNvPr id="7" name="Picture 6">
             <a:extLst>
               <a:ext uri="{FF2B5EF4-FFF2-40B4-BE49-F238E27FC236}">
-                <a16:creationId xmlns:a16="http://schemas.microsoft.com/office/drawing/2014/main" xmlns="" id="{3080F814-84F6-4B5E-91FD-4CF85EFAA2B6}"/>
+                <a16:creationId xmlns="" xmlns:a16="http://schemas.microsoft.com/office/drawing/2014/main" id="{3080F814-84F6-4B5E-91FD-4CF85EFAA2B6}"/>
               </a:ext>
             </a:extLst>
           </p:cNvPr>
@@ -13482,6 +13836,13 @@
   <p:clrMapOvr>
     <a:masterClrMapping/>
   </p:clrMapOvr>
+  <p:timing>
+    <p:tnLst>
+      <p:par>
+        <p:cTn id="1" dur="indefinite" restart="never" nodeType="tmRoot"/>
+      </p:par>
+    </p:tnLst>
+  </p:timing>
 </p:sld>
 </file>
 
@@ -13507,7 +13868,7 @@
           <p:cNvPr id="2" name="Title 1">
             <a:extLst>
               <a:ext uri="{FF2B5EF4-FFF2-40B4-BE49-F238E27FC236}">
-                <a16:creationId xmlns:a16="http://schemas.microsoft.com/office/drawing/2014/main" xmlns="" id="{E2C35651-2B8F-47E5-B2BF-DE42C7C25A44}"/>
+                <a16:creationId xmlns="" xmlns:a16="http://schemas.microsoft.com/office/drawing/2014/main" id="{E2C35651-2B8F-47E5-B2BF-DE42C7C25A44}"/>
               </a:ext>
             </a:extLst>
           </p:cNvPr>
@@ -13546,7 +13907,7 @@
           <p:cNvPr id="5" name="Content Placeholder 4">
             <a:extLst>
               <a:ext uri="{FF2B5EF4-FFF2-40B4-BE49-F238E27FC236}">
-                <a16:creationId xmlns:a16="http://schemas.microsoft.com/office/drawing/2014/main" xmlns="" id="{4D21444C-7955-4E8A-872A-7E43CFC5E737}"/>
+                <a16:creationId xmlns="" xmlns:a16="http://schemas.microsoft.com/office/drawing/2014/main" id="{4D21444C-7955-4E8A-872A-7E43CFC5E737}"/>
               </a:ext>
             </a:extLst>
           </p:cNvPr>
@@ -13578,7 +13939,7 @@
           <p:cNvPr id="7" name="Picture 6">
             <a:extLst>
               <a:ext uri="{FF2B5EF4-FFF2-40B4-BE49-F238E27FC236}">
-                <a16:creationId xmlns:a16="http://schemas.microsoft.com/office/drawing/2014/main" xmlns="" id="{3080F814-84F6-4B5E-91FD-4CF85EFAA2B6}"/>
+                <a16:creationId xmlns="" xmlns:a16="http://schemas.microsoft.com/office/drawing/2014/main" id="{3080F814-84F6-4B5E-91FD-4CF85EFAA2B6}"/>
               </a:ext>
             </a:extLst>
           </p:cNvPr>
@@ -13608,7 +13969,7 @@
           <p:cNvPr id="10" name="Rectangle 9">
             <a:extLst>
               <a:ext uri="{FF2B5EF4-FFF2-40B4-BE49-F238E27FC236}">
-                <a16:creationId xmlns:a16="http://schemas.microsoft.com/office/drawing/2014/main" xmlns="" id="{FEA31F8D-7A89-4A16-AFA7-A8607888F3D6}"/>
+                <a16:creationId xmlns="" xmlns:a16="http://schemas.microsoft.com/office/drawing/2014/main" id="{FEA31F8D-7A89-4A16-AFA7-A8607888F3D6}"/>
               </a:ext>
             </a:extLst>
           </p:cNvPr>
@@ -13665,6 +14026,13 @@
   <p:clrMapOvr>
     <a:masterClrMapping/>
   </p:clrMapOvr>
+  <p:timing>
+    <p:tnLst>
+      <p:par>
+        <p:cTn id="1" dur="indefinite" restart="never" nodeType="tmRoot"/>
+      </p:par>
+    </p:tnLst>
+  </p:timing>
 </p:sld>
 </file>
 
@@ -13690,7 +14058,7 @@
           <p:cNvPr id="2" name="Title 1">
             <a:extLst>
               <a:ext uri="{FF2B5EF4-FFF2-40B4-BE49-F238E27FC236}">
-                <a16:creationId xmlns:a16="http://schemas.microsoft.com/office/drawing/2014/main" xmlns="" id="{2890EE67-F959-46EC-93C0-4DC44E2BBE90}"/>
+                <a16:creationId xmlns="" xmlns:a16="http://schemas.microsoft.com/office/drawing/2014/main" id="{2890EE67-F959-46EC-93C0-4DC44E2BBE90}"/>
               </a:ext>
             </a:extLst>
           </p:cNvPr>
@@ -13713,7 +14081,11 @@
           <a:p>
             <a:r>
               <a:rPr lang="en-US" b="1" dirty="0"/>
-              <a:t>Final Conclusion:</a:t>
+              <a:t>Final </a:t>
+            </a:r>
+            <a:r>
+              <a:rPr lang="en-US" b="1" dirty="0" smtClean="0"/>
+              <a:t>Conclusions:</a:t>
             </a:r>
             <a:endParaRPr lang="en-GB" b="1" dirty="0"/>
           </a:p>
@@ -13724,7 +14096,7 @@
           <p:cNvPr id="3" name="Content Placeholder 2">
             <a:extLst>
               <a:ext uri="{FF2B5EF4-FFF2-40B4-BE49-F238E27FC236}">
-                <a16:creationId xmlns:a16="http://schemas.microsoft.com/office/drawing/2014/main" xmlns="" id="{A4039225-E4C6-4F69-A0F2-C27BA667DEF5}"/>
+                <a16:creationId xmlns="" xmlns:a16="http://schemas.microsoft.com/office/drawing/2014/main" id="{A4039225-E4C6-4F69-A0F2-C27BA667DEF5}"/>
               </a:ext>
             </a:extLst>
           </p:cNvPr>
@@ -13762,19 +14134,39 @@
             </a:r>
             <a:r>
               <a:rPr lang="en-US" b="1" dirty="0"/>
-              <a:t>Decision tree Model </a:t>
+              <a:t>Decision </a:t>
+            </a:r>
+            <a:r>
+              <a:rPr lang="en-US" b="1" dirty="0" smtClean="0"/>
+              <a:t>trees </a:t>
+            </a:r>
+            <a:r>
+              <a:rPr lang="en-US" dirty="0" smtClean="0"/>
+              <a:t>and </a:t>
+            </a:r>
+            <a:r>
+              <a:rPr lang="en-US" b="1" dirty="0"/>
+              <a:t>Random </a:t>
+            </a:r>
+            <a:r>
+              <a:rPr lang="en-US" b="1" dirty="0" smtClean="0"/>
+              <a:t>forests </a:t>
+            </a:r>
+            <a:r>
+              <a:rPr lang="en-US" dirty="0" smtClean="0"/>
+              <a:t>performed </a:t>
             </a:r>
             <a:r>
               <a:rPr lang="en-US" dirty="0"/>
-              <a:t>and </a:t>
-            </a:r>
-            <a:r>
-              <a:rPr lang="en-US" b="1" dirty="0"/>
-              <a:t>Random forest model </a:t>
+              <a:t>much better by training on the N-folder cross validation dataset, but SVM </a:t>
+            </a:r>
+            <a:r>
+              <a:rPr lang="en-US" dirty="0" smtClean="0"/>
+              <a:t>performed worse when not doing cross </a:t>
             </a:r>
             <a:r>
               <a:rPr lang="en-US" dirty="0"/>
-              <a:t>performed much better by training on the N-folder cross validation dataset, but SVM model performed even worse than none cross validation. </a:t>
+              <a:t>validation. </a:t>
             </a:r>
             <a:endParaRPr lang="en-GB" dirty="0"/>
           </a:p>
@@ -13794,7 +14186,31 @@
             </a:pPr>
             <a:r>
               <a:rPr lang="en-US" dirty="0"/>
-              <a:t>2. Random forest Model outperformed all the models by training on the N-folder cross validation dataset. It got the highest rate of accuracy and precision. As a result, the </a:t>
+              <a:t>2. Random </a:t>
+            </a:r>
+            <a:r>
+              <a:rPr lang="en-US" dirty="0" smtClean="0"/>
+              <a:t>forests outperformed </a:t>
+            </a:r>
+            <a:r>
+              <a:rPr lang="en-US" dirty="0"/>
+              <a:t>all the models by training </a:t>
+            </a:r>
+            <a:r>
+              <a:rPr lang="en-US" dirty="0" smtClean="0"/>
+              <a:t>using N-fold </a:t>
+            </a:r>
+            <a:r>
+              <a:rPr lang="en-US" dirty="0"/>
+              <a:t>cross </a:t>
+            </a:r>
+            <a:r>
+              <a:rPr lang="en-US" dirty="0" smtClean="0"/>
+              <a:t>validation. </a:t>
+            </a:r>
+            <a:r>
+              <a:rPr lang="en-US" dirty="0"/>
+              <a:t>It got the highest rate of accuracy and precision. As a result, the </a:t>
             </a:r>
             <a:r>
               <a:rPr lang="en-US" b="1" dirty="0"/>
@@ -13916,6 +14332,13 @@
   <p:clrMapOvr>
     <a:masterClrMapping/>
   </p:clrMapOvr>
+  <p:timing>
+    <p:tnLst>
+      <p:par>
+        <p:cTn id="1" dur="indefinite" restart="never" nodeType="tmRoot"/>
+      </p:par>
+    </p:tnLst>
+  </p:timing>
 </p:sld>
 </file>
 
@@ -13953,7 +14376,11 @@
           <a:p>
             <a:r>
               <a:rPr lang="en-US" b="1" dirty="0"/>
-              <a:t>3.3 Implications of the outcome</a:t>
+              <a:t>3.3 </a:t>
+            </a:r>
+            <a:r>
+              <a:rPr lang="en-US" b="1" dirty="0" smtClean="0"/>
+              <a:t>Implications</a:t>
             </a:r>
             <a:endParaRPr lang="en-GB" b="1" dirty="0"/>
           </a:p>
@@ -13977,13 +14404,33 @@
         </p:spPr>
         <p:txBody>
           <a:bodyPr>
-            <a:normAutofit lnSpcReduction="10000"/>
+            <a:normAutofit fontScale="92500"/>
           </a:bodyPr>
           <a:lstStyle/>
           <a:p>
             <a:r>
+              <a:rPr lang="en-US" dirty="0" smtClean="0"/>
+              <a:t>The analysis </a:t>
+            </a:r>
+            <a:r>
               <a:rPr lang="en-US" dirty="0"/>
-              <a:t>Analysis of Educational Data seeks to use these data repositories to better understand students and their study, and to develop computational approaches that combine data and theory to transform practice to benefit students.</a:t>
+              <a:t>of Educational Data seeks to use </a:t>
+            </a:r>
+            <a:r>
+              <a:rPr lang="en-US" dirty="0" smtClean="0"/>
+              <a:t>data to </a:t>
+            </a:r>
+            <a:r>
+              <a:rPr lang="en-US" dirty="0"/>
+              <a:t>better understand students and their study, and to develop computational approaches that combine data and theory to transform </a:t>
+            </a:r>
+            <a:r>
+              <a:rPr lang="en-US" dirty="0" smtClean="0"/>
+              <a:t>educational practices </a:t>
+            </a:r>
+            <a:r>
+              <a:rPr lang="en-US" dirty="0"/>
+              <a:t>to benefit students.</a:t>
             </a:r>
             <a:endParaRPr lang="en-GB" dirty="0"/>
           </a:p>
@@ -13996,7 +14443,50 @@
           <a:p>
             <a:r>
               <a:rPr lang="en-GB" dirty="0"/>
-              <a:t>This study can facilitate the students and the lecturers to boost the students of all category to perform well. This study helps to spot out those students who require special attention, minimize the failure ratio and to take acceptable action for upcoming semester examination.</a:t>
+              <a:t>This study can facilitate the students and the lecturers to </a:t>
+            </a:r>
+            <a:r>
+              <a:rPr lang="en-GB" dirty="0" smtClean="0"/>
+              <a:t>assist students to </a:t>
+            </a:r>
+            <a:r>
+              <a:rPr lang="en-GB" dirty="0"/>
+              <a:t>perform well. </a:t>
+            </a:r>
+            <a:endParaRPr lang="en-GB" dirty="0" smtClean="0"/>
+          </a:p>
+          <a:p>
+            <a:r>
+              <a:rPr lang="en-GB" dirty="0" smtClean="0"/>
+              <a:t>This </a:t>
+            </a:r>
+            <a:r>
+              <a:rPr lang="en-GB" dirty="0"/>
+              <a:t>study helps </a:t>
+            </a:r>
+            <a:r>
+              <a:rPr lang="en-GB" dirty="0" smtClean="0"/>
+              <a:t>identify students </a:t>
+            </a:r>
+            <a:r>
+              <a:rPr lang="en-GB" dirty="0"/>
+              <a:t>who require special attention, minimize the failure </a:t>
+            </a:r>
+            <a:r>
+              <a:rPr lang="en-GB" dirty="0" smtClean="0"/>
+              <a:t>rate and take actions </a:t>
+            </a:r>
+            <a:r>
+              <a:rPr lang="en-GB" dirty="0"/>
+              <a:t>for </a:t>
+            </a:r>
+            <a:r>
+              <a:rPr lang="en-GB" dirty="0" smtClean="0"/>
+              <a:t>future semester </a:t>
+            </a:r>
+            <a:r>
+              <a:rPr lang="en-GB" dirty="0"/>
+              <a:t>examination.</a:t>
             </a:r>
           </a:p>
           <a:p>
@@ -14004,17 +14494,26 @@
           </a:p>
           <a:p>
             <a:r>
+              <a:rPr lang="en-GB" dirty="0" smtClean="0"/>
+              <a:t>Future work</a:t>
+            </a:r>
+            <a:r>
+              <a:rPr lang="en-GB" dirty="0" smtClean="0"/>
+              <a:t> will validate the </a:t>
+            </a:r>
+            <a:r>
               <a:rPr lang="en-GB" dirty="0"/>
-              <a:t>In future, </a:t>
-            </a:r>
-            <a:r>
-              <a:rPr lang="en-GB"/>
-              <a:t>prediction models </a:t>
-            </a:r>
-            <a:r>
-              <a:rPr lang="en-GB" dirty="0"/>
-              <a:t>can be experimented on the different kinds of datasets.</a:t>
-            </a:r>
+              <a:t>models </a:t>
+            </a:r>
+            <a:r>
+              <a:rPr lang="en-GB" dirty="0" smtClean="0"/>
+              <a:t>on more educational data, in particular from </a:t>
+            </a:r>
+            <a:r>
+              <a:rPr lang="en-GB" smtClean="0"/>
+              <a:t>different institutions/backgrounds</a:t>
+            </a:r>
+            <a:endParaRPr lang="en-GB" dirty="0"/>
           </a:p>
           <a:p>
             <a:endParaRPr lang="en-GB" dirty="0"/>
@@ -14031,6 +14530,13 @@
   <p:clrMapOvr>
     <a:masterClrMapping/>
   </p:clrMapOvr>
+  <p:timing>
+    <p:tnLst>
+      <p:par>
+        <p:cTn id="1" dur="indefinite" restart="never" nodeType="tmRoot"/>
+      </p:par>
+    </p:tnLst>
+  </p:timing>
 </p:sld>
 </file>
 
@@ -14305,11 +14811,7 @@
             </a:r>
             <a:r>
               <a:rPr lang="en-US" dirty="0" smtClean="0"/>
-              <a:t>prior to the examination itself allows to devote </a:t>
-            </a:r>
-            <a:r>
-              <a:rPr lang="en-US" dirty="0" smtClean="0"/>
-              <a:t>extra </a:t>
+              <a:t>prior to the examination itself allows to devote extra </a:t>
             </a:r>
             <a:r>
               <a:rPr lang="en-US" dirty="0"/>
@@ -14514,15 +15016,7 @@
             </a:r>
             <a:r>
               <a:rPr lang="en-US" dirty="0" smtClean="0"/>
-              <a:t>methods developed </a:t>
-            </a:r>
-            <a:r>
-              <a:rPr lang="en-US" dirty="0" smtClean="0"/>
-              <a:t>in this project </a:t>
-            </a:r>
-            <a:r>
-              <a:rPr lang="en-US" dirty="0" smtClean="0"/>
-              <a:t>could be extended to </a:t>
+              <a:t>methods developed in this project could be extended to </a:t>
             </a:r>
             <a:r>
               <a:rPr lang="en-US" dirty="0"/>
@@ -14754,7 +15248,7 @@
           <p:cNvPr id="2" name="Title 1">
             <a:extLst>
               <a:ext uri="{FF2B5EF4-FFF2-40B4-BE49-F238E27FC236}">
-                <a16:creationId xmlns:a16="http://schemas.microsoft.com/office/drawing/2014/main" xmlns="" id="{1A898971-19AF-4A8B-9D15-CD5A1AEA1C68}"/>
+                <a16:creationId xmlns="" xmlns:a16="http://schemas.microsoft.com/office/drawing/2014/main" id="{1A898971-19AF-4A8B-9D15-CD5A1AEA1C68}"/>
               </a:ext>
             </a:extLst>
           </p:cNvPr>
@@ -14790,7 +15284,7 @@
           <p:cNvPr id="3" name="Content Placeholder 2">
             <a:extLst>
               <a:ext uri="{FF2B5EF4-FFF2-40B4-BE49-F238E27FC236}">
-                <a16:creationId xmlns:a16="http://schemas.microsoft.com/office/drawing/2014/main" xmlns="" id="{6690DA6D-FA84-46DD-A712-CC84EFBD1ACA}"/>
+                <a16:creationId xmlns="" xmlns:a16="http://schemas.microsoft.com/office/drawing/2014/main" id="{6690DA6D-FA84-46DD-A712-CC84EFBD1ACA}"/>
               </a:ext>
             </a:extLst>
           </p:cNvPr>
@@ -14910,7 +15404,7 @@
           <p:cNvPr id="2" name="Title 1">
             <a:extLst>
               <a:ext uri="{FF2B5EF4-FFF2-40B4-BE49-F238E27FC236}">
-                <a16:creationId xmlns:a16="http://schemas.microsoft.com/office/drawing/2014/main" xmlns="" id="{E46FF1C7-4944-4D09-B922-92B6E10E228C}"/>
+                <a16:creationId xmlns="" xmlns:a16="http://schemas.microsoft.com/office/drawing/2014/main" id="{E46FF1C7-4944-4D09-B922-92B6E10E228C}"/>
               </a:ext>
             </a:extLst>
           </p:cNvPr>
@@ -14945,7 +15439,7 @@
           <p:cNvPr id="4" name="Content Placeholder 3">
             <a:extLst>
               <a:ext uri="{FF2B5EF4-FFF2-40B4-BE49-F238E27FC236}">
-                <a16:creationId xmlns:a16="http://schemas.microsoft.com/office/drawing/2014/main" xmlns="" id="{98834587-E421-4A57-B5CB-031E9C2B4B70}"/>
+                <a16:creationId xmlns="" xmlns:a16="http://schemas.microsoft.com/office/drawing/2014/main" id="{98834587-E421-4A57-B5CB-031E9C2B4B70}"/>
               </a:ext>
             </a:extLst>
           </p:cNvPr>

--- a/Project presentation (presentation)- zhiying.pptx
+++ b/Project presentation (presentation)- zhiying.pptx
@@ -30,9 +30,9 @@
     <p:sldId id="283" r:id="rId18"/>
     <p:sldId id="286" r:id="rId19"/>
     <p:sldId id="290" r:id="rId20"/>
-    <p:sldId id="299" r:id="rId21"/>
-    <p:sldId id="334" r:id="rId22"/>
-    <p:sldId id="335" r:id="rId23"/>
+    <p:sldId id="334" r:id="rId21"/>
+    <p:sldId id="335" r:id="rId22"/>
+    <p:sldId id="299" r:id="rId23"/>
     <p:sldId id="304" r:id="rId24"/>
     <p:sldId id="305" r:id="rId25"/>
     <p:sldId id="324" r:id="rId26"/>
@@ -173,9 +173,9 @@
             <p14:sldId id="283"/>
             <p14:sldId id="286"/>
             <p14:sldId id="290"/>
-            <p14:sldId id="299"/>
             <p14:sldId id="334"/>
             <p14:sldId id="335"/>
+            <p14:sldId id="299"/>
             <p14:sldId id="304"/>
             <p14:sldId id="305"/>
             <p14:sldId id="324"/>
@@ -4416,15 +4416,7 @@
             </a:pPr>
             <a:r>
               <a:rPr lang="en-GB" dirty="0"/>
-              <a:t>2. Explore the datasets. Explore the distribution of the datasets </a:t>
-            </a:r>
-            <a:r>
-              <a:rPr lang="en-GB" dirty="0" err="1"/>
-              <a:t>w.r.t</a:t>
-            </a:r>
-            <a:r>
-              <a:rPr lang="en-GB" dirty="0"/>
-              <a:t>. different features: gender, nationality, grade, topic, parental satisfaction etc. (like girls raises more hand, more discussions in high school etc.); and</a:t>
+              <a:t>2. Explore the datasets. Explore the distribution of the datasets on different features: gender, nationality, grade, topic, parental satisfaction etc. (like girls raises more hand, more discussions in high school etc.); and</a:t>
             </a:r>
           </a:p>
           <a:p>
@@ -4980,7 +4972,7 @@
               <a:rPr lang="en-US" b="1" dirty="0"/>
               <a:t>3.Contributions</a:t>
             </a:r>
-            <a:endParaRPr lang="en-GB" dirty="0"/>
+            <a:endParaRPr lang="en-GB" b="1" dirty="0"/>
           </a:p>
         </p:txBody>
       </p:sp>
@@ -4996,8 +4988,8 @@
         </p:nvSpPr>
         <p:spPr>
           <a:xfrm>
-            <a:off x="838200" y="754143"/>
-            <a:ext cx="10515600" cy="5986021"/>
+            <a:off x="838200" y="659877"/>
+            <a:ext cx="10515600" cy="6070861"/>
           </a:xfrm>
         </p:spPr>
         <p:txBody>
@@ -5010,10 +5002,10 @@
               <a:buNone/>
             </a:pPr>
             <a:r>
-              <a:rPr lang="en-US" sz="2900" b="1" dirty="0"/>
+              <a:rPr lang="en-US" sz="4600" b="1" dirty="0"/>
               <a:t>3.1 Implementation steps:</a:t>
             </a:r>
-            <a:endParaRPr lang="de-DE" sz="2900" dirty="0"/>
+            <a:endParaRPr lang="de-DE" sz="4600" dirty="0"/>
           </a:p>
           <a:p>
             <a:pPr marL="0" indent="0">
@@ -5592,7 +5584,7 @@
         </p:spPr>
         <p:txBody>
           <a:bodyPr>
-            <a:normAutofit fontScale="85000" lnSpcReduction="20000"/>
+            <a:normAutofit/>
           </a:bodyPr>
           <a:lstStyle/>
           <a:p>
@@ -5638,37 +5630,7 @@
             </a:pPr>
             <a:r>
               <a:rPr lang="en-US" dirty="0"/>
-              <a:t> 3. Middle school has the most students. Lower-level has higher rate of above 7 days of student absence. Lower-level has the highest rate of low class students (low achievers). Highschool has the highest rate of high class students (high achievers). Middle school has the highest rate of medium class students.</a:t>
-            </a:r>
-            <a:endParaRPr lang="en-GB" dirty="0"/>
-          </a:p>
-          <a:p>
-            <a:pPr marL="0" indent="0">
-              <a:buNone/>
-            </a:pPr>
-            <a:r>
-              <a:rPr lang="en-US" dirty="0"/>
-              <a:t> 4. Biology has the highest ratio of high class students, but also the highest ratio of low class students. Geology has the highest ratio of medium class students.</a:t>
-            </a:r>
-            <a:endParaRPr lang="en-GB" dirty="0"/>
-          </a:p>
-          <a:p>
-            <a:pPr marL="0" indent="0">
-              <a:buNone/>
-            </a:pPr>
-            <a:r>
-              <a:rPr lang="en-US" dirty="0"/>
-              <a:t> 5. The students who have moms as guardians have higher chances to get high class marks. Students whose parents answer the survey are the ones getting good marks. Student that have more absences are those getting low marks.</a:t>
-            </a:r>
-            <a:endParaRPr lang="en-GB" dirty="0"/>
-          </a:p>
-          <a:p>
-            <a:pPr marL="0" indent="0">
-              <a:buNone/>
-            </a:pPr>
-            <a:r>
-              <a:rPr lang="en-US" dirty="0"/>
-              <a:t> 6. High achiever students are more likely to raise hands, visit resources, view announcements and participate in discussions. Low achiever students raised hands, visited resource, viewed announcements and participated in discussions few times. </a:t>
+              <a:t> </a:t>
             </a:r>
             <a:endParaRPr lang="en-GB" dirty="0"/>
           </a:p>
@@ -5677,7 +5639,7 @@
     </p:spTree>
     <p:extLst>
       <p:ext uri="{BB962C8B-B14F-4D97-AF65-F5344CB8AC3E}">
-        <p14:creationId xmlns:p14="http://schemas.microsoft.com/office/powerpoint/2010/main" val="357547998"/>
+        <p14:creationId xmlns:p14="http://schemas.microsoft.com/office/powerpoint/2010/main" val="112553318"/>
       </p:ext>
     </p:extLst>
   </p:cSld>
@@ -5750,7 +5712,7 @@
         </p:spPr>
         <p:txBody>
           <a:bodyPr>
-            <a:normAutofit/>
+            <a:normAutofit fontScale="92500" lnSpcReduction="20000"/>
           </a:bodyPr>
           <a:lstStyle/>
           <a:p>
@@ -5796,7 +5758,27 @@
             </a:pPr>
             <a:r>
               <a:rPr lang="en-US" dirty="0"/>
-              <a:t> </a:t>
+              <a:t> 3. Middle school has the most students. Lower-level has higher rate of above 7 days of student absence. Lower-level has the highest rate of low class students (low achievers). Highschool has the highest rate of high class students (high achievers). Middle school has the highest rate of medium class students.</a:t>
+            </a:r>
+            <a:endParaRPr lang="en-GB" dirty="0"/>
+          </a:p>
+          <a:p>
+            <a:pPr marL="0" indent="0">
+              <a:buNone/>
+            </a:pPr>
+            <a:r>
+              <a:rPr lang="en-US" dirty="0"/>
+              <a:t> 4. Biology has the highest ratio of high class students, but also the highest ratio of low class students. Geology has the highest ratio of medium class students.</a:t>
+            </a:r>
+            <a:endParaRPr lang="en-GB" dirty="0"/>
+          </a:p>
+          <a:p>
+            <a:pPr marL="0" indent="0">
+              <a:buNone/>
+            </a:pPr>
+            <a:r>
+              <a:rPr lang="en-US" dirty="0"/>
+              <a:t> </a:t>
             </a:r>
             <a:endParaRPr lang="en-GB" dirty="0"/>
           </a:p>
@@ -5805,7 +5787,7 @@
     </p:spTree>
     <p:extLst>
       <p:ext uri="{BB962C8B-B14F-4D97-AF65-F5344CB8AC3E}">
-        <p14:creationId xmlns:p14="http://schemas.microsoft.com/office/powerpoint/2010/main" val="112553318"/>
+        <p14:creationId xmlns:p14="http://schemas.microsoft.com/office/powerpoint/2010/main" val="204927744"/>
       </p:ext>
     </p:extLst>
   </p:cSld>
@@ -5878,7 +5860,7 @@
         </p:spPr>
         <p:txBody>
           <a:bodyPr>
-            <a:normAutofit fontScale="92500" lnSpcReduction="20000"/>
+            <a:normAutofit fontScale="85000" lnSpcReduction="20000"/>
           </a:bodyPr>
           <a:lstStyle/>
           <a:p>
@@ -5944,7 +5926,17 @@
             </a:pPr>
             <a:r>
               <a:rPr lang="en-US" dirty="0"/>
-              <a:t> </a:t>
+              <a:t> 5. The students who have moms as guardians have higher chances to get high class marks. Students whose parents answer the survey are the ones getting good marks. Student that have more absences are those getting low marks.</a:t>
+            </a:r>
+            <a:endParaRPr lang="en-GB" dirty="0"/>
+          </a:p>
+          <a:p>
+            <a:pPr marL="0" indent="0">
+              <a:buNone/>
+            </a:pPr>
+            <a:r>
+              <a:rPr lang="en-US" dirty="0"/>
+              <a:t> 6. High achiever students are more likely to raise hands, visit resources, view announcements and participate in discussions. Low achiever students raised hands, visited resource, viewed announcements and participated in discussions few times. </a:t>
             </a:r>
             <a:endParaRPr lang="en-GB" dirty="0"/>
           </a:p>
@@ -5953,7 +5945,7 @@
     </p:spTree>
     <p:extLst>
       <p:ext uri="{BB962C8B-B14F-4D97-AF65-F5344CB8AC3E}">
-        <p14:creationId xmlns:p14="http://schemas.microsoft.com/office/powerpoint/2010/main" val="204927744"/>
+        <p14:creationId xmlns:p14="http://schemas.microsoft.com/office/powerpoint/2010/main" val="357547998"/>
       </p:ext>
     </p:extLst>
   </p:cSld>
@@ -7316,7 +7308,7 @@
             <p:ph idx="1"/>
             <p:extLst>
               <p:ext uri="{D42A27DB-BD31-4B8C-83A1-F6EECF244321}">
-                <p14:modId xmlns:p14="http://schemas.microsoft.com/office/powerpoint/2010/main" val="2276909359"/>
+                <p14:modId xmlns:p14="http://schemas.microsoft.com/office/powerpoint/2010/main" val="1023705209"/>
               </p:ext>
             </p:extLst>
           </p:nvPr>
@@ -7721,13 +7713,13 @@
                         </a:spcAft>
                       </a:pPr>
                       <a:r>
-                        <a:rPr lang="en-US" sz="2800">
+                        <a:rPr lang="en-US" sz="2800" dirty="0">
                           <a:effectLst/>
                           <a:latin typeface="+mn-lt"/>
                         </a:rPr>
                         <a:t>0.8742</a:t>
                       </a:r>
-                      <a:endParaRPr lang="en-GB" sz="2800">
+                      <a:endParaRPr lang="en-GB" sz="2800" dirty="0">
                         <a:effectLst/>
                         <a:latin typeface="+mn-lt"/>
                         <a:ea typeface="SimSun" panose="02010600030101010101" pitchFamily="2" charset="-122"/>
@@ -7768,43 +7760,19 @@
                         </a:spcAft>
                       </a:pPr>
                       <a:r>
-                        <a:rPr lang="en-US" sz="2800">
+                        <a:rPr lang="en-US" sz="2800" dirty="0">
+                          <a:solidFill>
+                            <a:srgbClr val="FF0000"/>
+                          </a:solidFill>
                           <a:effectLst/>
                           <a:latin typeface="+mn-lt"/>
                         </a:rPr>
                         <a:t>VSM</a:t>
                       </a:r>
-                      <a:endParaRPr lang="en-GB" sz="2800">
-                        <a:effectLst/>
-                        <a:latin typeface="+mn-lt"/>
-                        <a:ea typeface="SimSun" panose="02010600030101010101" pitchFamily="2" charset="-122"/>
-                        <a:cs typeface="Times New Roman" panose="02020603050405020304" pitchFamily="18" charset="0"/>
-                      </a:endParaRPr>
-                    </a:p>
-                  </a:txBody>
-                  <a:tcPr marL="68580" marR="68580" marT="0" marB="0"/>
-                </a:tc>
-                <a:tc>
-                  <a:txBody>
-                    <a:bodyPr/>
-                    <a:lstStyle/>
-                    <a:p>
-                      <a:pPr>
-                        <a:lnSpc>
-                          <a:spcPct val="107000"/>
-                        </a:lnSpc>
-                        <a:spcAft>
-                          <a:spcPts val="0"/>
-                        </a:spcAft>
-                      </a:pPr>
-                      <a:r>
-                        <a:rPr lang="en-US" sz="2800">
-                          <a:effectLst/>
-                          <a:latin typeface="+mn-lt"/>
-                        </a:rPr>
-                        <a:t>0.7917</a:t>
-                      </a:r>
-                      <a:endParaRPr lang="en-GB" sz="2800">
+                      <a:endParaRPr lang="en-GB" sz="2800" dirty="0">
+                        <a:solidFill>
+                          <a:srgbClr val="FF0000"/>
+                        </a:solidFill>
                         <a:effectLst/>
                         <a:latin typeface="+mn-lt"/>
                         <a:ea typeface="SimSun" panose="02010600030101010101" pitchFamily="2" charset="-122"/>
@@ -7829,12 +7797,54 @@
                       </a:pPr>
                       <a:r>
                         <a:rPr lang="en-US" sz="2800" dirty="0">
+                          <a:solidFill>
+                            <a:srgbClr val="FF0000"/>
+                          </a:solidFill>
+                          <a:effectLst/>
+                          <a:latin typeface="+mn-lt"/>
+                        </a:rPr>
+                        <a:t>0.7917</a:t>
+                      </a:r>
+                      <a:endParaRPr lang="en-GB" sz="2800" dirty="0">
+                        <a:solidFill>
+                          <a:srgbClr val="FF0000"/>
+                        </a:solidFill>
+                        <a:effectLst/>
+                        <a:latin typeface="+mn-lt"/>
+                        <a:ea typeface="SimSun" panose="02010600030101010101" pitchFamily="2" charset="-122"/>
+                        <a:cs typeface="Times New Roman" panose="02020603050405020304" pitchFamily="18" charset="0"/>
+                      </a:endParaRPr>
+                    </a:p>
+                  </a:txBody>
+                  <a:tcPr marL="68580" marR="68580" marT="0" marB="0"/>
+                </a:tc>
+                <a:tc>
+                  <a:txBody>
+                    <a:bodyPr/>
+                    <a:lstStyle/>
+                    <a:p>
+                      <a:pPr>
+                        <a:lnSpc>
+                          <a:spcPct val="107000"/>
+                        </a:lnSpc>
+                        <a:spcAft>
+                          <a:spcPts val="0"/>
+                        </a:spcAft>
+                      </a:pPr>
+                      <a:r>
+                        <a:rPr lang="en-US" sz="2800" dirty="0">
+                          <a:solidFill>
+                            <a:srgbClr val="FF0000"/>
+                          </a:solidFill>
                           <a:effectLst/>
                           <a:latin typeface="+mn-lt"/>
                         </a:rPr>
                         <a:t>0.8920</a:t>
                       </a:r>
                       <a:endParaRPr lang="en-GB" sz="2800" dirty="0">
+                        <a:solidFill>
+                          <a:srgbClr val="FF0000"/>
+                        </a:solidFill>
                         <a:effectLst/>
                         <a:latin typeface="+mn-lt"/>
                         <a:ea typeface="SimSun" panose="02010600030101010101" pitchFamily="2" charset="-122"/>
@@ -8258,15 +8268,7 @@
             </a:pPr>
             <a:r>
               <a:rPr lang="en-US" b="1" dirty="0"/>
-              <a:t>       3.1 </a:t>
-            </a:r>
-            <a:r>
-              <a:rPr lang="en-US" b="1" dirty="0" err="1"/>
-              <a:t>Implemention</a:t>
-            </a:r>
-            <a:r>
-              <a:rPr lang="en-US" b="1" dirty="0"/>
-              <a:t> steps</a:t>
+              <a:t>       3.1 Implementation steps</a:t>
             </a:r>
             <a:endParaRPr lang="en-GB" dirty="0"/>
           </a:p>

--- a/Project presentation (presentation)- zhiying.pptx
+++ b/Project presentation (presentation)- zhiying.pptx
@@ -302,7 +302,7 @@
           <a:p>
             <a:fld id="{08E547F7-70C5-4547-A4AE-C43BB740706B}" type="datetimeFigureOut">
               <a:rPr lang="en-GB" smtClean="0"/>
-              <a:t>16/10/2017</a:t>
+              <a:t>17/10/2017</a:t>
             </a:fld>
             <a:endParaRPr lang="en-GB"/>
           </a:p>
@@ -468,7 +468,7 @@
           <a:p>
             <a:fld id="{35D16BFF-E995-4642-B57B-66CC9E10AD5D}" type="datetimeFigureOut">
               <a:rPr lang="en-GB" smtClean="0"/>
-              <a:t>16/10/2017</a:t>
+              <a:t>17/10/2017</a:t>
             </a:fld>
             <a:endParaRPr lang="en-GB"/>
           </a:p>
@@ -868,7 +868,7 @@
           <a:p>
             <a:fld id="{D7A2DC60-7AAB-4447-96F0-2D53A29BCED7}" type="datetime1">
               <a:rPr lang="en-GB" smtClean="0"/>
-              <a:t>16/10/2017</a:t>
+              <a:t>17/10/2017</a:t>
             </a:fld>
             <a:endParaRPr lang="en-GB"/>
           </a:p>
@@ -1038,7 +1038,7 @@
           <a:p>
             <a:fld id="{45425B41-1259-416A-9201-2D081FB3DA44}" type="datetime1">
               <a:rPr lang="en-GB" smtClean="0"/>
-              <a:t>16/10/2017</a:t>
+              <a:t>17/10/2017</a:t>
             </a:fld>
             <a:endParaRPr lang="en-GB"/>
           </a:p>
@@ -1218,7 +1218,7 @@
           <a:p>
             <a:fld id="{E86FFA46-90CE-430D-B788-6D5F590585DE}" type="datetime1">
               <a:rPr lang="en-GB" smtClean="0"/>
-              <a:t>16/10/2017</a:t>
+              <a:t>17/10/2017</a:t>
             </a:fld>
             <a:endParaRPr lang="en-GB"/>
           </a:p>
@@ -1388,7 +1388,7 @@
           <a:p>
             <a:fld id="{30357778-D470-41BA-B7AA-A739B8CD456F}" type="datetime1">
               <a:rPr lang="en-GB" smtClean="0"/>
-              <a:t>16/10/2017</a:t>
+              <a:t>17/10/2017</a:t>
             </a:fld>
             <a:endParaRPr lang="en-GB"/>
           </a:p>
@@ -1634,7 +1634,7 @@
           <a:p>
             <a:fld id="{F39CD7CD-50E9-452E-9434-4D15B6C1C393}" type="datetime1">
               <a:rPr lang="en-GB" smtClean="0"/>
-              <a:t>16/10/2017</a:t>
+              <a:t>17/10/2017</a:t>
             </a:fld>
             <a:endParaRPr lang="en-GB"/>
           </a:p>
@@ -1866,7 +1866,7 @@
           <a:p>
             <a:fld id="{F143386D-EBCE-4EE9-B5A2-D503FA6DC607}" type="datetime1">
               <a:rPr lang="en-GB" smtClean="0"/>
-              <a:t>16/10/2017</a:t>
+              <a:t>17/10/2017</a:t>
             </a:fld>
             <a:endParaRPr lang="en-GB"/>
           </a:p>
@@ -2238,7 +2238,7 @@
           <a:p>
             <a:fld id="{117B2199-D56A-49CA-B76E-8278B7A2BCCF}" type="datetime1">
               <a:rPr lang="en-GB" smtClean="0"/>
-              <a:t>16/10/2017</a:t>
+              <a:t>17/10/2017</a:t>
             </a:fld>
             <a:endParaRPr lang="en-GB"/>
           </a:p>
@@ -2361,7 +2361,7 @@
           <a:p>
             <a:fld id="{00979C6E-1826-4945-9E39-555E9E9F1028}" type="datetime1">
               <a:rPr lang="en-GB" smtClean="0"/>
-              <a:t>16/10/2017</a:t>
+              <a:t>17/10/2017</a:t>
             </a:fld>
             <a:endParaRPr lang="en-GB"/>
           </a:p>
@@ -2456,7 +2456,7 @@
           <a:p>
             <a:fld id="{463E3535-1057-4B43-91F6-C4CEB62CF370}" type="datetime1">
               <a:rPr lang="en-GB" smtClean="0"/>
-              <a:t>16/10/2017</a:t>
+              <a:t>17/10/2017</a:t>
             </a:fld>
             <a:endParaRPr lang="en-GB"/>
           </a:p>
@@ -2733,7 +2733,7 @@
           <a:p>
             <a:fld id="{90057F50-AF40-4C7E-B3B6-020F0638C2AB}" type="datetime1">
               <a:rPr lang="en-GB" smtClean="0"/>
-              <a:t>16/10/2017</a:t>
+              <a:t>17/10/2017</a:t>
             </a:fld>
             <a:endParaRPr lang="en-GB"/>
           </a:p>
@@ -2991,7 +2991,7 @@
           <a:p>
             <a:fld id="{9F94FFAD-9F2C-41BC-922F-B2C238348111}" type="datetime1">
               <a:rPr lang="en-GB" smtClean="0"/>
-              <a:t>16/10/2017</a:t>
+              <a:t>17/10/2017</a:t>
             </a:fld>
             <a:endParaRPr lang="en-GB"/>
           </a:p>
@@ -3204,7 +3204,7 @@
           <a:p>
             <a:fld id="{31A5F5B5-A28D-4B96-B86E-E4E1CB16FF9D}" type="datetime1">
               <a:rPr lang="en-GB" smtClean="0"/>
-              <a:t>16/10/2017</a:t>
+              <a:t>17/10/2017</a:t>
             </a:fld>
             <a:endParaRPr lang="en-GB"/>
           </a:p>
@@ -10188,7 +10188,7 @@
           <a:p>
             <a:r>
               <a:rPr lang="en-GB" b="1" dirty="0"/>
-              <a:t>2. SVM model </a:t>
+              <a:t>3. SVM model </a:t>
             </a:r>
             <a:br>
               <a:rPr lang="en-GB" b="1" dirty="0"/>
